--- a/MyTeamStats_presentation.pptx
+++ b/MyTeamStats_presentation.pptx
@@ -2,16 +2,20 @@
 <file path=ppt/presentation.xml><?xml version="1.0" encoding="utf-8"?>
 <p:presentation xmlns:a="http://schemas.openxmlformats.org/drawingml/2006/main" xmlns:r="http://schemas.openxmlformats.org/officeDocument/2006/relationships" xmlns:p="http://schemas.openxmlformats.org/presentationml/2006/main" saveSubsetFonts="1">
   <p:sldMasterIdLst>
-    <p:sldMasterId id="2147483660" r:id="rId1"/>
-    <p:sldMasterId id="2147483648" r:id="rId2"/>
+    <p:sldMasterId id="2147483648" r:id="rId1"/>
   </p:sldMasterIdLst>
   <p:sldIdLst>
-    <p:sldId id="256" r:id="rId3"/>
-    <p:sldId id="257" r:id="rId4"/>
-    <p:sldId id="258" r:id="rId5"/>
-    <p:sldId id="259" r:id="rId6"/>
-    <p:sldId id="260" r:id="rId7"/>
-    <p:sldId id="261" r:id="rId8"/>
+    <p:sldId id="257" r:id="rId2"/>
+    <p:sldId id="258" r:id="rId3"/>
+    <p:sldId id="259" r:id="rId4"/>
+    <p:sldId id="260" r:id="rId5"/>
+    <p:sldId id="261" r:id="rId6"/>
+    <p:sldId id="262" r:id="rId7"/>
+    <p:sldId id="263" r:id="rId8"/>
+    <p:sldId id="264" r:id="rId9"/>
+    <p:sldId id="265" r:id="rId10"/>
+    <p:sldId id="266" r:id="rId11"/>
+    <p:sldId id="267" r:id="rId12"/>
   </p:sldIdLst>
   <p:sldSz cx="12192000" cy="6858000"/>
   <p:notesSz cx="6858000" cy="9144000"/>
@@ -110,636 +114,15 @@
       </a:defRPr>
     </a:lvl9pPr>
   </p:defaultTextStyle>
+  <p:extLst>
+    <p:ext uri="{EFAFB233-063F-42B5-8137-9DF3F51BA10A}">
+      <p15:sldGuideLst xmlns:p15="http://schemas.microsoft.com/office/powerpoint/2012/main"/>
+    </p:ext>
+  </p:extLst>
 </p:presentation>
 </file>
 
 <file path=ppt/slideLayouts/slideLayout1.xml><?xml version="1.0" encoding="utf-8"?>
-<p:sldLayout xmlns:a="http://schemas.openxmlformats.org/drawingml/2006/main" xmlns:r="http://schemas.openxmlformats.org/officeDocument/2006/relationships" xmlns:p="http://schemas.openxmlformats.org/presentationml/2006/main" type="title" preserve="1">
-  <p:cSld name="Diapositive de titre">
-    <p:spTree>
-      <p:nvGrpSpPr>
-        <p:cNvPr id="1" name=""/>
-        <p:cNvGrpSpPr/>
-        <p:nvPr/>
-      </p:nvGrpSpPr>
-      <p:grpSpPr>
-        <a:xfrm>
-          <a:off x="0" y="0"/>
-          <a:ext cx="0" cy="0"/>
-          <a:chOff x="0" y="0"/>
-          <a:chExt cx="0" cy="0"/>
-        </a:xfrm>
-      </p:grpSpPr>
-      <p:sp>
-        <p:nvSpPr>
-          <p:cNvPr id="2" name="Titre 1">
-            <a:extLst>
-              <a:ext uri="{FF2B5EF4-FFF2-40B4-BE49-F238E27FC236}">
-                <a16:creationId xmlns:a16="http://schemas.microsoft.com/office/drawing/2014/main" id="{037EA1AB-4508-4088-9351-492815C4E067}"/>
-              </a:ext>
-            </a:extLst>
-          </p:cNvPr>
-          <p:cNvSpPr>
-            <a:spLocks noGrp="1"/>
-          </p:cNvSpPr>
-          <p:nvPr>
-            <p:ph type="ctrTitle"/>
-          </p:nvPr>
-        </p:nvSpPr>
-        <p:spPr>
-          <a:xfrm>
-            <a:off x="1524000" y="1122363"/>
-            <a:ext cx="9144000" cy="2387600"/>
-          </a:xfrm>
-        </p:spPr>
-        <p:txBody>
-          <a:bodyPr anchor="b"/>
-          <a:lstStyle>
-            <a:lvl1pPr algn="ctr">
-              <a:defRPr sz="6000"/>
-            </a:lvl1pPr>
-          </a:lstStyle>
-          <a:p>
-            <a:r>
-              <a:rPr lang="fr-FR"/>
-              <a:t>Modifiez le style du titre</a:t>
-            </a:r>
-          </a:p>
-        </p:txBody>
-      </p:sp>
-      <p:sp>
-        <p:nvSpPr>
-          <p:cNvPr id="3" name="Sous-titre 2">
-            <a:extLst>
-              <a:ext uri="{FF2B5EF4-FFF2-40B4-BE49-F238E27FC236}">
-                <a16:creationId xmlns:a16="http://schemas.microsoft.com/office/drawing/2014/main" id="{3470B731-79E5-49F2-820E-C6EA9906207A}"/>
-              </a:ext>
-            </a:extLst>
-          </p:cNvPr>
-          <p:cNvSpPr>
-            <a:spLocks noGrp="1"/>
-          </p:cNvSpPr>
-          <p:nvPr>
-            <p:ph type="subTitle" idx="1"/>
-          </p:nvPr>
-        </p:nvSpPr>
-        <p:spPr>
-          <a:xfrm>
-            <a:off x="1524000" y="3602038"/>
-            <a:ext cx="9144000" cy="1655762"/>
-          </a:xfrm>
-        </p:spPr>
-        <p:txBody>
-          <a:bodyPr/>
-          <a:lstStyle>
-            <a:lvl1pPr marL="0" indent="0" algn="ctr">
-              <a:buNone/>
-              <a:defRPr sz="2400"/>
-            </a:lvl1pPr>
-            <a:lvl2pPr marL="457200" indent="0" algn="ctr">
-              <a:buNone/>
-              <a:defRPr sz="2000"/>
-            </a:lvl2pPr>
-            <a:lvl3pPr marL="914400" indent="0" algn="ctr">
-              <a:buNone/>
-              <a:defRPr sz="1800"/>
-            </a:lvl3pPr>
-            <a:lvl4pPr marL="1371600" indent="0" algn="ctr">
-              <a:buNone/>
-              <a:defRPr sz="1600"/>
-            </a:lvl4pPr>
-            <a:lvl5pPr marL="1828800" indent="0" algn="ctr">
-              <a:buNone/>
-              <a:defRPr sz="1600"/>
-            </a:lvl5pPr>
-            <a:lvl6pPr marL="2286000" indent="0" algn="ctr">
-              <a:buNone/>
-              <a:defRPr sz="1600"/>
-            </a:lvl6pPr>
-            <a:lvl7pPr marL="2743200" indent="0" algn="ctr">
-              <a:buNone/>
-              <a:defRPr sz="1600"/>
-            </a:lvl7pPr>
-            <a:lvl8pPr marL="3200400" indent="0" algn="ctr">
-              <a:buNone/>
-              <a:defRPr sz="1600"/>
-            </a:lvl8pPr>
-            <a:lvl9pPr marL="3657600" indent="0" algn="ctr">
-              <a:buNone/>
-              <a:defRPr sz="1600"/>
-            </a:lvl9pPr>
-          </a:lstStyle>
-          <a:p>
-            <a:r>
-              <a:rPr lang="fr-FR"/>
-              <a:t>Modifiez le style des sous-titres du masque</a:t>
-            </a:r>
-          </a:p>
-        </p:txBody>
-      </p:sp>
-      <p:sp>
-        <p:nvSpPr>
-          <p:cNvPr id="4" name="Espace réservé de la date 3">
-            <a:extLst>
-              <a:ext uri="{FF2B5EF4-FFF2-40B4-BE49-F238E27FC236}">
-                <a16:creationId xmlns:a16="http://schemas.microsoft.com/office/drawing/2014/main" id="{1CC69F9A-212C-424A-8136-0819DA756C18}"/>
-              </a:ext>
-            </a:extLst>
-          </p:cNvPr>
-          <p:cNvSpPr>
-            <a:spLocks noGrp="1"/>
-          </p:cNvSpPr>
-          <p:nvPr>
-            <p:ph type="dt" sz="half" idx="10"/>
-          </p:nvPr>
-        </p:nvSpPr>
-        <p:spPr/>
-        <p:txBody>
-          <a:bodyPr/>
-          <a:lstStyle/>
-          <a:p>
-            <a:fld id="{ED31ACF8-25F1-4830-9ABD-A21C90846C2D}" type="datetimeFigureOut">
-              <a:rPr lang="fr-FR" smtClean="0"/>
-              <a:t>15/04/2020</a:t>
-            </a:fld>
-            <a:endParaRPr lang="fr-FR"/>
-          </a:p>
-        </p:txBody>
-      </p:sp>
-      <p:sp>
-        <p:nvSpPr>
-          <p:cNvPr id="5" name="Espace réservé du pied de page 4">
-            <a:extLst>
-              <a:ext uri="{FF2B5EF4-FFF2-40B4-BE49-F238E27FC236}">
-                <a16:creationId xmlns:a16="http://schemas.microsoft.com/office/drawing/2014/main" id="{6033F890-E58E-4DC2-9209-E359839AE43C}"/>
-              </a:ext>
-            </a:extLst>
-          </p:cNvPr>
-          <p:cNvSpPr>
-            <a:spLocks noGrp="1"/>
-          </p:cNvSpPr>
-          <p:nvPr>
-            <p:ph type="ftr" sz="quarter" idx="11"/>
-          </p:nvPr>
-        </p:nvSpPr>
-        <p:spPr/>
-        <p:txBody>
-          <a:bodyPr/>
-          <a:lstStyle/>
-          <a:p>
-            <a:endParaRPr lang="fr-FR"/>
-          </a:p>
-        </p:txBody>
-      </p:sp>
-      <p:sp>
-        <p:nvSpPr>
-          <p:cNvPr id="6" name="Espace réservé du numéro de diapositive 5">
-            <a:extLst>
-              <a:ext uri="{FF2B5EF4-FFF2-40B4-BE49-F238E27FC236}">
-                <a16:creationId xmlns:a16="http://schemas.microsoft.com/office/drawing/2014/main" id="{858DA0E2-4A99-4293-87C8-6FD2CCED8D52}"/>
-              </a:ext>
-            </a:extLst>
-          </p:cNvPr>
-          <p:cNvSpPr>
-            <a:spLocks noGrp="1"/>
-          </p:cNvSpPr>
-          <p:nvPr>
-            <p:ph type="sldNum" sz="quarter" idx="12"/>
-          </p:nvPr>
-        </p:nvSpPr>
-        <p:spPr/>
-        <p:txBody>
-          <a:bodyPr/>
-          <a:lstStyle/>
-          <a:p>
-            <a:fld id="{D32CCBCE-4E46-4687-ABD7-AEF219F6902D}" type="slidenum">
-              <a:rPr lang="fr-FR" smtClean="0"/>
-              <a:t>‹N°›</a:t>
-            </a:fld>
-            <a:endParaRPr lang="fr-FR"/>
-          </a:p>
-        </p:txBody>
-      </p:sp>
-    </p:spTree>
-    <p:extLst>
-      <p:ext uri="{BB962C8B-B14F-4D97-AF65-F5344CB8AC3E}">
-        <p14:creationId xmlns:p14="http://schemas.microsoft.com/office/powerpoint/2010/main" val="2981597402"/>
-      </p:ext>
-    </p:extLst>
-  </p:cSld>
-  <p:clrMapOvr>
-    <a:masterClrMapping/>
-  </p:clrMapOvr>
-</p:sldLayout>
-</file>
-
-<file path=ppt/slideLayouts/slideLayout10.xml><?xml version="1.0" encoding="utf-8"?>
-<p:sldLayout xmlns:a="http://schemas.openxmlformats.org/drawingml/2006/main" xmlns:r="http://schemas.openxmlformats.org/officeDocument/2006/relationships" xmlns:p="http://schemas.openxmlformats.org/presentationml/2006/main" type="vertTx" preserve="1">
-  <p:cSld name="Titre et texte vertical">
-    <p:spTree>
-      <p:nvGrpSpPr>
-        <p:cNvPr id="1" name=""/>
-        <p:cNvGrpSpPr/>
-        <p:nvPr/>
-      </p:nvGrpSpPr>
-      <p:grpSpPr>
-        <a:xfrm>
-          <a:off x="0" y="0"/>
-          <a:ext cx="0" cy="0"/>
-          <a:chOff x="0" y="0"/>
-          <a:chExt cx="0" cy="0"/>
-        </a:xfrm>
-      </p:grpSpPr>
-      <p:sp>
-        <p:nvSpPr>
-          <p:cNvPr id="2" name="Titre 1">
-            <a:extLst>
-              <a:ext uri="{FF2B5EF4-FFF2-40B4-BE49-F238E27FC236}">
-                <a16:creationId xmlns:a16="http://schemas.microsoft.com/office/drawing/2014/main" id="{8DF9FB3E-B29C-4D0D-B2CA-10CF9BDBE6FF}"/>
-              </a:ext>
-            </a:extLst>
-          </p:cNvPr>
-          <p:cNvSpPr>
-            <a:spLocks noGrp="1"/>
-          </p:cNvSpPr>
-          <p:nvPr>
-            <p:ph type="title"/>
-          </p:nvPr>
-        </p:nvSpPr>
-        <p:spPr/>
-        <p:txBody>
-          <a:bodyPr/>
-          <a:lstStyle/>
-          <a:p>
-            <a:r>
-              <a:rPr lang="fr-FR"/>
-              <a:t>Modifiez le style du titre</a:t>
-            </a:r>
-          </a:p>
-        </p:txBody>
-      </p:sp>
-      <p:sp>
-        <p:nvSpPr>
-          <p:cNvPr id="3" name="Espace réservé du texte vertical 2">
-            <a:extLst>
-              <a:ext uri="{FF2B5EF4-FFF2-40B4-BE49-F238E27FC236}">
-                <a16:creationId xmlns:a16="http://schemas.microsoft.com/office/drawing/2014/main" id="{0E8E0FB7-97C3-4E11-B09F-93D41EE85EE9}"/>
-              </a:ext>
-            </a:extLst>
-          </p:cNvPr>
-          <p:cNvSpPr>
-            <a:spLocks noGrp="1"/>
-          </p:cNvSpPr>
-          <p:nvPr>
-            <p:ph type="body" orient="vert" idx="1"/>
-          </p:nvPr>
-        </p:nvSpPr>
-        <p:spPr/>
-        <p:txBody>
-          <a:bodyPr vert="eaVert"/>
-          <a:lstStyle/>
-          <a:p>
-            <a:pPr lvl="0"/>
-            <a:r>
-              <a:rPr lang="fr-FR"/>
-              <a:t>Cliquez pour modifier les styles du texte du masque</a:t>
-            </a:r>
-          </a:p>
-          <a:p>
-            <a:pPr lvl="1"/>
-            <a:r>
-              <a:rPr lang="fr-FR"/>
-              <a:t>Deuxième niveau</a:t>
-            </a:r>
-          </a:p>
-          <a:p>
-            <a:pPr lvl="2"/>
-            <a:r>
-              <a:rPr lang="fr-FR"/>
-              <a:t>Troisième niveau</a:t>
-            </a:r>
-          </a:p>
-          <a:p>
-            <a:pPr lvl="3"/>
-            <a:r>
-              <a:rPr lang="fr-FR"/>
-              <a:t>Quatrième niveau</a:t>
-            </a:r>
-          </a:p>
-          <a:p>
-            <a:pPr lvl="4"/>
-            <a:r>
-              <a:rPr lang="fr-FR"/>
-              <a:t>Cinquième niveau</a:t>
-            </a:r>
-          </a:p>
-        </p:txBody>
-      </p:sp>
-      <p:sp>
-        <p:nvSpPr>
-          <p:cNvPr id="4" name="Espace réservé de la date 3">
-            <a:extLst>
-              <a:ext uri="{FF2B5EF4-FFF2-40B4-BE49-F238E27FC236}">
-                <a16:creationId xmlns:a16="http://schemas.microsoft.com/office/drawing/2014/main" id="{18AB6353-F584-4497-9926-E1FDCD1951D9}"/>
-              </a:ext>
-            </a:extLst>
-          </p:cNvPr>
-          <p:cNvSpPr>
-            <a:spLocks noGrp="1"/>
-          </p:cNvSpPr>
-          <p:nvPr>
-            <p:ph type="dt" sz="half" idx="10"/>
-          </p:nvPr>
-        </p:nvSpPr>
-        <p:spPr/>
-        <p:txBody>
-          <a:bodyPr/>
-          <a:lstStyle/>
-          <a:p>
-            <a:fld id="{ED31ACF8-25F1-4830-9ABD-A21C90846C2D}" type="datetimeFigureOut">
-              <a:rPr lang="fr-FR" smtClean="0"/>
-              <a:t>15/04/2020</a:t>
-            </a:fld>
-            <a:endParaRPr lang="fr-FR"/>
-          </a:p>
-        </p:txBody>
-      </p:sp>
-      <p:sp>
-        <p:nvSpPr>
-          <p:cNvPr id="5" name="Espace réservé du pied de page 4">
-            <a:extLst>
-              <a:ext uri="{FF2B5EF4-FFF2-40B4-BE49-F238E27FC236}">
-                <a16:creationId xmlns:a16="http://schemas.microsoft.com/office/drawing/2014/main" id="{4284A768-83EC-4474-B680-122DF6758813}"/>
-              </a:ext>
-            </a:extLst>
-          </p:cNvPr>
-          <p:cNvSpPr>
-            <a:spLocks noGrp="1"/>
-          </p:cNvSpPr>
-          <p:nvPr>
-            <p:ph type="ftr" sz="quarter" idx="11"/>
-          </p:nvPr>
-        </p:nvSpPr>
-        <p:spPr/>
-        <p:txBody>
-          <a:bodyPr/>
-          <a:lstStyle/>
-          <a:p>
-            <a:endParaRPr lang="fr-FR"/>
-          </a:p>
-        </p:txBody>
-      </p:sp>
-      <p:sp>
-        <p:nvSpPr>
-          <p:cNvPr id="6" name="Espace réservé du numéro de diapositive 5">
-            <a:extLst>
-              <a:ext uri="{FF2B5EF4-FFF2-40B4-BE49-F238E27FC236}">
-                <a16:creationId xmlns:a16="http://schemas.microsoft.com/office/drawing/2014/main" id="{5201C3C1-8174-4564-ABE8-03BA4E96C677}"/>
-              </a:ext>
-            </a:extLst>
-          </p:cNvPr>
-          <p:cNvSpPr>
-            <a:spLocks noGrp="1"/>
-          </p:cNvSpPr>
-          <p:nvPr>
-            <p:ph type="sldNum" sz="quarter" idx="12"/>
-          </p:nvPr>
-        </p:nvSpPr>
-        <p:spPr/>
-        <p:txBody>
-          <a:bodyPr/>
-          <a:lstStyle/>
-          <a:p>
-            <a:fld id="{D32CCBCE-4E46-4687-ABD7-AEF219F6902D}" type="slidenum">
-              <a:rPr lang="fr-FR" smtClean="0"/>
-              <a:t>‹N°›</a:t>
-            </a:fld>
-            <a:endParaRPr lang="fr-FR"/>
-          </a:p>
-        </p:txBody>
-      </p:sp>
-    </p:spTree>
-    <p:extLst>
-      <p:ext uri="{BB962C8B-B14F-4D97-AF65-F5344CB8AC3E}">
-        <p14:creationId xmlns:p14="http://schemas.microsoft.com/office/powerpoint/2010/main" val="3853312149"/>
-      </p:ext>
-    </p:extLst>
-  </p:cSld>
-  <p:clrMapOvr>
-    <a:masterClrMapping/>
-  </p:clrMapOvr>
-</p:sldLayout>
-</file>
-
-<file path=ppt/slideLayouts/slideLayout11.xml><?xml version="1.0" encoding="utf-8"?>
-<p:sldLayout xmlns:a="http://schemas.openxmlformats.org/drawingml/2006/main" xmlns:r="http://schemas.openxmlformats.org/officeDocument/2006/relationships" xmlns:p="http://schemas.openxmlformats.org/presentationml/2006/main" type="vertTitleAndTx" preserve="1">
-  <p:cSld name="Titre vertical et texte">
-    <p:spTree>
-      <p:nvGrpSpPr>
-        <p:cNvPr id="1" name=""/>
-        <p:cNvGrpSpPr/>
-        <p:nvPr/>
-      </p:nvGrpSpPr>
-      <p:grpSpPr>
-        <a:xfrm>
-          <a:off x="0" y="0"/>
-          <a:ext cx="0" cy="0"/>
-          <a:chOff x="0" y="0"/>
-          <a:chExt cx="0" cy="0"/>
-        </a:xfrm>
-      </p:grpSpPr>
-      <p:sp>
-        <p:nvSpPr>
-          <p:cNvPr id="2" name="Titre vertical 1">
-            <a:extLst>
-              <a:ext uri="{FF2B5EF4-FFF2-40B4-BE49-F238E27FC236}">
-                <a16:creationId xmlns:a16="http://schemas.microsoft.com/office/drawing/2014/main" id="{93E238EF-D31D-43ED-9A80-B4DD2A283101}"/>
-              </a:ext>
-            </a:extLst>
-          </p:cNvPr>
-          <p:cNvSpPr>
-            <a:spLocks noGrp="1"/>
-          </p:cNvSpPr>
-          <p:nvPr>
-            <p:ph type="title" orient="vert"/>
-          </p:nvPr>
-        </p:nvSpPr>
-        <p:spPr>
-          <a:xfrm>
-            <a:off x="8724900" y="365125"/>
-            <a:ext cx="2628900" cy="5811838"/>
-          </a:xfrm>
-        </p:spPr>
-        <p:txBody>
-          <a:bodyPr vert="eaVert"/>
-          <a:lstStyle/>
-          <a:p>
-            <a:r>
-              <a:rPr lang="fr-FR"/>
-              <a:t>Modifiez le style du titre</a:t>
-            </a:r>
-          </a:p>
-        </p:txBody>
-      </p:sp>
-      <p:sp>
-        <p:nvSpPr>
-          <p:cNvPr id="3" name="Espace réservé du texte vertical 2">
-            <a:extLst>
-              <a:ext uri="{FF2B5EF4-FFF2-40B4-BE49-F238E27FC236}">
-                <a16:creationId xmlns:a16="http://schemas.microsoft.com/office/drawing/2014/main" id="{A27974DF-C3EA-4AA3-B536-E60073DE912F}"/>
-              </a:ext>
-            </a:extLst>
-          </p:cNvPr>
-          <p:cNvSpPr>
-            <a:spLocks noGrp="1"/>
-          </p:cNvSpPr>
-          <p:nvPr>
-            <p:ph type="body" orient="vert" idx="1"/>
-          </p:nvPr>
-        </p:nvSpPr>
-        <p:spPr>
-          <a:xfrm>
-            <a:off x="838200" y="365125"/>
-            <a:ext cx="7734300" cy="5811838"/>
-          </a:xfrm>
-        </p:spPr>
-        <p:txBody>
-          <a:bodyPr vert="eaVert"/>
-          <a:lstStyle/>
-          <a:p>
-            <a:pPr lvl="0"/>
-            <a:r>
-              <a:rPr lang="fr-FR"/>
-              <a:t>Cliquez pour modifier les styles du texte du masque</a:t>
-            </a:r>
-          </a:p>
-          <a:p>
-            <a:pPr lvl="1"/>
-            <a:r>
-              <a:rPr lang="fr-FR"/>
-              <a:t>Deuxième niveau</a:t>
-            </a:r>
-          </a:p>
-          <a:p>
-            <a:pPr lvl="2"/>
-            <a:r>
-              <a:rPr lang="fr-FR"/>
-              <a:t>Troisième niveau</a:t>
-            </a:r>
-          </a:p>
-          <a:p>
-            <a:pPr lvl="3"/>
-            <a:r>
-              <a:rPr lang="fr-FR"/>
-              <a:t>Quatrième niveau</a:t>
-            </a:r>
-          </a:p>
-          <a:p>
-            <a:pPr lvl="4"/>
-            <a:r>
-              <a:rPr lang="fr-FR"/>
-              <a:t>Cinquième niveau</a:t>
-            </a:r>
-          </a:p>
-        </p:txBody>
-      </p:sp>
-      <p:sp>
-        <p:nvSpPr>
-          <p:cNvPr id="4" name="Espace réservé de la date 3">
-            <a:extLst>
-              <a:ext uri="{FF2B5EF4-FFF2-40B4-BE49-F238E27FC236}">
-                <a16:creationId xmlns:a16="http://schemas.microsoft.com/office/drawing/2014/main" id="{959588F2-1793-4E20-BA33-93E894A336BE}"/>
-              </a:ext>
-            </a:extLst>
-          </p:cNvPr>
-          <p:cNvSpPr>
-            <a:spLocks noGrp="1"/>
-          </p:cNvSpPr>
-          <p:nvPr>
-            <p:ph type="dt" sz="half" idx="10"/>
-          </p:nvPr>
-        </p:nvSpPr>
-        <p:spPr/>
-        <p:txBody>
-          <a:bodyPr/>
-          <a:lstStyle/>
-          <a:p>
-            <a:fld id="{ED31ACF8-25F1-4830-9ABD-A21C90846C2D}" type="datetimeFigureOut">
-              <a:rPr lang="fr-FR" smtClean="0"/>
-              <a:t>15/04/2020</a:t>
-            </a:fld>
-            <a:endParaRPr lang="fr-FR"/>
-          </a:p>
-        </p:txBody>
-      </p:sp>
-      <p:sp>
-        <p:nvSpPr>
-          <p:cNvPr id="5" name="Espace réservé du pied de page 4">
-            <a:extLst>
-              <a:ext uri="{FF2B5EF4-FFF2-40B4-BE49-F238E27FC236}">
-                <a16:creationId xmlns:a16="http://schemas.microsoft.com/office/drawing/2014/main" id="{B23487F9-AAC0-460C-9654-A96A74B02610}"/>
-              </a:ext>
-            </a:extLst>
-          </p:cNvPr>
-          <p:cNvSpPr>
-            <a:spLocks noGrp="1"/>
-          </p:cNvSpPr>
-          <p:nvPr>
-            <p:ph type="ftr" sz="quarter" idx="11"/>
-          </p:nvPr>
-        </p:nvSpPr>
-        <p:spPr/>
-        <p:txBody>
-          <a:bodyPr/>
-          <a:lstStyle/>
-          <a:p>
-            <a:endParaRPr lang="fr-FR"/>
-          </a:p>
-        </p:txBody>
-      </p:sp>
-      <p:sp>
-        <p:nvSpPr>
-          <p:cNvPr id="6" name="Espace réservé du numéro de diapositive 5">
-            <a:extLst>
-              <a:ext uri="{FF2B5EF4-FFF2-40B4-BE49-F238E27FC236}">
-                <a16:creationId xmlns:a16="http://schemas.microsoft.com/office/drawing/2014/main" id="{38EBDC9A-1981-4097-A90B-5E43F09FFD2F}"/>
-              </a:ext>
-            </a:extLst>
-          </p:cNvPr>
-          <p:cNvSpPr>
-            <a:spLocks noGrp="1"/>
-          </p:cNvSpPr>
-          <p:nvPr>
-            <p:ph type="sldNum" sz="quarter" idx="12"/>
-          </p:nvPr>
-        </p:nvSpPr>
-        <p:spPr/>
-        <p:txBody>
-          <a:bodyPr/>
-          <a:lstStyle/>
-          <a:p>
-            <a:fld id="{D32CCBCE-4E46-4687-ABD7-AEF219F6902D}" type="slidenum">
-              <a:rPr lang="fr-FR" smtClean="0"/>
-              <a:t>‹N°›</a:t>
-            </a:fld>
-            <a:endParaRPr lang="fr-FR"/>
-          </a:p>
-        </p:txBody>
-      </p:sp>
-    </p:spTree>
-    <p:extLst>
-      <p:ext uri="{BB962C8B-B14F-4D97-AF65-F5344CB8AC3E}">
-        <p14:creationId xmlns:p14="http://schemas.microsoft.com/office/powerpoint/2010/main" val="2204298277"/>
-      </p:ext>
-    </p:extLst>
-  </p:cSld>
-  <p:clrMapOvr>
-    <a:masterClrMapping/>
-  </p:clrMapOvr>
-</p:sldLayout>
-</file>
-
-<file path=ppt/slideLayouts/slideLayout12.xml><?xml version="1.0" encoding="utf-8"?>
 <p:sldLayout xmlns:a="http://schemas.openxmlformats.org/drawingml/2006/main" xmlns:r="http://schemas.openxmlformats.org/officeDocument/2006/relationships" xmlns:p="http://schemas.openxmlformats.org/presentationml/2006/main" type="secHead" preserve="1">
   <p:cSld name="Titre de section">
     <p:spTree>
@@ -926,7 +309,7 @@
             <a:fld id="{B61BEF0D-F0BB-DE4B-95CE-6DB70DBA9567}" type="datetimeFigureOut">
               <a:rPr lang="en-US" dirty="0"/>
               <a:pPr/>
-              <a:t>4/15/2020</a:t>
+              <a:t>4/18/2020</a:t>
             </a:fld>
             <a:endParaRPr lang="en-US" dirty="0"/>
           </a:p>
@@ -983,7 +366,7 @@
 </p:sldLayout>
 </file>
 
-<file path=ppt/slideLayouts/slideLayout13.xml><?xml version="1.0" encoding="utf-8"?>
+<file path=ppt/slideLayouts/slideLayout2.xml><?xml version="1.0" encoding="utf-8"?>
 <p:sldLayout xmlns:a="http://schemas.openxmlformats.org/drawingml/2006/main" xmlns:r="http://schemas.openxmlformats.org/officeDocument/2006/relationships" xmlns:p="http://schemas.openxmlformats.org/presentationml/2006/main" type="obj" preserve="1">
   <p:cSld name="Titre et contenu">
     <p:spTree>
@@ -1092,7 +475,7 @@
           <a:p>
             <a:fld id="{42A54C80-263E-416B-A8E0-580EDEADCBDC}" type="datetimeFigureOut">
               <a:rPr lang="en-US" dirty="0"/>
-              <a:t>4/15/2020</a:t>
+              <a:t>4/18/2020</a:t>
             </a:fld>
             <a:endParaRPr lang="en-US" dirty="0"/>
           </a:p>
@@ -1148,7 +531,7 @@
 </p:sldLayout>
 </file>
 
-<file path=ppt/slideLayouts/slideLayout14.xml><?xml version="1.0" encoding="utf-8"?>
+<file path=ppt/slideLayouts/slideLayout3.xml><?xml version="1.0" encoding="utf-8"?>
 <p:sldLayout xmlns:a="http://schemas.openxmlformats.org/drawingml/2006/main" xmlns:r="http://schemas.openxmlformats.org/officeDocument/2006/relationships" xmlns:p="http://schemas.openxmlformats.org/presentationml/2006/main" showMasterSp="0" type="title" preserve="1">
   <p:cSld name="Diapositive de titre">
     <p:spTree>
@@ -1894,7 +1277,7 @@
             <a:fld id="{B61BEF0D-F0BB-DE4B-95CE-6DB70DBA9567}" type="datetimeFigureOut">
               <a:rPr lang="en-US" dirty="0"/>
               <a:pPr/>
-              <a:t>4/15/2020</a:t>
+              <a:t>4/18/2020</a:t>
             </a:fld>
             <a:endParaRPr lang="en-US" dirty="0"/>
           </a:p>
@@ -1951,2578 +1334,7 @@
 </p:sldLayout>
 </file>
 
-<file path=ppt/slideLayouts/slideLayout2.xml><?xml version="1.0" encoding="utf-8"?>
-<p:sldLayout xmlns:a="http://schemas.openxmlformats.org/drawingml/2006/main" xmlns:r="http://schemas.openxmlformats.org/officeDocument/2006/relationships" xmlns:p="http://schemas.openxmlformats.org/presentationml/2006/main" type="obj" preserve="1">
-  <p:cSld name="Titre et contenu">
-    <p:spTree>
-      <p:nvGrpSpPr>
-        <p:cNvPr id="1" name=""/>
-        <p:cNvGrpSpPr/>
-        <p:nvPr/>
-      </p:nvGrpSpPr>
-      <p:grpSpPr>
-        <a:xfrm>
-          <a:off x="0" y="0"/>
-          <a:ext cx="0" cy="0"/>
-          <a:chOff x="0" y="0"/>
-          <a:chExt cx="0" cy="0"/>
-        </a:xfrm>
-      </p:grpSpPr>
-      <p:sp>
-        <p:nvSpPr>
-          <p:cNvPr id="2" name="Titre 1">
-            <a:extLst>
-              <a:ext uri="{FF2B5EF4-FFF2-40B4-BE49-F238E27FC236}">
-                <a16:creationId xmlns:a16="http://schemas.microsoft.com/office/drawing/2014/main" id="{68F8EAB7-9680-4CE5-9810-23BC01D509CE}"/>
-              </a:ext>
-            </a:extLst>
-          </p:cNvPr>
-          <p:cNvSpPr>
-            <a:spLocks noGrp="1"/>
-          </p:cNvSpPr>
-          <p:nvPr>
-            <p:ph type="title"/>
-          </p:nvPr>
-        </p:nvSpPr>
-        <p:spPr/>
-        <p:txBody>
-          <a:bodyPr/>
-          <a:lstStyle/>
-          <a:p>
-            <a:r>
-              <a:rPr lang="fr-FR"/>
-              <a:t>Modifiez le style du titre</a:t>
-            </a:r>
-          </a:p>
-        </p:txBody>
-      </p:sp>
-      <p:sp>
-        <p:nvSpPr>
-          <p:cNvPr id="3" name="Espace réservé du contenu 2">
-            <a:extLst>
-              <a:ext uri="{FF2B5EF4-FFF2-40B4-BE49-F238E27FC236}">
-                <a16:creationId xmlns:a16="http://schemas.microsoft.com/office/drawing/2014/main" id="{3831077F-D69B-42B8-A5C1-0FC70212FC28}"/>
-              </a:ext>
-            </a:extLst>
-          </p:cNvPr>
-          <p:cNvSpPr>
-            <a:spLocks noGrp="1"/>
-          </p:cNvSpPr>
-          <p:nvPr>
-            <p:ph idx="1"/>
-          </p:nvPr>
-        </p:nvSpPr>
-        <p:spPr/>
-        <p:txBody>
-          <a:bodyPr/>
-          <a:lstStyle/>
-          <a:p>
-            <a:pPr lvl="0"/>
-            <a:r>
-              <a:rPr lang="fr-FR"/>
-              <a:t>Cliquez pour modifier les styles du texte du masque</a:t>
-            </a:r>
-          </a:p>
-          <a:p>
-            <a:pPr lvl="1"/>
-            <a:r>
-              <a:rPr lang="fr-FR"/>
-              <a:t>Deuxième niveau</a:t>
-            </a:r>
-          </a:p>
-          <a:p>
-            <a:pPr lvl="2"/>
-            <a:r>
-              <a:rPr lang="fr-FR"/>
-              <a:t>Troisième niveau</a:t>
-            </a:r>
-          </a:p>
-          <a:p>
-            <a:pPr lvl="3"/>
-            <a:r>
-              <a:rPr lang="fr-FR"/>
-              <a:t>Quatrième niveau</a:t>
-            </a:r>
-          </a:p>
-          <a:p>
-            <a:pPr lvl="4"/>
-            <a:r>
-              <a:rPr lang="fr-FR"/>
-              <a:t>Cinquième niveau</a:t>
-            </a:r>
-          </a:p>
-        </p:txBody>
-      </p:sp>
-      <p:sp>
-        <p:nvSpPr>
-          <p:cNvPr id="4" name="Espace réservé de la date 3">
-            <a:extLst>
-              <a:ext uri="{FF2B5EF4-FFF2-40B4-BE49-F238E27FC236}">
-                <a16:creationId xmlns:a16="http://schemas.microsoft.com/office/drawing/2014/main" id="{47A009AE-2D96-4604-9FCF-BAE94231F2CB}"/>
-              </a:ext>
-            </a:extLst>
-          </p:cNvPr>
-          <p:cNvSpPr>
-            <a:spLocks noGrp="1"/>
-          </p:cNvSpPr>
-          <p:nvPr>
-            <p:ph type="dt" sz="half" idx="10"/>
-          </p:nvPr>
-        </p:nvSpPr>
-        <p:spPr/>
-        <p:txBody>
-          <a:bodyPr/>
-          <a:lstStyle/>
-          <a:p>
-            <a:fld id="{ED31ACF8-25F1-4830-9ABD-A21C90846C2D}" type="datetimeFigureOut">
-              <a:rPr lang="fr-FR" smtClean="0"/>
-              <a:t>15/04/2020</a:t>
-            </a:fld>
-            <a:endParaRPr lang="fr-FR"/>
-          </a:p>
-        </p:txBody>
-      </p:sp>
-      <p:sp>
-        <p:nvSpPr>
-          <p:cNvPr id="5" name="Espace réservé du pied de page 4">
-            <a:extLst>
-              <a:ext uri="{FF2B5EF4-FFF2-40B4-BE49-F238E27FC236}">
-                <a16:creationId xmlns:a16="http://schemas.microsoft.com/office/drawing/2014/main" id="{0CF129F9-52E0-43D4-B90B-3B1DFCBF5AE9}"/>
-              </a:ext>
-            </a:extLst>
-          </p:cNvPr>
-          <p:cNvSpPr>
-            <a:spLocks noGrp="1"/>
-          </p:cNvSpPr>
-          <p:nvPr>
-            <p:ph type="ftr" sz="quarter" idx="11"/>
-          </p:nvPr>
-        </p:nvSpPr>
-        <p:spPr/>
-        <p:txBody>
-          <a:bodyPr/>
-          <a:lstStyle/>
-          <a:p>
-            <a:endParaRPr lang="fr-FR"/>
-          </a:p>
-        </p:txBody>
-      </p:sp>
-      <p:sp>
-        <p:nvSpPr>
-          <p:cNvPr id="6" name="Espace réservé du numéro de diapositive 5">
-            <a:extLst>
-              <a:ext uri="{FF2B5EF4-FFF2-40B4-BE49-F238E27FC236}">
-                <a16:creationId xmlns:a16="http://schemas.microsoft.com/office/drawing/2014/main" id="{CB707E0E-5E1B-42C4-92EF-53C43C79F515}"/>
-              </a:ext>
-            </a:extLst>
-          </p:cNvPr>
-          <p:cNvSpPr>
-            <a:spLocks noGrp="1"/>
-          </p:cNvSpPr>
-          <p:nvPr>
-            <p:ph type="sldNum" sz="quarter" idx="12"/>
-          </p:nvPr>
-        </p:nvSpPr>
-        <p:spPr/>
-        <p:txBody>
-          <a:bodyPr/>
-          <a:lstStyle/>
-          <a:p>
-            <a:fld id="{D32CCBCE-4E46-4687-ABD7-AEF219F6902D}" type="slidenum">
-              <a:rPr lang="fr-FR" smtClean="0"/>
-              <a:t>‹N°›</a:t>
-            </a:fld>
-            <a:endParaRPr lang="fr-FR"/>
-          </a:p>
-        </p:txBody>
-      </p:sp>
-    </p:spTree>
-    <p:extLst>
-      <p:ext uri="{BB962C8B-B14F-4D97-AF65-F5344CB8AC3E}">
-        <p14:creationId xmlns:p14="http://schemas.microsoft.com/office/powerpoint/2010/main" val="941651217"/>
-      </p:ext>
-    </p:extLst>
-  </p:cSld>
-  <p:clrMapOvr>
-    <a:masterClrMapping/>
-  </p:clrMapOvr>
-</p:sldLayout>
-</file>
-
-<file path=ppt/slideLayouts/slideLayout3.xml><?xml version="1.0" encoding="utf-8"?>
-<p:sldLayout xmlns:a="http://schemas.openxmlformats.org/drawingml/2006/main" xmlns:r="http://schemas.openxmlformats.org/officeDocument/2006/relationships" xmlns:p="http://schemas.openxmlformats.org/presentationml/2006/main" type="secHead" preserve="1">
-  <p:cSld name="Titre de section">
-    <p:spTree>
-      <p:nvGrpSpPr>
-        <p:cNvPr id="1" name=""/>
-        <p:cNvGrpSpPr/>
-        <p:nvPr/>
-      </p:nvGrpSpPr>
-      <p:grpSpPr>
-        <a:xfrm>
-          <a:off x="0" y="0"/>
-          <a:ext cx="0" cy="0"/>
-          <a:chOff x="0" y="0"/>
-          <a:chExt cx="0" cy="0"/>
-        </a:xfrm>
-      </p:grpSpPr>
-      <p:sp>
-        <p:nvSpPr>
-          <p:cNvPr id="2" name="Titre 1">
-            <a:extLst>
-              <a:ext uri="{FF2B5EF4-FFF2-40B4-BE49-F238E27FC236}">
-                <a16:creationId xmlns:a16="http://schemas.microsoft.com/office/drawing/2014/main" id="{922C6542-B9E2-44CB-AEE5-93CE7903E9FB}"/>
-              </a:ext>
-            </a:extLst>
-          </p:cNvPr>
-          <p:cNvSpPr>
-            <a:spLocks noGrp="1"/>
-          </p:cNvSpPr>
-          <p:nvPr>
-            <p:ph type="title"/>
-          </p:nvPr>
-        </p:nvSpPr>
-        <p:spPr>
-          <a:xfrm>
-            <a:off x="831850" y="1709738"/>
-            <a:ext cx="10515600" cy="2852737"/>
-          </a:xfrm>
-        </p:spPr>
-        <p:txBody>
-          <a:bodyPr anchor="b"/>
-          <a:lstStyle>
-            <a:lvl1pPr>
-              <a:defRPr sz="6000"/>
-            </a:lvl1pPr>
-          </a:lstStyle>
-          <a:p>
-            <a:r>
-              <a:rPr lang="fr-FR"/>
-              <a:t>Modifiez le style du titre</a:t>
-            </a:r>
-          </a:p>
-        </p:txBody>
-      </p:sp>
-      <p:sp>
-        <p:nvSpPr>
-          <p:cNvPr id="3" name="Espace réservé du texte 2">
-            <a:extLst>
-              <a:ext uri="{FF2B5EF4-FFF2-40B4-BE49-F238E27FC236}">
-                <a16:creationId xmlns:a16="http://schemas.microsoft.com/office/drawing/2014/main" id="{E6427000-4AEB-481B-B94D-7B78EC4D0CE0}"/>
-              </a:ext>
-            </a:extLst>
-          </p:cNvPr>
-          <p:cNvSpPr>
-            <a:spLocks noGrp="1"/>
-          </p:cNvSpPr>
-          <p:nvPr>
-            <p:ph type="body" idx="1"/>
-          </p:nvPr>
-        </p:nvSpPr>
-        <p:spPr>
-          <a:xfrm>
-            <a:off x="831850" y="4589463"/>
-            <a:ext cx="10515600" cy="1500187"/>
-          </a:xfrm>
-        </p:spPr>
-        <p:txBody>
-          <a:bodyPr/>
-          <a:lstStyle>
-            <a:lvl1pPr marL="0" indent="0">
-              <a:buNone/>
-              <a:defRPr sz="2400">
-                <a:solidFill>
-                  <a:schemeClr val="tx1">
-                    <a:tint val="75000"/>
-                  </a:schemeClr>
-                </a:solidFill>
-              </a:defRPr>
-            </a:lvl1pPr>
-            <a:lvl2pPr marL="457200" indent="0">
-              <a:buNone/>
-              <a:defRPr sz="2000">
-                <a:solidFill>
-                  <a:schemeClr val="tx1">
-                    <a:tint val="75000"/>
-                  </a:schemeClr>
-                </a:solidFill>
-              </a:defRPr>
-            </a:lvl2pPr>
-            <a:lvl3pPr marL="914400" indent="0">
-              <a:buNone/>
-              <a:defRPr sz="1800">
-                <a:solidFill>
-                  <a:schemeClr val="tx1">
-                    <a:tint val="75000"/>
-                  </a:schemeClr>
-                </a:solidFill>
-              </a:defRPr>
-            </a:lvl3pPr>
-            <a:lvl4pPr marL="1371600" indent="0">
-              <a:buNone/>
-              <a:defRPr sz="1600">
-                <a:solidFill>
-                  <a:schemeClr val="tx1">
-                    <a:tint val="75000"/>
-                  </a:schemeClr>
-                </a:solidFill>
-              </a:defRPr>
-            </a:lvl4pPr>
-            <a:lvl5pPr marL="1828800" indent="0">
-              <a:buNone/>
-              <a:defRPr sz="1600">
-                <a:solidFill>
-                  <a:schemeClr val="tx1">
-                    <a:tint val="75000"/>
-                  </a:schemeClr>
-                </a:solidFill>
-              </a:defRPr>
-            </a:lvl5pPr>
-            <a:lvl6pPr marL="2286000" indent="0">
-              <a:buNone/>
-              <a:defRPr sz="1600">
-                <a:solidFill>
-                  <a:schemeClr val="tx1">
-                    <a:tint val="75000"/>
-                  </a:schemeClr>
-                </a:solidFill>
-              </a:defRPr>
-            </a:lvl6pPr>
-            <a:lvl7pPr marL="2743200" indent="0">
-              <a:buNone/>
-              <a:defRPr sz="1600">
-                <a:solidFill>
-                  <a:schemeClr val="tx1">
-                    <a:tint val="75000"/>
-                  </a:schemeClr>
-                </a:solidFill>
-              </a:defRPr>
-            </a:lvl7pPr>
-            <a:lvl8pPr marL="3200400" indent="0">
-              <a:buNone/>
-              <a:defRPr sz="1600">
-                <a:solidFill>
-                  <a:schemeClr val="tx1">
-                    <a:tint val="75000"/>
-                  </a:schemeClr>
-                </a:solidFill>
-              </a:defRPr>
-            </a:lvl8pPr>
-            <a:lvl9pPr marL="3657600" indent="0">
-              <a:buNone/>
-              <a:defRPr sz="1600">
-                <a:solidFill>
-                  <a:schemeClr val="tx1">
-                    <a:tint val="75000"/>
-                  </a:schemeClr>
-                </a:solidFill>
-              </a:defRPr>
-            </a:lvl9pPr>
-          </a:lstStyle>
-          <a:p>
-            <a:pPr lvl="0"/>
-            <a:r>
-              <a:rPr lang="fr-FR"/>
-              <a:t>Cliquez pour modifier les styles du texte du masque</a:t>
-            </a:r>
-          </a:p>
-        </p:txBody>
-      </p:sp>
-      <p:sp>
-        <p:nvSpPr>
-          <p:cNvPr id="4" name="Espace réservé de la date 3">
-            <a:extLst>
-              <a:ext uri="{FF2B5EF4-FFF2-40B4-BE49-F238E27FC236}">
-                <a16:creationId xmlns:a16="http://schemas.microsoft.com/office/drawing/2014/main" id="{16942DEA-A139-46B8-BF70-88F4A4AEB539}"/>
-              </a:ext>
-            </a:extLst>
-          </p:cNvPr>
-          <p:cNvSpPr>
-            <a:spLocks noGrp="1"/>
-          </p:cNvSpPr>
-          <p:nvPr>
-            <p:ph type="dt" sz="half" idx="10"/>
-          </p:nvPr>
-        </p:nvSpPr>
-        <p:spPr/>
-        <p:txBody>
-          <a:bodyPr/>
-          <a:lstStyle/>
-          <a:p>
-            <a:fld id="{ED31ACF8-25F1-4830-9ABD-A21C90846C2D}" type="datetimeFigureOut">
-              <a:rPr lang="fr-FR" smtClean="0"/>
-              <a:t>15/04/2020</a:t>
-            </a:fld>
-            <a:endParaRPr lang="fr-FR"/>
-          </a:p>
-        </p:txBody>
-      </p:sp>
-      <p:sp>
-        <p:nvSpPr>
-          <p:cNvPr id="5" name="Espace réservé du pied de page 4">
-            <a:extLst>
-              <a:ext uri="{FF2B5EF4-FFF2-40B4-BE49-F238E27FC236}">
-                <a16:creationId xmlns:a16="http://schemas.microsoft.com/office/drawing/2014/main" id="{B4869765-9BFC-4BB6-93A0-B1B2BE5C2516}"/>
-              </a:ext>
-            </a:extLst>
-          </p:cNvPr>
-          <p:cNvSpPr>
-            <a:spLocks noGrp="1"/>
-          </p:cNvSpPr>
-          <p:nvPr>
-            <p:ph type="ftr" sz="quarter" idx="11"/>
-          </p:nvPr>
-        </p:nvSpPr>
-        <p:spPr/>
-        <p:txBody>
-          <a:bodyPr/>
-          <a:lstStyle/>
-          <a:p>
-            <a:endParaRPr lang="fr-FR"/>
-          </a:p>
-        </p:txBody>
-      </p:sp>
-      <p:sp>
-        <p:nvSpPr>
-          <p:cNvPr id="6" name="Espace réservé du numéro de diapositive 5">
-            <a:extLst>
-              <a:ext uri="{FF2B5EF4-FFF2-40B4-BE49-F238E27FC236}">
-                <a16:creationId xmlns:a16="http://schemas.microsoft.com/office/drawing/2014/main" id="{D784ACF2-82DC-4336-97F0-FF6C7ECE18A8}"/>
-              </a:ext>
-            </a:extLst>
-          </p:cNvPr>
-          <p:cNvSpPr>
-            <a:spLocks noGrp="1"/>
-          </p:cNvSpPr>
-          <p:nvPr>
-            <p:ph type="sldNum" sz="quarter" idx="12"/>
-          </p:nvPr>
-        </p:nvSpPr>
-        <p:spPr/>
-        <p:txBody>
-          <a:bodyPr/>
-          <a:lstStyle/>
-          <a:p>
-            <a:fld id="{D32CCBCE-4E46-4687-ABD7-AEF219F6902D}" type="slidenum">
-              <a:rPr lang="fr-FR" smtClean="0"/>
-              <a:t>‹N°›</a:t>
-            </a:fld>
-            <a:endParaRPr lang="fr-FR"/>
-          </a:p>
-        </p:txBody>
-      </p:sp>
-    </p:spTree>
-    <p:extLst>
-      <p:ext uri="{BB962C8B-B14F-4D97-AF65-F5344CB8AC3E}">
-        <p14:creationId xmlns:p14="http://schemas.microsoft.com/office/powerpoint/2010/main" val="1489627508"/>
-      </p:ext>
-    </p:extLst>
-  </p:cSld>
-  <p:clrMapOvr>
-    <a:masterClrMapping/>
-  </p:clrMapOvr>
-</p:sldLayout>
-</file>
-
-<file path=ppt/slideLayouts/slideLayout4.xml><?xml version="1.0" encoding="utf-8"?>
-<p:sldLayout xmlns:a="http://schemas.openxmlformats.org/drawingml/2006/main" xmlns:r="http://schemas.openxmlformats.org/officeDocument/2006/relationships" xmlns:p="http://schemas.openxmlformats.org/presentationml/2006/main" type="twoObj" preserve="1">
-  <p:cSld name="Deux contenus">
-    <p:spTree>
-      <p:nvGrpSpPr>
-        <p:cNvPr id="1" name=""/>
-        <p:cNvGrpSpPr/>
-        <p:nvPr/>
-      </p:nvGrpSpPr>
-      <p:grpSpPr>
-        <a:xfrm>
-          <a:off x="0" y="0"/>
-          <a:ext cx="0" cy="0"/>
-          <a:chOff x="0" y="0"/>
-          <a:chExt cx="0" cy="0"/>
-        </a:xfrm>
-      </p:grpSpPr>
-      <p:sp>
-        <p:nvSpPr>
-          <p:cNvPr id="2" name="Titre 1">
-            <a:extLst>
-              <a:ext uri="{FF2B5EF4-FFF2-40B4-BE49-F238E27FC236}">
-                <a16:creationId xmlns:a16="http://schemas.microsoft.com/office/drawing/2014/main" id="{1D7F4D2E-6B67-40D6-B710-7B9C9958CFE5}"/>
-              </a:ext>
-            </a:extLst>
-          </p:cNvPr>
-          <p:cNvSpPr>
-            <a:spLocks noGrp="1"/>
-          </p:cNvSpPr>
-          <p:nvPr>
-            <p:ph type="title"/>
-          </p:nvPr>
-        </p:nvSpPr>
-        <p:spPr/>
-        <p:txBody>
-          <a:bodyPr/>
-          <a:lstStyle/>
-          <a:p>
-            <a:r>
-              <a:rPr lang="fr-FR"/>
-              <a:t>Modifiez le style du titre</a:t>
-            </a:r>
-          </a:p>
-        </p:txBody>
-      </p:sp>
-      <p:sp>
-        <p:nvSpPr>
-          <p:cNvPr id="3" name="Espace réservé du contenu 2">
-            <a:extLst>
-              <a:ext uri="{FF2B5EF4-FFF2-40B4-BE49-F238E27FC236}">
-                <a16:creationId xmlns:a16="http://schemas.microsoft.com/office/drawing/2014/main" id="{1AF44DEC-87A1-471F-9076-48F87ADF3835}"/>
-              </a:ext>
-            </a:extLst>
-          </p:cNvPr>
-          <p:cNvSpPr>
-            <a:spLocks noGrp="1"/>
-          </p:cNvSpPr>
-          <p:nvPr>
-            <p:ph sz="half" idx="1"/>
-          </p:nvPr>
-        </p:nvSpPr>
-        <p:spPr>
-          <a:xfrm>
-            <a:off x="838200" y="1825625"/>
-            <a:ext cx="5181600" cy="4351338"/>
-          </a:xfrm>
-        </p:spPr>
-        <p:txBody>
-          <a:bodyPr/>
-          <a:lstStyle/>
-          <a:p>
-            <a:pPr lvl="0"/>
-            <a:r>
-              <a:rPr lang="fr-FR"/>
-              <a:t>Cliquez pour modifier les styles du texte du masque</a:t>
-            </a:r>
-          </a:p>
-          <a:p>
-            <a:pPr lvl="1"/>
-            <a:r>
-              <a:rPr lang="fr-FR"/>
-              <a:t>Deuxième niveau</a:t>
-            </a:r>
-          </a:p>
-          <a:p>
-            <a:pPr lvl="2"/>
-            <a:r>
-              <a:rPr lang="fr-FR"/>
-              <a:t>Troisième niveau</a:t>
-            </a:r>
-          </a:p>
-          <a:p>
-            <a:pPr lvl="3"/>
-            <a:r>
-              <a:rPr lang="fr-FR"/>
-              <a:t>Quatrième niveau</a:t>
-            </a:r>
-          </a:p>
-          <a:p>
-            <a:pPr lvl="4"/>
-            <a:r>
-              <a:rPr lang="fr-FR"/>
-              <a:t>Cinquième niveau</a:t>
-            </a:r>
-          </a:p>
-        </p:txBody>
-      </p:sp>
-      <p:sp>
-        <p:nvSpPr>
-          <p:cNvPr id="4" name="Espace réservé du contenu 3">
-            <a:extLst>
-              <a:ext uri="{FF2B5EF4-FFF2-40B4-BE49-F238E27FC236}">
-                <a16:creationId xmlns:a16="http://schemas.microsoft.com/office/drawing/2014/main" id="{01E52871-7A1D-4A7F-8A81-2E9B697C60E6}"/>
-              </a:ext>
-            </a:extLst>
-          </p:cNvPr>
-          <p:cNvSpPr>
-            <a:spLocks noGrp="1"/>
-          </p:cNvSpPr>
-          <p:nvPr>
-            <p:ph sz="half" idx="2"/>
-          </p:nvPr>
-        </p:nvSpPr>
-        <p:spPr>
-          <a:xfrm>
-            <a:off x="6172200" y="1825625"/>
-            <a:ext cx="5181600" cy="4351338"/>
-          </a:xfrm>
-        </p:spPr>
-        <p:txBody>
-          <a:bodyPr/>
-          <a:lstStyle/>
-          <a:p>
-            <a:pPr lvl="0"/>
-            <a:r>
-              <a:rPr lang="fr-FR"/>
-              <a:t>Cliquez pour modifier les styles du texte du masque</a:t>
-            </a:r>
-          </a:p>
-          <a:p>
-            <a:pPr lvl="1"/>
-            <a:r>
-              <a:rPr lang="fr-FR"/>
-              <a:t>Deuxième niveau</a:t>
-            </a:r>
-          </a:p>
-          <a:p>
-            <a:pPr lvl="2"/>
-            <a:r>
-              <a:rPr lang="fr-FR"/>
-              <a:t>Troisième niveau</a:t>
-            </a:r>
-          </a:p>
-          <a:p>
-            <a:pPr lvl="3"/>
-            <a:r>
-              <a:rPr lang="fr-FR"/>
-              <a:t>Quatrième niveau</a:t>
-            </a:r>
-          </a:p>
-          <a:p>
-            <a:pPr lvl="4"/>
-            <a:r>
-              <a:rPr lang="fr-FR"/>
-              <a:t>Cinquième niveau</a:t>
-            </a:r>
-          </a:p>
-        </p:txBody>
-      </p:sp>
-      <p:sp>
-        <p:nvSpPr>
-          <p:cNvPr id="5" name="Espace réservé de la date 4">
-            <a:extLst>
-              <a:ext uri="{FF2B5EF4-FFF2-40B4-BE49-F238E27FC236}">
-                <a16:creationId xmlns:a16="http://schemas.microsoft.com/office/drawing/2014/main" id="{2860190B-F9D2-46DF-A014-ADD25020B161}"/>
-              </a:ext>
-            </a:extLst>
-          </p:cNvPr>
-          <p:cNvSpPr>
-            <a:spLocks noGrp="1"/>
-          </p:cNvSpPr>
-          <p:nvPr>
-            <p:ph type="dt" sz="half" idx="10"/>
-          </p:nvPr>
-        </p:nvSpPr>
-        <p:spPr/>
-        <p:txBody>
-          <a:bodyPr/>
-          <a:lstStyle/>
-          <a:p>
-            <a:fld id="{ED31ACF8-25F1-4830-9ABD-A21C90846C2D}" type="datetimeFigureOut">
-              <a:rPr lang="fr-FR" smtClean="0"/>
-              <a:t>15/04/2020</a:t>
-            </a:fld>
-            <a:endParaRPr lang="fr-FR"/>
-          </a:p>
-        </p:txBody>
-      </p:sp>
-      <p:sp>
-        <p:nvSpPr>
-          <p:cNvPr id="6" name="Espace réservé du pied de page 5">
-            <a:extLst>
-              <a:ext uri="{FF2B5EF4-FFF2-40B4-BE49-F238E27FC236}">
-                <a16:creationId xmlns:a16="http://schemas.microsoft.com/office/drawing/2014/main" id="{54A7561E-89AD-4526-A8CF-A1695565C583}"/>
-              </a:ext>
-            </a:extLst>
-          </p:cNvPr>
-          <p:cNvSpPr>
-            <a:spLocks noGrp="1"/>
-          </p:cNvSpPr>
-          <p:nvPr>
-            <p:ph type="ftr" sz="quarter" idx="11"/>
-          </p:nvPr>
-        </p:nvSpPr>
-        <p:spPr/>
-        <p:txBody>
-          <a:bodyPr/>
-          <a:lstStyle/>
-          <a:p>
-            <a:endParaRPr lang="fr-FR"/>
-          </a:p>
-        </p:txBody>
-      </p:sp>
-      <p:sp>
-        <p:nvSpPr>
-          <p:cNvPr id="7" name="Espace réservé du numéro de diapositive 6">
-            <a:extLst>
-              <a:ext uri="{FF2B5EF4-FFF2-40B4-BE49-F238E27FC236}">
-                <a16:creationId xmlns:a16="http://schemas.microsoft.com/office/drawing/2014/main" id="{32547E5E-C4B4-4A74-B30E-E413DFE1CF5C}"/>
-              </a:ext>
-            </a:extLst>
-          </p:cNvPr>
-          <p:cNvSpPr>
-            <a:spLocks noGrp="1"/>
-          </p:cNvSpPr>
-          <p:nvPr>
-            <p:ph type="sldNum" sz="quarter" idx="12"/>
-          </p:nvPr>
-        </p:nvSpPr>
-        <p:spPr/>
-        <p:txBody>
-          <a:bodyPr/>
-          <a:lstStyle/>
-          <a:p>
-            <a:fld id="{D32CCBCE-4E46-4687-ABD7-AEF219F6902D}" type="slidenum">
-              <a:rPr lang="fr-FR" smtClean="0"/>
-              <a:t>‹N°›</a:t>
-            </a:fld>
-            <a:endParaRPr lang="fr-FR"/>
-          </a:p>
-        </p:txBody>
-      </p:sp>
-    </p:spTree>
-    <p:extLst>
-      <p:ext uri="{BB962C8B-B14F-4D97-AF65-F5344CB8AC3E}">
-        <p14:creationId xmlns:p14="http://schemas.microsoft.com/office/powerpoint/2010/main" val="3074138015"/>
-      </p:ext>
-    </p:extLst>
-  </p:cSld>
-  <p:clrMapOvr>
-    <a:masterClrMapping/>
-  </p:clrMapOvr>
-</p:sldLayout>
-</file>
-
-<file path=ppt/slideLayouts/slideLayout5.xml><?xml version="1.0" encoding="utf-8"?>
-<p:sldLayout xmlns:a="http://schemas.openxmlformats.org/drawingml/2006/main" xmlns:r="http://schemas.openxmlformats.org/officeDocument/2006/relationships" xmlns:p="http://schemas.openxmlformats.org/presentationml/2006/main" type="twoTxTwoObj" preserve="1">
-  <p:cSld name="Comparaison">
-    <p:spTree>
-      <p:nvGrpSpPr>
-        <p:cNvPr id="1" name=""/>
-        <p:cNvGrpSpPr/>
-        <p:nvPr/>
-      </p:nvGrpSpPr>
-      <p:grpSpPr>
-        <a:xfrm>
-          <a:off x="0" y="0"/>
-          <a:ext cx="0" cy="0"/>
-          <a:chOff x="0" y="0"/>
-          <a:chExt cx="0" cy="0"/>
-        </a:xfrm>
-      </p:grpSpPr>
-      <p:sp>
-        <p:nvSpPr>
-          <p:cNvPr id="2" name="Titre 1">
-            <a:extLst>
-              <a:ext uri="{FF2B5EF4-FFF2-40B4-BE49-F238E27FC236}">
-                <a16:creationId xmlns:a16="http://schemas.microsoft.com/office/drawing/2014/main" id="{3EF063CE-D958-4826-A06E-FEC8D9DC4B26}"/>
-              </a:ext>
-            </a:extLst>
-          </p:cNvPr>
-          <p:cNvSpPr>
-            <a:spLocks noGrp="1"/>
-          </p:cNvSpPr>
-          <p:nvPr>
-            <p:ph type="title"/>
-          </p:nvPr>
-        </p:nvSpPr>
-        <p:spPr>
-          <a:xfrm>
-            <a:off x="839788" y="365125"/>
-            <a:ext cx="10515600" cy="1325563"/>
-          </a:xfrm>
-        </p:spPr>
-        <p:txBody>
-          <a:bodyPr/>
-          <a:lstStyle/>
-          <a:p>
-            <a:r>
-              <a:rPr lang="fr-FR"/>
-              <a:t>Modifiez le style du titre</a:t>
-            </a:r>
-          </a:p>
-        </p:txBody>
-      </p:sp>
-      <p:sp>
-        <p:nvSpPr>
-          <p:cNvPr id="3" name="Espace réservé du texte 2">
-            <a:extLst>
-              <a:ext uri="{FF2B5EF4-FFF2-40B4-BE49-F238E27FC236}">
-                <a16:creationId xmlns:a16="http://schemas.microsoft.com/office/drawing/2014/main" id="{E6CDB7C4-8763-419D-B254-68C5FEDC6FCA}"/>
-              </a:ext>
-            </a:extLst>
-          </p:cNvPr>
-          <p:cNvSpPr>
-            <a:spLocks noGrp="1"/>
-          </p:cNvSpPr>
-          <p:nvPr>
-            <p:ph type="body" idx="1"/>
-          </p:nvPr>
-        </p:nvSpPr>
-        <p:spPr>
-          <a:xfrm>
-            <a:off x="839788" y="1681163"/>
-            <a:ext cx="5157787" cy="823912"/>
-          </a:xfrm>
-        </p:spPr>
-        <p:txBody>
-          <a:bodyPr anchor="b"/>
-          <a:lstStyle>
-            <a:lvl1pPr marL="0" indent="0">
-              <a:buNone/>
-              <a:defRPr sz="2400" b="1"/>
-            </a:lvl1pPr>
-            <a:lvl2pPr marL="457200" indent="0">
-              <a:buNone/>
-              <a:defRPr sz="2000" b="1"/>
-            </a:lvl2pPr>
-            <a:lvl3pPr marL="914400" indent="0">
-              <a:buNone/>
-              <a:defRPr sz="1800" b="1"/>
-            </a:lvl3pPr>
-            <a:lvl4pPr marL="1371600" indent="0">
-              <a:buNone/>
-              <a:defRPr sz="1600" b="1"/>
-            </a:lvl4pPr>
-            <a:lvl5pPr marL="1828800" indent="0">
-              <a:buNone/>
-              <a:defRPr sz="1600" b="1"/>
-            </a:lvl5pPr>
-            <a:lvl6pPr marL="2286000" indent="0">
-              <a:buNone/>
-              <a:defRPr sz="1600" b="1"/>
-            </a:lvl6pPr>
-            <a:lvl7pPr marL="2743200" indent="0">
-              <a:buNone/>
-              <a:defRPr sz="1600" b="1"/>
-            </a:lvl7pPr>
-            <a:lvl8pPr marL="3200400" indent="0">
-              <a:buNone/>
-              <a:defRPr sz="1600" b="1"/>
-            </a:lvl8pPr>
-            <a:lvl9pPr marL="3657600" indent="0">
-              <a:buNone/>
-              <a:defRPr sz="1600" b="1"/>
-            </a:lvl9pPr>
-          </a:lstStyle>
-          <a:p>
-            <a:pPr lvl="0"/>
-            <a:r>
-              <a:rPr lang="fr-FR"/>
-              <a:t>Cliquez pour modifier les styles du texte du masque</a:t>
-            </a:r>
-          </a:p>
-        </p:txBody>
-      </p:sp>
-      <p:sp>
-        <p:nvSpPr>
-          <p:cNvPr id="4" name="Espace réservé du contenu 3">
-            <a:extLst>
-              <a:ext uri="{FF2B5EF4-FFF2-40B4-BE49-F238E27FC236}">
-                <a16:creationId xmlns:a16="http://schemas.microsoft.com/office/drawing/2014/main" id="{9B4021BE-6662-46A5-B8AD-BF9568700C93}"/>
-              </a:ext>
-            </a:extLst>
-          </p:cNvPr>
-          <p:cNvSpPr>
-            <a:spLocks noGrp="1"/>
-          </p:cNvSpPr>
-          <p:nvPr>
-            <p:ph sz="half" idx="2"/>
-          </p:nvPr>
-        </p:nvSpPr>
-        <p:spPr>
-          <a:xfrm>
-            <a:off x="839788" y="2505075"/>
-            <a:ext cx="5157787" cy="3684588"/>
-          </a:xfrm>
-        </p:spPr>
-        <p:txBody>
-          <a:bodyPr/>
-          <a:lstStyle/>
-          <a:p>
-            <a:pPr lvl="0"/>
-            <a:r>
-              <a:rPr lang="fr-FR"/>
-              <a:t>Cliquez pour modifier les styles du texte du masque</a:t>
-            </a:r>
-          </a:p>
-          <a:p>
-            <a:pPr lvl="1"/>
-            <a:r>
-              <a:rPr lang="fr-FR"/>
-              <a:t>Deuxième niveau</a:t>
-            </a:r>
-          </a:p>
-          <a:p>
-            <a:pPr lvl="2"/>
-            <a:r>
-              <a:rPr lang="fr-FR"/>
-              <a:t>Troisième niveau</a:t>
-            </a:r>
-          </a:p>
-          <a:p>
-            <a:pPr lvl="3"/>
-            <a:r>
-              <a:rPr lang="fr-FR"/>
-              <a:t>Quatrième niveau</a:t>
-            </a:r>
-          </a:p>
-          <a:p>
-            <a:pPr lvl="4"/>
-            <a:r>
-              <a:rPr lang="fr-FR"/>
-              <a:t>Cinquième niveau</a:t>
-            </a:r>
-          </a:p>
-        </p:txBody>
-      </p:sp>
-      <p:sp>
-        <p:nvSpPr>
-          <p:cNvPr id="5" name="Espace réservé du texte 4">
-            <a:extLst>
-              <a:ext uri="{FF2B5EF4-FFF2-40B4-BE49-F238E27FC236}">
-                <a16:creationId xmlns:a16="http://schemas.microsoft.com/office/drawing/2014/main" id="{CB5A998F-FCF9-4018-8E94-7A044BB870DC}"/>
-              </a:ext>
-            </a:extLst>
-          </p:cNvPr>
-          <p:cNvSpPr>
-            <a:spLocks noGrp="1"/>
-          </p:cNvSpPr>
-          <p:nvPr>
-            <p:ph type="body" sz="quarter" idx="3"/>
-          </p:nvPr>
-        </p:nvSpPr>
-        <p:spPr>
-          <a:xfrm>
-            <a:off x="6172200" y="1681163"/>
-            <a:ext cx="5183188" cy="823912"/>
-          </a:xfrm>
-        </p:spPr>
-        <p:txBody>
-          <a:bodyPr anchor="b"/>
-          <a:lstStyle>
-            <a:lvl1pPr marL="0" indent="0">
-              <a:buNone/>
-              <a:defRPr sz="2400" b="1"/>
-            </a:lvl1pPr>
-            <a:lvl2pPr marL="457200" indent="0">
-              <a:buNone/>
-              <a:defRPr sz="2000" b="1"/>
-            </a:lvl2pPr>
-            <a:lvl3pPr marL="914400" indent="0">
-              <a:buNone/>
-              <a:defRPr sz="1800" b="1"/>
-            </a:lvl3pPr>
-            <a:lvl4pPr marL="1371600" indent="0">
-              <a:buNone/>
-              <a:defRPr sz="1600" b="1"/>
-            </a:lvl4pPr>
-            <a:lvl5pPr marL="1828800" indent="0">
-              <a:buNone/>
-              <a:defRPr sz="1600" b="1"/>
-            </a:lvl5pPr>
-            <a:lvl6pPr marL="2286000" indent="0">
-              <a:buNone/>
-              <a:defRPr sz="1600" b="1"/>
-            </a:lvl6pPr>
-            <a:lvl7pPr marL="2743200" indent="0">
-              <a:buNone/>
-              <a:defRPr sz="1600" b="1"/>
-            </a:lvl7pPr>
-            <a:lvl8pPr marL="3200400" indent="0">
-              <a:buNone/>
-              <a:defRPr sz="1600" b="1"/>
-            </a:lvl8pPr>
-            <a:lvl9pPr marL="3657600" indent="0">
-              <a:buNone/>
-              <a:defRPr sz="1600" b="1"/>
-            </a:lvl9pPr>
-          </a:lstStyle>
-          <a:p>
-            <a:pPr lvl="0"/>
-            <a:r>
-              <a:rPr lang="fr-FR"/>
-              <a:t>Cliquez pour modifier les styles du texte du masque</a:t>
-            </a:r>
-          </a:p>
-        </p:txBody>
-      </p:sp>
-      <p:sp>
-        <p:nvSpPr>
-          <p:cNvPr id="6" name="Espace réservé du contenu 5">
-            <a:extLst>
-              <a:ext uri="{FF2B5EF4-FFF2-40B4-BE49-F238E27FC236}">
-                <a16:creationId xmlns:a16="http://schemas.microsoft.com/office/drawing/2014/main" id="{0BEBFD24-2C9F-4D52-A392-57A4B87069E4}"/>
-              </a:ext>
-            </a:extLst>
-          </p:cNvPr>
-          <p:cNvSpPr>
-            <a:spLocks noGrp="1"/>
-          </p:cNvSpPr>
-          <p:nvPr>
-            <p:ph sz="quarter" idx="4"/>
-          </p:nvPr>
-        </p:nvSpPr>
-        <p:spPr>
-          <a:xfrm>
-            <a:off x="6172200" y="2505075"/>
-            <a:ext cx="5183188" cy="3684588"/>
-          </a:xfrm>
-        </p:spPr>
-        <p:txBody>
-          <a:bodyPr/>
-          <a:lstStyle/>
-          <a:p>
-            <a:pPr lvl="0"/>
-            <a:r>
-              <a:rPr lang="fr-FR"/>
-              <a:t>Cliquez pour modifier les styles du texte du masque</a:t>
-            </a:r>
-          </a:p>
-          <a:p>
-            <a:pPr lvl="1"/>
-            <a:r>
-              <a:rPr lang="fr-FR"/>
-              <a:t>Deuxième niveau</a:t>
-            </a:r>
-          </a:p>
-          <a:p>
-            <a:pPr lvl="2"/>
-            <a:r>
-              <a:rPr lang="fr-FR"/>
-              <a:t>Troisième niveau</a:t>
-            </a:r>
-          </a:p>
-          <a:p>
-            <a:pPr lvl="3"/>
-            <a:r>
-              <a:rPr lang="fr-FR"/>
-              <a:t>Quatrième niveau</a:t>
-            </a:r>
-          </a:p>
-          <a:p>
-            <a:pPr lvl="4"/>
-            <a:r>
-              <a:rPr lang="fr-FR"/>
-              <a:t>Cinquième niveau</a:t>
-            </a:r>
-          </a:p>
-        </p:txBody>
-      </p:sp>
-      <p:sp>
-        <p:nvSpPr>
-          <p:cNvPr id="7" name="Espace réservé de la date 6">
-            <a:extLst>
-              <a:ext uri="{FF2B5EF4-FFF2-40B4-BE49-F238E27FC236}">
-                <a16:creationId xmlns:a16="http://schemas.microsoft.com/office/drawing/2014/main" id="{53F298ED-3932-41A0-877F-406921D7FF14}"/>
-              </a:ext>
-            </a:extLst>
-          </p:cNvPr>
-          <p:cNvSpPr>
-            <a:spLocks noGrp="1"/>
-          </p:cNvSpPr>
-          <p:nvPr>
-            <p:ph type="dt" sz="half" idx="10"/>
-          </p:nvPr>
-        </p:nvSpPr>
-        <p:spPr/>
-        <p:txBody>
-          <a:bodyPr/>
-          <a:lstStyle/>
-          <a:p>
-            <a:fld id="{ED31ACF8-25F1-4830-9ABD-A21C90846C2D}" type="datetimeFigureOut">
-              <a:rPr lang="fr-FR" smtClean="0"/>
-              <a:t>15/04/2020</a:t>
-            </a:fld>
-            <a:endParaRPr lang="fr-FR"/>
-          </a:p>
-        </p:txBody>
-      </p:sp>
-      <p:sp>
-        <p:nvSpPr>
-          <p:cNvPr id="8" name="Espace réservé du pied de page 7">
-            <a:extLst>
-              <a:ext uri="{FF2B5EF4-FFF2-40B4-BE49-F238E27FC236}">
-                <a16:creationId xmlns:a16="http://schemas.microsoft.com/office/drawing/2014/main" id="{19710F0A-E3C1-41DC-BFC5-5238A843DCDF}"/>
-              </a:ext>
-            </a:extLst>
-          </p:cNvPr>
-          <p:cNvSpPr>
-            <a:spLocks noGrp="1"/>
-          </p:cNvSpPr>
-          <p:nvPr>
-            <p:ph type="ftr" sz="quarter" idx="11"/>
-          </p:nvPr>
-        </p:nvSpPr>
-        <p:spPr/>
-        <p:txBody>
-          <a:bodyPr/>
-          <a:lstStyle/>
-          <a:p>
-            <a:endParaRPr lang="fr-FR"/>
-          </a:p>
-        </p:txBody>
-      </p:sp>
-      <p:sp>
-        <p:nvSpPr>
-          <p:cNvPr id="9" name="Espace réservé du numéro de diapositive 8">
-            <a:extLst>
-              <a:ext uri="{FF2B5EF4-FFF2-40B4-BE49-F238E27FC236}">
-                <a16:creationId xmlns:a16="http://schemas.microsoft.com/office/drawing/2014/main" id="{F5A59006-1BFB-4FB4-88C6-E2F5E0FF669E}"/>
-              </a:ext>
-            </a:extLst>
-          </p:cNvPr>
-          <p:cNvSpPr>
-            <a:spLocks noGrp="1"/>
-          </p:cNvSpPr>
-          <p:nvPr>
-            <p:ph type="sldNum" sz="quarter" idx="12"/>
-          </p:nvPr>
-        </p:nvSpPr>
-        <p:spPr/>
-        <p:txBody>
-          <a:bodyPr/>
-          <a:lstStyle/>
-          <a:p>
-            <a:fld id="{D32CCBCE-4E46-4687-ABD7-AEF219F6902D}" type="slidenum">
-              <a:rPr lang="fr-FR" smtClean="0"/>
-              <a:t>‹N°›</a:t>
-            </a:fld>
-            <a:endParaRPr lang="fr-FR"/>
-          </a:p>
-        </p:txBody>
-      </p:sp>
-    </p:spTree>
-    <p:extLst>
-      <p:ext uri="{BB962C8B-B14F-4D97-AF65-F5344CB8AC3E}">
-        <p14:creationId xmlns:p14="http://schemas.microsoft.com/office/powerpoint/2010/main" val="1666535782"/>
-      </p:ext>
-    </p:extLst>
-  </p:cSld>
-  <p:clrMapOvr>
-    <a:masterClrMapping/>
-  </p:clrMapOvr>
-</p:sldLayout>
-</file>
-
-<file path=ppt/slideLayouts/slideLayout6.xml><?xml version="1.0" encoding="utf-8"?>
-<p:sldLayout xmlns:a="http://schemas.openxmlformats.org/drawingml/2006/main" xmlns:r="http://schemas.openxmlformats.org/officeDocument/2006/relationships" xmlns:p="http://schemas.openxmlformats.org/presentationml/2006/main" type="titleOnly" preserve="1">
-  <p:cSld name="Titre seul">
-    <p:spTree>
-      <p:nvGrpSpPr>
-        <p:cNvPr id="1" name=""/>
-        <p:cNvGrpSpPr/>
-        <p:nvPr/>
-      </p:nvGrpSpPr>
-      <p:grpSpPr>
-        <a:xfrm>
-          <a:off x="0" y="0"/>
-          <a:ext cx="0" cy="0"/>
-          <a:chOff x="0" y="0"/>
-          <a:chExt cx="0" cy="0"/>
-        </a:xfrm>
-      </p:grpSpPr>
-      <p:sp>
-        <p:nvSpPr>
-          <p:cNvPr id="2" name="Titre 1">
-            <a:extLst>
-              <a:ext uri="{FF2B5EF4-FFF2-40B4-BE49-F238E27FC236}">
-                <a16:creationId xmlns:a16="http://schemas.microsoft.com/office/drawing/2014/main" id="{57B991AD-2AAE-4C5B-AF61-F772598B1D99}"/>
-              </a:ext>
-            </a:extLst>
-          </p:cNvPr>
-          <p:cNvSpPr>
-            <a:spLocks noGrp="1"/>
-          </p:cNvSpPr>
-          <p:nvPr>
-            <p:ph type="title"/>
-          </p:nvPr>
-        </p:nvSpPr>
-        <p:spPr/>
-        <p:txBody>
-          <a:bodyPr/>
-          <a:lstStyle/>
-          <a:p>
-            <a:r>
-              <a:rPr lang="fr-FR"/>
-              <a:t>Modifiez le style du titre</a:t>
-            </a:r>
-          </a:p>
-        </p:txBody>
-      </p:sp>
-      <p:sp>
-        <p:nvSpPr>
-          <p:cNvPr id="3" name="Espace réservé de la date 2">
-            <a:extLst>
-              <a:ext uri="{FF2B5EF4-FFF2-40B4-BE49-F238E27FC236}">
-                <a16:creationId xmlns:a16="http://schemas.microsoft.com/office/drawing/2014/main" id="{482F4C31-05CD-4E10-A362-1C521CB45528}"/>
-              </a:ext>
-            </a:extLst>
-          </p:cNvPr>
-          <p:cNvSpPr>
-            <a:spLocks noGrp="1"/>
-          </p:cNvSpPr>
-          <p:nvPr>
-            <p:ph type="dt" sz="half" idx="10"/>
-          </p:nvPr>
-        </p:nvSpPr>
-        <p:spPr/>
-        <p:txBody>
-          <a:bodyPr/>
-          <a:lstStyle/>
-          <a:p>
-            <a:fld id="{ED31ACF8-25F1-4830-9ABD-A21C90846C2D}" type="datetimeFigureOut">
-              <a:rPr lang="fr-FR" smtClean="0"/>
-              <a:t>15/04/2020</a:t>
-            </a:fld>
-            <a:endParaRPr lang="fr-FR"/>
-          </a:p>
-        </p:txBody>
-      </p:sp>
-      <p:sp>
-        <p:nvSpPr>
-          <p:cNvPr id="4" name="Espace réservé du pied de page 3">
-            <a:extLst>
-              <a:ext uri="{FF2B5EF4-FFF2-40B4-BE49-F238E27FC236}">
-                <a16:creationId xmlns:a16="http://schemas.microsoft.com/office/drawing/2014/main" id="{50CDA489-0FFF-45A8-A24E-C46ACE9F9AD1}"/>
-              </a:ext>
-            </a:extLst>
-          </p:cNvPr>
-          <p:cNvSpPr>
-            <a:spLocks noGrp="1"/>
-          </p:cNvSpPr>
-          <p:nvPr>
-            <p:ph type="ftr" sz="quarter" idx="11"/>
-          </p:nvPr>
-        </p:nvSpPr>
-        <p:spPr/>
-        <p:txBody>
-          <a:bodyPr/>
-          <a:lstStyle/>
-          <a:p>
-            <a:endParaRPr lang="fr-FR"/>
-          </a:p>
-        </p:txBody>
-      </p:sp>
-      <p:sp>
-        <p:nvSpPr>
-          <p:cNvPr id="5" name="Espace réservé du numéro de diapositive 4">
-            <a:extLst>
-              <a:ext uri="{FF2B5EF4-FFF2-40B4-BE49-F238E27FC236}">
-                <a16:creationId xmlns:a16="http://schemas.microsoft.com/office/drawing/2014/main" id="{B8FC0F95-103B-43E5-B4E7-8F9B7D0442BA}"/>
-              </a:ext>
-            </a:extLst>
-          </p:cNvPr>
-          <p:cNvSpPr>
-            <a:spLocks noGrp="1"/>
-          </p:cNvSpPr>
-          <p:nvPr>
-            <p:ph type="sldNum" sz="quarter" idx="12"/>
-          </p:nvPr>
-        </p:nvSpPr>
-        <p:spPr/>
-        <p:txBody>
-          <a:bodyPr/>
-          <a:lstStyle/>
-          <a:p>
-            <a:fld id="{D32CCBCE-4E46-4687-ABD7-AEF219F6902D}" type="slidenum">
-              <a:rPr lang="fr-FR" smtClean="0"/>
-              <a:t>‹N°›</a:t>
-            </a:fld>
-            <a:endParaRPr lang="fr-FR"/>
-          </a:p>
-        </p:txBody>
-      </p:sp>
-    </p:spTree>
-    <p:extLst>
-      <p:ext uri="{BB962C8B-B14F-4D97-AF65-F5344CB8AC3E}">
-        <p14:creationId xmlns:p14="http://schemas.microsoft.com/office/powerpoint/2010/main" val="660033460"/>
-      </p:ext>
-    </p:extLst>
-  </p:cSld>
-  <p:clrMapOvr>
-    <a:masterClrMapping/>
-  </p:clrMapOvr>
-</p:sldLayout>
-</file>
-
-<file path=ppt/slideLayouts/slideLayout7.xml><?xml version="1.0" encoding="utf-8"?>
-<p:sldLayout xmlns:a="http://schemas.openxmlformats.org/drawingml/2006/main" xmlns:r="http://schemas.openxmlformats.org/officeDocument/2006/relationships" xmlns:p="http://schemas.openxmlformats.org/presentationml/2006/main" type="blank" preserve="1">
-  <p:cSld name="Vide">
-    <p:spTree>
-      <p:nvGrpSpPr>
-        <p:cNvPr id="1" name=""/>
-        <p:cNvGrpSpPr/>
-        <p:nvPr/>
-      </p:nvGrpSpPr>
-      <p:grpSpPr>
-        <a:xfrm>
-          <a:off x="0" y="0"/>
-          <a:ext cx="0" cy="0"/>
-          <a:chOff x="0" y="0"/>
-          <a:chExt cx="0" cy="0"/>
-        </a:xfrm>
-      </p:grpSpPr>
-      <p:sp>
-        <p:nvSpPr>
-          <p:cNvPr id="2" name="Espace réservé de la date 1">
-            <a:extLst>
-              <a:ext uri="{FF2B5EF4-FFF2-40B4-BE49-F238E27FC236}">
-                <a16:creationId xmlns:a16="http://schemas.microsoft.com/office/drawing/2014/main" id="{FD0F1716-4239-4A0E-A7DE-48438227C572}"/>
-              </a:ext>
-            </a:extLst>
-          </p:cNvPr>
-          <p:cNvSpPr>
-            <a:spLocks noGrp="1"/>
-          </p:cNvSpPr>
-          <p:nvPr>
-            <p:ph type="dt" sz="half" idx="10"/>
-          </p:nvPr>
-        </p:nvSpPr>
-        <p:spPr/>
-        <p:txBody>
-          <a:bodyPr/>
-          <a:lstStyle/>
-          <a:p>
-            <a:fld id="{ED31ACF8-25F1-4830-9ABD-A21C90846C2D}" type="datetimeFigureOut">
-              <a:rPr lang="fr-FR" smtClean="0"/>
-              <a:t>15/04/2020</a:t>
-            </a:fld>
-            <a:endParaRPr lang="fr-FR"/>
-          </a:p>
-        </p:txBody>
-      </p:sp>
-      <p:sp>
-        <p:nvSpPr>
-          <p:cNvPr id="3" name="Espace réservé du pied de page 2">
-            <a:extLst>
-              <a:ext uri="{FF2B5EF4-FFF2-40B4-BE49-F238E27FC236}">
-                <a16:creationId xmlns:a16="http://schemas.microsoft.com/office/drawing/2014/main" id="{E36AB83C-59AD-4E4C-A197-9C9EAC21D7A2}"/>
-              </a:ext>
-            </a:extLst>
-          </p:cNvPr>
-          <p:cNvSpPr>
-            <a:spLocks noGrp="1"/>
-          </p:cNvSpPr>
-          <p:nvPr>
-            <p:ph type="ftr" sz="quarter" idx="11"/>
-          </p:nvPr>
-        </p:nvSpPr>
-        <p:spPr/>
-        <p:txBody>
-          <a:bodyPr/>
-          <a:lstStyle/>
-          <a:p>
-            <a:endParaRPr lang="fr-FR"/>
-          </a:p>
-        </p:txBody>
-      </p:sp>
-      <p:sp>
-        <p:nvSpPr>
-          <p:cNvPr id="4" name="Espace réservé du numéro de diapositive 3">
-            <a:extLst>
-              <a:ext uri="{FF2B5EF4-FFF2-40B4-BE49-F238E27FC236}">
-                <a16:creationId xmlns:a16="http://schemas.microsoft.com/office/drawing/2014/main" id="{089E178C-B18A-4052-97CE-57BDAD7F32F6}"/>
-              </a:ext>
-            </a:extLst>
-          </p:cNvPr>
-          <p:cNvSpPr>
-            <a:spLocks noGrp="1"/>
-          </p:cNvSpPr>
-          <p:nvPr>
-            <p:ph type="sldNum" sz="quarter" idx="12"/>
-          </p:nvPr>
-        </p:nvSpPr>
-        <p:spPr/>
-        <p:txBody>
-          <a:bodyPr/>
-          <a:lstStyle/>
-          <a:p>
-            <a:fld id="{D32CCBCE-4E46-4687-ABD7-AEF219F6902D}" type="slidenum">
-              <a:rPr lang="fr-FR" smtClean="0"/>
-              <a:t>‹N°›</a:t>
-            </a:fld>
-            <a:endParaRPr lang="fr-FR"/>
-          </a:p>
-        </p:txBody>
-      </p:sp>
-    </p:spTree>
-    <p:extLst>
-      <p:ext uri="{BB962C8B-B14F-4D97-AF65-F5344CB8AC3E}">
-        <p14:creationId xmlns:p14="http://schemas.microsoft.com/office/powerpoint/2010/main" val="4086052351"/>
-      </p:ext>
-    </p:extLst>
-  </p:cSld>
-  <p:clrMapOvr>
-    <a:masterClrMapping/>
-  </p:clrMapOvr>
-</p:sldLayout>
-</file>
-
-<file path=ppt/slideLayouts/slideLayout8.xml><?xml version="1.0" encoding="utf-8"?>
-<p:sldLayout xmlns:a="http://schemas.openxmlformats.org/drawingml/2006/main" xmlns:r="http://schemas.openxmlformats.org/officeDocument/2006/relationships" xmlns:p="http://schemas.openxmlformats.org/presentationml/2006/main" type="objTx" preserve="1">
-  <p:cSld name="Contenu avec légende">
-    <p:spTree>
-      <p:nvGrpSpPr>
-        <p:cNvPr id="1" name=""/>
-        <p:cNvGrpSpPr/>
-        <p:nvPr/>
-      </p:nvGrpSpPr>
-      <p:grpSpPr>
-        <a:xfrm>
-          <a:off x="0" y="0"/>
-          <a:ext cx="0" cy="0"/>
-          <a:chOff x="0" y="0"/>
-          <a:chExt cx="0" cy="0"/>
-        </a:xfrm>
-      </p:grpSpPr>
-      <p:sp>
-        <p:nvSpPr>
-          <p:cNvPr id="2" name="Titre 1">
-            <a:extLst>
-              <a:ext uri="{FF2B5EF4-FFF2-40B4-BE49-F238E27FC236}">
-                <a16:creationId xmlns:a16="http://schemas.microsoft.com/office/drawing/2014/main" id="{B170656C-4C6D-4E6A-ABC5-B9265B8FB23E}"/>
-              </a:ext>
-            </a:extLst>
-          </p:cNvPr>
-          <p:cNvSpPr>
-            <a:spLocks noGrp="1"/>
-          </p:cNvSpPr>
-          <p:nvPr>
-            <p:ph type="title"/>
-          </p:nvPr>
-        </p:nvSpPr>
-        <p:spPr>
-          <a:xfrm>
-            <a:off x="839788" y="457200"/>
-            <a:ext cx="3932237" cy="1600200"/>
-          </a:xfrm>
-        </p:spPr>
-        <p:txBody>
-          <a:bodyPr anchor="b"/>
-          <a:lstStyle>
-            <a:lvl1pPr>
-              <a:defRPr sz="3200"/>
-            </a:lvl1pPr>
-          </a:lstStyle>
-          <a:p>
-            <a:r>
-              <a:rPr lang="fr-FR"/>
-              <a:t>Modifiez le style du titre</a:t>
-            </a:r>
-          </a:p>
-        </p:txBody>
-      </p:sp>
-      <p:sp>
-        <p:nvSpPr>
-          <p:cNvPr id="3" name="Espace réservé du contenu 2">
-            <a:extLst>
-              <a:ext uri="{FF2B5EF4-FFF2-40B4-BE49-F238E27FC236}">
-                <a16:creationId xmlns:a16="http://schemas.microsoft.com/office/drawing/2014/main" id="{597B2F34-622B-44E7-866B-DF1299969F71}"/>
-              </a:ext>
-            </a:extLst>
-          </p:cNvPr>
-          <p:cNvSpPr>
-            <a:spLocks noGrp="1"/>
-          </p:cNvSpPr>
-          <p:nvPr>
-            <p:ph idx="1"/>
-          </p:nvPr>
-        </p:nvSpPr>
-        <p:spPr>
-          <a:xfrm>
-            <a:off x="5183188" y="987425"/>
-            <a:ext cx="6172200" cy="4873625"/>
-          </a:xfrm>
-        </p:spPr>
-        <p:txBody>
-          <a:bodyPr/>
-          <a:lstStyle>
-            <a:lvl1pPr>
-              <a:defRPr sz="3200"/>
-            </a:lvl1pPr>
-            <a:lvl2pPr>
-              <a:defRPr sz="2800"/>
-            </a:lvl2pPr>
-            <a:lvl3pPr>
-              <a:defRPr sz="2400"/>
-            </a:lvl3pPr>
-            <a:lvl4pPr>
-              <a:defRPr sz="2000"/>
-            </a:lvl4pPr>
-            <a:lvl5pPr>
-              <a:defRPr sz="2000"/>
-            </a:lvl5pPr>
-            <a:lvl6pPr>
-              <a:defRPr sz="2000"/>
-            </a:lvl6pPr>
-            <a:lvl7pPr>
-              <a:defRPr sz="2000"/>
-            </a:lvl7pPr>
-            <a:lvl8pPr>
-              <a:defRPr sz="2000"/>
-            </a:lvl8pPr>
-            <a:lvl9pPr>
-              <a:defRPr sz="2000"/>
-            </a:lvl9pPr>
-          </a:lstStyle>
-          <a:p>
-            <a:pPr lvl="0"/>
-            <a:r>
-              <a:rPr lang="fr-FR"/>
-              <a:t>Cliquez pour modifier les styles du texte du masque</a:t>
-            </a:r>
-          </a:p>
-          <a:p>
-            <a:pPr lvl="1"/>
-            <a:r>
-              <a:rPr lang="fr-FR"/>
-              <a:t>Deuxième niveau</a:t>
-            </a:r>
-          </a:p>
-          <a:p>
-            <a:pPr lvl="2"/>
-            <a:r>
-              <a:rPr lang="fr-FR"/>
-              <a:t>Troisième niveau</a:t>
-            </a:r>
-          </a:p>
-          <a:p>
-            <a:pPr lvl="3"/>
-            <a:r>
-              <a:rPr lang="fr-FR"/>
-              <a:t>Quatrième niveau</a:t>
-            </a:r>
-          </a:p>
-          <a:p>
-            <a:pPr lvl="4"/>
-            <a:r>
-              <a:rPr lang="fr-FR"/>
-              <a:t>Cinquième niveau</a:t>
-            </a:r>
-          </a:p>
-        </p:txBody>
-      </p:sp>
-      <p:sp>
-        <p:nvSpPr>
-          <p:cNvPr id="4" name="Espace réservé du texte 3">
-            <a:extLst>
-              <a:ext uri="{FF2B5EF4-FFF2-40B4-BE49-F238E27FC236}">
-                <a16:creationId xmlns:a16="http://schemas.microsoft.com/office/drawing/2014/main" id="{665109E6-C17F-459B-A127-95F0580115E5}"/>
-              </a:ext>
-            </a:extLst>
-          </p:cNvPr>
-          <p:cNvSpPr>
-            <a:spLocks noGrp="1"/>
-          </p:cNvSpPr>
-          <p:nvPr>
-            <p:ph type="body" sz="half" idx="2"/>
-          </p:nvPr>
-        </p:nvSpPr>
-        <p:spPr>
-          <a:xfrm>
-            <a:off x="839788" y="2057400"/>
-            <a:ext cx="3932237" cy="3811588"/>
-          </a:xfrm>
-        </p:spPr>
-        <p:txBody>
-          <a:bodyPr/>
-          <a:lstStyle>
-            <a:lvl1pPr marL="0" indent="0">
-              <a:buNone/>
-              <a:defRPr sz="1600"/>
-            </a:lvl1pPr>
-            <a:lvl2pPr marL="457200" indent="0">
-              <a:buNone/>
-              <a:defRPr sz="1400"/>
-            </a:lvl2pPr>
-            <a:lvl3pPr marL="914400" indent="0">
-              <a:buNone/>
-              <a:defRPr sz="1200"/>
-            </a:lvl3pPr>
-            <a:lvl4pPr marL="1371600" indent="0">
-              <a:buNone/>
-              <a:defRPr sz="1000"/>
-            </a:lvl4pPr>
-            <a:lvl5pPr marL="1828800" indent="0">
-              <a:buNone/>
-              <a:defRPr sz="1000"/>
-            </a:lvl5pPr>
-            <a:lvl6pPr marL="2286000" indent="0">
-              <a:buNone/>
-              <a:defRPr sz="1000"/>
-            </a:lvl6pPr>
-            <a:lvl7pPr marL="2743200" indent="0">
-              <a:buNone/>
-              <a:defRPr sz="1000"/>
-            </a:lvl7pPr>
-            <a:lvl8pPr marL="3200400" indent="0">
-              <a:buNone/>
-              <a:defRPr sz="1000"/>
-            </a:lvl8pPr>
-            <a:lvl9pPr marL="3657600" indent="0">
-              <a:buNone/>
-              <a:defRPr sz="1000"/>
-            </a:lvl9pPr>
-          </a:lstStyle>
-          <a:p>
-            <a:pPr lvl="0"/>
-            <a:r>
-              <a:rPr lang="fr-FR"/>
-              <a:t>Cliquez pour modifier les styles du texte du masque</a:t>
-            </a:r>
-          </a:p>
-        </p:txBody>
-      </p:sp>
-      <p:sp>
-        <p:nvSpPr>
-          <p:cNvPr id="5" name="Espace réservé de la date 4">
-            <a:extLst>
-              <a:ext uri="{FF2B5EF4-FFF2-40B4-BE49-F238E27FC236}">
-                <a16:creationId xmlns:a16="http://schemas.microsoft.com/office/drawing/2014/main" id="{BCF5D26B-CBFB-4DCA-8E46-8AE6AFE4A124}"/>
-              </a:ext>
-            </a:extLst>
-          </p:cNvPr>
-          <p:cNvSpPr>
-            <a:spLocks noGrp="1"/>
-          </p:cNvSpPr>
-          <p:nvPr>
-            <p:ph type="dt" sz="half" idx="10"/>
-          </p:nvPr>
-        </p:nvSpPr>
-        <p:spPr/>
-        <p:txBody>
-          <a:bodyPr/>
-          <a:lstStyle/>
-          <a:p>
-            <a:fld id="{ED31ACF8-25F1-4830-9ABD-A21C90846C2D}" type="datetimeFigureOut">
-              <a:rPr lang="fr-FR" smtClean="0"/>
-              <a:t>15/04/2020</a:t>
-            </a:fld>
-            <a:endParaRPr lang="fr-FR"/>
-          </a:p>
-        </p:txBody>
-      </p:sp>
-      <p:sp>
-        <p:nvSpPr>
-          <p:cNvPr id="6" name="Espace réservé du pied de page 5">
-            <a:extLst>
-              <a:ext uri="{FF2B5EF4-FFF2-40B4-BE49-F238E27FC236}">
-                <a16:creationId xmlns:a16="http://schemas.microsoft.com/office/drawing/2014/main" id="{97002A97-FE74-44E2-9371-9306BA438801}"/>
-              </a:ext>
-            </a:extLst>
-          </p:cNvPr>
-          <p:cNvSpPr>
-            <a:spLocks noGrp="1"/>
-          </p:cNvSpPr>
-          <p:nvPr>
-            <p:ph type="ftr" sz="quarter" idx="11"/>
-          </p:nvPr>
-        </p:nvSpPr>
-        <p:spPr/>
-        <p:txBody>
-          <a:bodyPr/>
-          <a:lstStyle/>
-          <a:p>
-            <a:endParaRPr lang="fr-FR"/>
-          </a:p>
-        </p:txBody>
-      </p:sp>
-      <p:sp>
-        <p:nvSpPr>
-          <p:cNvPr id="7" name="Espace réservé du numéro de diapositive 6">
-            <a:extLst>
-              <a:ext uri="{FF2B5EF4-FFF2-40B4-BE49-F238E27FC236}">
-                <a16:creationId xmlns:a16="http://schemas.microsoft.com/office/drawing/2014/main" id="{12FE36F8-BCB8-4DF2-A872-4C92EFC8FD4D}"/>
-              </a:ext>
-            </a:extLst>
-          </p:cNvPr>
-          <p:cNvSpPr>
-            <a:spLocks noGrp="1"/>
-          </p:cNvSpPr>
-          <p:nvPr>
-            <p:ph type="sldNum" sz="quarter" idx="12"/>
-          </p:nvPr>
-        </p:nvSpPr>
-        <p:spPr/>
-        <p:txBody>
-          <a:bodyPr/>
-          <a:lstStyle/>
-          <a:p>
-            <a:fld id="{D32CCBCE-4E46-4687-ABD7-AEF219F6902D}" type="slidenum">
-              <a:rPr lang="fr-FR" smtClean="0"/>
-              <a:t>‹N°›</a:t>
-            </a:fld>
-            <a:endParaRPr lang="fr-FR"/>
-          </a:p>
-        </p:txBody>
-      </p:sp>
-    </p:spTree>
-    <p:extLst>
-      <p:ext uri="{BB962C8B-B14F-4D97-AF65-F5344CB8AC3E}">
-        <p14:creationId xmlns:p14="http://schemas.microsoft.com/office/powerpoint/2010/main" val="2273345128"/>
-      </p:ext>
-    </p:extLst>
-  </p:cSld>
-  <p:clrMapOvr>
-    <a:masterClrMapping/>
-  </p:clrMapOvr>
-</p:sldLayout>
-</file>
-
-<file path=ppt/slideLayouts/slideLayout9.xml><?xml version="1.0" encoding="utf-8"?>
-<p:sldLayout xmlns:a="http://schemas.openxmlformats.org/drawingml/2006/main" xmlns:r="http://schemas.openxmlformats.org/officeDocument/2006/relationships" xmlns:p="http://schemas.openxmlformats.org/presentationml/2006/main" type="picTx" preserve="1">
-  <p:cSld name="Image avec légende">
-    <p:spTree>
-      <p:nvGrpSpPr>
-        <p:cNvPr id="1" name=""/>
-        <p:cNvGrpSpPr/>
-        <p:nvPr/>
-      </p:nvGrpSpPr>
-      <p:grpSpPr>
-        <a:xfrm>
-          <a:off x="0" y="0"/>
-          <a:ext cx="0" cy="0"/>
-          <a:chOff x="0" y="0"/>
-          <a:chExt cx="0" cy="0"/>
-        </a:xfrm>
-      </p:grpSpPr>
-      <p:sp>
-        <p:nvSpPr>
-          <p:cNvPr id="2" name="Titre 1">
-            <a:extLst>
-              <a:ext uri="{FF2B5EF4-FFF2-40B4-BE49-F238E27FC236}">
-                <a16:creationId xmlns:a16="http://schemas.microsoft.com/office/drawing/2014/main" id="{319FA43D-76F4-4289-B289-F836AD17B493}"/>
-              </a:ext>
-            </a:extLst>
-          </p:cNvPr>
-          <p:cNvSpPr>
-            <a:spLocks noGrp="1"/>
-          </p:cNvSpPr>
-          <p:nvPr>
-            <p:ph type="title"/>
-          </p:nvPr>
-        </p:nvSpPr>
-        <p:spPr>
-          <a:xfrm>
-            <a:off x="839788" y="457200"/>
-            <a:ext cx="3932237" cy="1600200"/>
-          </a:xfrm>
-        </p:spPr>
-        <p:txBody>
-          <a:bodyPr anchor="b"/>
-          <a:lstStyle>
-            <a:lvl1pPr>
-              <a:defRPr sz="3200"/>
-            </a:lvl1pPr>
-          </a:lstStyle>
-          <a:p>
-            <a:r>
-              <a:rPr lang="fr-FR"/>
-              <a:t>Modifiez le style du titre</a:t>
-            </a:r>
-          </a:p>
-        </p:txBody>
-      </p:sp>
-      <p:sp>
-        <p:nvSpPr>
-          <p:cNvPr id="3" name="Espace réservé pour une image  2">
-            <a:extLst>
-              <a:ext uri="{FF2B5EF4-FFF2-40B4-BE49-F238E27FC236}">
-                <a16:creationId xmlns:a16="http://schemas.microsoft.com/office/drawing/2014/main" id="{CE7A65D0-F3DB-4239-8DE8-95D85A592DA7}"/>
-              </a:ext>
-            </a:extLst>
-          </p:cNvPr>
-          <p:cNvSpPr>
-            <a:spLocks noGrp="1"/>
-          </p:cNvSpPr>
-          <p:nvPr>
-            <p:ph type="pic" idx="1"/>
-          </p:nvPr>
-        </p:nvSpPr>
-        <p:spPr>
-          <a:xfrm>
-            <a:off x="5183188" y="987425"/>
-            <a:ext cx="6172200" cy="4873625"/>
-          </a:xfrm>
-        </p:spPr>
-        <p:txBody>
-          <a:bodyPr/>
-          <a:lstStyle>
-            <a:lvl1pPr marL="0" indent="0">
-              <a:buNone/>
-              <a:defRPr sz="3200"/>
-            </a:lvl1pPr>
-            <a:lvl2pPr marL="457200" indent="0">
-              <a:buNone/>
-              <a:defRPr sz="2800"/>
-            </a:lvl2pPr>
-            <a:lvl3pPr marL="914400" indent="0">
-              <a:buNone/>
-              <a:defRPr sz="2400"/>
-            </a:lvl3pPr>
-            <a:lvl4pPr marL="1371600" indent="0">
-              <a:buNone/>
-              <a:defRPr sz="2000"/>
-            </a:lvl4pPr>
-            <a:lvl5pPr marL="1828800" indent="0">
-              <a:buNone/>
-              <a:defRPr sz="2000"/>
-            </a:lvl5pPr>
-            <a:lvl6pPr marL="2286000" indent="0">
-              <a:buNone/>
-              <a:defRPr sz="2000"/>
-            </a:lvl6pPr>
-            <a:lvl7pPr marL="2743200" indent="0">
-              <a:buNone/>
-              <a:defRPr sz="2000"/>
-            </a:lvl7pPr>
-            <a:lvl8pPr marL="3200400" indent="0">
-              <a:buNone/>
-              <a:defRPr sz="2000"/>
-            </a:lvl8pPr>
-            <a:lvl9pPr marL="3657600" indent="0">
-              <a:buNone/>
-              <a:defRPr sz="2000"/>
-            </a:lvl9pPr>
-          </a:lstStyle>
-          <a:p>
-            <a:endParaRPr lang="fr-FR"/>
-          </a:p>
-        </p:txBody>
-      </p:sp>
-      <p:sp>
-        <p:nvSpPr>
-          <p:cNvPr id="4" name="Espace réservé du texte 3">
-            <a:extLst>
-              <a:ext uri="{FF2B5EF4-FFF2-40B4-BE49-F238E27FC236}">
-                <a16:creationId xmlns:a16="http://schemas.microsoft.com/office/drawing/2014/main" id="{2228E431-13BB-4832-9FCC-C527A8FA18B6}"/>
-              </a:ext>
-            </a:extLst>
-          </p:cNvPr>
-          <p:cNvSpPr>
-            <a:spLocks noGrp="1"/>
-          </p:cNvSpPr>
-          <p:nvPr>
-            <p:ph type="body" sz="half" idx="2"/>
-          </p:nvPr>
-        </p:nvSpPr>
-        <p:spPr>
-          <a:xfrm>
-            <a:off x="839788" y="2057400"/>
-            <a:ext cx="3932237" cy="3811588"/>
-          </a:xfrm>
-        </p:spPr>
-        <p:txBody>
-          <a:bodyPr/>
-          <a:lstStyle>
-            <a:lvl1pPr marL="0" indent="0">
-              <a:buNone/>
-              <a:defRPr sz="1600"/>
-            </a:lvl1pPr>
-            <a:lvl2pPr marL="457200" indent="0">
-              <a:buNone/>
-              <a:defRPr sz="1400"/>
-            </a:lvl2pPr>
-            <a:lvl3pPr marL="914400" indent="0">
-              <a:buNone/>
-              <a:defRPr sz="1200"/>
-            </a:lvl3pPr>
-            <a:lvl4pPr marL="1371600" indent="0">
-              <a:buNone/>
-              <a:defRPr sz="1000"/>
-            </a:lvl4pPr>
-            <a:lvl5pPr marL="1828800" indent="0">
-              <a:buNone/>
-              <a:defRPr sz="1000"/>
-            </a:lvl5pPr>
-            <a:lvl6pPr marL="2286000" indent="0">
-              <a:buNone/>
-              <a:defRPr sz="1000"/>
-            </a:lvl6pPr>
-            <a:lvl7pPr marL="2743200" indent="0">
-              <a:buNone/>
-              <a:defRPr sz="1000"/>
-            </a:lvl7pPr>
-            <a:lvl8pPr marL="3200400" indent="0">
-              <a:buNone/>
-              <a:defRPr sz="1000"/>
-            </a:lvl8pPr>
-            <a:lvl9pPr marL="3657600" indent="0">
-              <a:buNone/>
-              <a:defRPr sz="1000"/>
-            </a:lvl9pPr>
-          </a:lstStyle>
-          <a:p>
-            <a:pPr lvl="0"/>
-            <a:r>
-              <a:rPr lang="fr-FR"/>
-              <a:t>Cliquez pour modifier les styles du texte du masque</a:t>
-            </a:r>
-          </a:p>
-        </p:txBody>
-      </p:sp>
-      <p:sp>
-        <p:nvSpPr>
-          <p:cNvPr id="5" name="Espace réservé de la date 4">
-            <a:extLst>
-              <a:ext uri="{FF2B5EF4-FFF2-40B4-BE49-F238E27FC236}">
-                <a16:creationId xmlns:a16="http://schemas.microsoft.com/office/drawing/2014/main" id="{F6DDE607-202D-43DD-BB89-139D39B102DD}"/>
-              </a:ext>
-            </a:extLst>
-          </p:cNvPr>
-          <p:cNvSpPr>
-            <a:spLocks noGrp="1"/>
-          </p:cNvSpPr>
-          <p:nvPr>
-            <p:ph type="dt" sz="half" idx="10"/>
-          </p:nvPr>
-        </p:nvSpPr>
-        <p:spPr/>
-        <p:txBody>
-          <a:bodyPr/>
-          <a:lstStyle/>
-          <a:p>
-            <a:fld id="{ED31ACF8-25F1-4830-9ABD-A21C90846C2D}" type="datetimeFigureOut">
-              <a:rPr lang="fr-FR" smtClean="0"/>
-              <a:t>15/04/2020</a:t>
-            </a:fld>
-            <a:endParaRPr lang="fr-FR"/>
-          </a:p>
-        </p:txBody>
-      </p:sp>
-      <p:sp>
-        <p:nvSpPr>
-          <p:cNvPr id="6" name="Espace réservé du pied de page 5">
-            <a:extLst>
-              <a:ext uri="{FF2B5EF4-FFF2-40B4-BE49-F238E27FC236}">
-                <a16:creationId xmlns:a16="http://schemas.microsoft.com/office/drawing/2014/main" id="{23FCF9CD-93A9-423B-921A-5C10BA74EA7E}"/>
-              </a:ext>
-            </a:extLst>
-          </p:cNvPr>
-          <p:cNvSpPr>
-            <a:spLocks noGrp="1"/>
-          </p:cNvSpPr>
-          <p:nvPr>
-            <p:ph type="ftr" sz="quarter" idx="11"/>
-          </p:nvPr>
-        </p:nvSpPr>
-        <p:spPr/>
-        <p:txBody>
-          <a:bodyPr/>
-          <a:lstStyle/>
-          <a:p>
-            <a:endParaRPr lang="fr-FR"/>
-          </a:p>
-        </p:txBody>
-      </p:sp>
-      <p:sp>
-        <p:nvSpPr>
-          <p:cNvPr id="7" name="Espace réservé du numéro de diapositive 6">
-            <a:extLst>
-              <a:ext uri="{FF2B5EF4-FFF2-40B4-BE49-F238E27FC236}">
-                <a16:creationId xmlns:a16="http://schemas.microsoft.com/office/drawing/2014/main" id="{B1B64BB5-52CE-4E2C-92F6-A3A3FA243CFA}"/>
-              </a:ext>
-            </a:extLst>
-          </p:cNvPr>
-          <p:cNvSpPr>
-            <a:spLocks noGrp="1"/>
-          </p:cNvSpPr>
-          <p:nvPr>
-            <p:ph type="sldNum" sz="quarter" idx="12"/>
-          </p:nvPr>
-        </p:nvSpPr>
-        <p:spPr/>
-        <p:txBody>
-          <a:bodyPr/>
-          <a:lstStyle/>
-          <a:p>
-            <a:fld id="{D32CCBCE-4E46-4687-ABD7-AEF219F6902D}" type="slidenum">
-              <a:rPr lang="fr-FR" smtClean="0"/>
-              <a:t>‹N°›</a:t>
-            </a:fld>
-            <a:endParaRPr lang="fr-FR"/>
-          </a:p>
-        </p:txBody>
-      </p:sp>
-    </p:spTree>
-    <p:extLst>
-      <p:ext uri="{BB962C8B-B14F-4D97-AF65-F5344CB8AC3E}">
-        <p14:creationId xmlns:p14="http://schemas.microsoft.com/office/powerpoint/2010/main" val="249315113"/>
-      </p:ext>
-    </p:extLst>
-  </p:cSld>
-  <p:clrMapOvr>
-    <a:masterClrMapping/>
-  </p:clrMapOvr>
-</p:sldLayout>
-</file>
-
 <file path=ppt/slideMasters/slideMaster1.xml><?xml version="1.0" encoding="utf-8"?>
-<p:sldMaster xmlns:a="http://schemas.openxmlformats.org/drawingml/2006/main" xmlns:r="http://schemas.openxmlformats.org/officeDocument/2006/relationships" xmlns:p="http://schemas.openxmlformats.org/presentationml/2006/main">
-  <p:cSld>
-    <p:bg>
-      <p:bgRef idx="1001">
-        <a:schemeClr val="bg1"/>
-      </p:bgRef>
-    </p:bg>
-    <p:spTree>
-      <p:nvGrpSpPr>
-        <p:cNvPr id="1" name=""/>
-        <p:cNvGrpSpPr/>
-        <p:nvPr/>
-      </p:nvGrpSpPr>
-      <p:grpSpPr>
-        <a:xfrm>
-          <a:off x="0" y="0"/>
-          <a:ext cx="0" cy="0"/>
-          <a:chOff x="0" y="0"/>
-          <a:chExt cx="0" cy="0"/>
-        </a:xfrm>
-      </p:grpSpPr>
-      <p:sp>
-        <p:nvSpPr>
-          <p:cNvPr id="2" name="Espace réservé du titre 1">
-            <a:extLst>
-              <a:ext uri="{FF2B5EF4-FFF2-40B4-BE49-F238E27FC236}">
-                <a16:creationId xmlns:a16="http://schemas.microsoft.com/office/drawing/2014/main" id="{7382FE82-6B8E-498D-830F-259283C6A0D7}"/>
-              </a:ext>
-            </a:extLst>
-          </p:cNvPr>
-          <p:cNvSpPr>
-            <a:spLocks noGrp="1"/>
-          </p:cNvSpPr>
-          <p:nvPr>
-            <p:ph type="title"/>
-          </p:nvPr>
-        </p:nvSpPr>
-        <p:spPr>
-          <a:xfrm>
-            <a:off x="838200" y="365125"/>
-            <a:ext cx="10515600" cy="1325563"/>
-          </a:xfrm>
-          <a:prstGeom prst="rect">
-            <a:avLst/>
-          </a:prstGeom>
-        </p:spPr>
-        <p:txBody>
-          <a:bodyPr vert="horz" lIns="91440" tIns="45720" rIns="91440" bIns="45720" rtlCol="0" anchor="ctr">
-            <a:normAutofit/>
-          </a:bodyPr>
-          <a:lstStyle/>
-          <a:p>
-            <a:r>
-              <a:rPr lang="fr-FR"/>
-              <a:t>Modifiez le style du titre</a:t>
-            </a:r>
-          </a:p>
-        </p:txBody>
-      </p:sp>
-      <p:sp>
-        <p:nvSpPr>
-          <p:cNvPr id="3" name="Espace réservé du texte 2">
-            <a:extLst>
-              <a:ext uri="{FF2B5EF4-FFF2-40B4-BE49-F238E27FC236}">
-                <a16:creationId xmlns:a16="http://schemas.microsoft.com/office/drawing/2014/main" id="{83E49163-3AD6-4FCE-834F-B9AE8E2DCC5D}"/>
-              </a:ext>
-            </a:extLst>
-          </p:cNvPr>
-          <p:cNvSpPr>
-            <a:spLocks noGrp="1"/>
-          </p:cNvSpPr>
-          <p:nvPr>
-            <p:ph type="body" idx="1"/>
-          </p:nvPr>
-        </p:nvSpPr>
-        <p:spPr>
-          <a:xfrm>
-            <a:off x="838200" y="1825625"/>
-            <a:ext cx="10515600" cy="4351338"/>
-          </a:xfrm>
-          <a:prstGeom prst="rect">
-            <a:avLst/>
-          </a:prstGeom>
-        </p:spPr>
-        <p:txBody>
-          <a:bodyPr vert="horz" lIns="91440" tIns="45720" rIns="91440" bIns="45720" rtlCol="0">
-            <a:normAutofit/>
-          </a:bodyPr>
-          <a:lstStyle/>
-          <a:p>
-            <a:pPr lvl="0"/>
-            <a:r>
-              <a:rPr lang="fr-FR"/>
-              <a:t>Cliquez pour modifier les styles du texte du masque</a:t>
-            </a:r>
-          </a:p>
-          <a:p>
-            <a:pPr lvl="1"/>
-            <a:r>
-              <a:rPr lang="fr-FR"/>
-              <a:t>Deuxième niveau</a:t>
-            </a:r>
-          </a:p>
-          <a:p>
-            <a:pPr lvl="2"/>
-            <a:r>
-              <a:rPr lang="fr-FR"/>
-              <a:t>Troisième niveau</a:t>
-            </a:r>
-          </a:p>
-          <a:p>
-            <a:pPr lvl="3"/>
-            <a:r>
-              <a:rPr lang="fr-FR"/>
-              <a:t>Quatrième niveau</a:t>
-            </a:r>
-          </a:p>
-          <a:p>
-            <a:pPr lvl="4"/>
-            <a:r>
-              <a:rPr lang="fr-FR"/>
-              <a:t>Cinquième niveau</a:t>
-            </a:r>
-          </a:p>
-        </p:txBody>
-      </p:sp>
-      <p:sp>
-        <p:nvSpPr>
-          <p:cNvPr id="4" name="Espace réservé de la date 3">
-            <a:extLst>
-              <a:ext uri="{FF2B5EF4-FFF2-40B4-BE49-F238E27FC236}">
-                <a16:creationId xmlns:a16="http://schemas.microsoft.com/office/drawing/2014/main" id="{4DEA81D0-31A6-41A6-8E7D-F6481DC37C5C}"/>
-              </a:ext>
-            </a:extLst>
-          </p:cNvPr>
-          <p:cNvSpPr>
-            <a:spLocks noGrp="1"/>
-          </p:cNvSpPr>
-          <p:nvPr>
-            <p:ph type="dt" sz="half" idx="2"/>
-          </p:nvPr>
-        </p:nvSpPr>
-        <p:spPr>
-          <a:xfrm>
-            <a:off x="838200" y="6356350"/>
-            <a:ext cx="2743200" cy="365125"/>
-          </a:xfrm>
-          <a:prstGeom prst="rect">
-            <a:avLst/>
-          </a:prstGeom>
-        </p:spPr>
-        <p:txBody>
-          <a:bodyPr vert="horz" lIns="91440" tIns="45720" rIns="91440" bIns="45720" rtlCol="0" anchor="ctr"/>
-          <a:lstStyle>
-            <a:lvl1pPr algn="l">
-              <a:defRPr sz="1200">
-                <a:solidFill>
-                  <a:schemeClr val="tx1">
-                    <a:tint val="75000"/>
-                  </a:schemeClr>
-                </a:solidFill>
-              </a:defRPr>
-            </a:lvl1pPr>
-          </a:lstStyle>
-          <a:p>
-            <a:fld id="{ED31ACF8-25F1-4830-9ABD-A21C90846C2D}" type="datetimeFigureOut">
-              <a:rPr lang="fr-FR" smtClean="0"/>
-              <a:t>15/04/2020</a:t>
-            </a:fld>
-            <a:endParaRPr lang="fr-FR"/>
-          </a:p>
-        </p:txBody>
-      </p:sp>
-      <p:sp>
-        <p:nvSpPr>
-          <p:cNvPr id="5" name="Espace réservé du pied de page 4">
-            <a:extLst>
-              <a:ext uri="{FF2B5EF4-FFF2-40B4-BE49-F238E27FC236}">
-                <a16:creationId xmlns:a16="http://schemas.microsoft.com/office/drawing/2014/main" id="{C6AAFAA8-342B-4224-B15F-792496A32187}"/>
-              </a:ext>
-            </a:extLst>
-          </p:cNvPr>
-          <p:cNvSpPr>
-            <a:spLocks noGrp="1"/>
-          </p:cNvSpPr>
-          <p:nvPr>
-            <p:ph type="ftr" sz="quarter" idx="3"/>
-          </p:nvPr>
-        </p:nvSpPr>
-        <p:spPr>
-          <a:xfrm>
-            <a:off x="4038600" y="6356350"/>
-            <a:ext cx="4114800" cy="365125"/>
-          </a:xfrm>
-          <a:prstGeom prst="rect">
-            <a:avLst/>
-          </a:prstGeom>
-        </p:spPr>
-        <p:txBody>
-          <a:bodyPr vert="horz" lIns="91440" tIns="45720" rIns="91440" bIns="45720" rtlCol="0" anchor="ctr"/>
-          <a:lstStyle>
-            <a:lvl1pPr algn="ctr">
-              <a:defRPr sz="1200">
-                <a:solidFill>
-                  <a:schemeClr val="tx1">
-                    <a:tint val="75000"/>
-                  </a:schemeClr>
-                </a:solidFill>
-              </a:defRPr>
-            </a:lvl1pPr>
-          </a:lstStyle>
-          <a:p>
-            <a:endParaRPr lang="fr-FR"/>
-          </a:p>
-        </p:txBody>
-      </p:sp>
-      <p:sp>
-        <p:nvSpPr>
-          <p:cNvPr id="6" name="Espace réservé du numéro de diapositive 5">
-            <a:extLst>
-              <a:ext uri="{FF2B5EF4-FFF2-40B4-BE49-F238E27FC236}">
-                <a16:creationId xmlns:a16="http://schemas.microsoft.com/office/drawing/2014/main" id="{5CDE2FB1-725A-4DCC-8444-236392009810}"/>
-              </a:ext>
-            </a:extLst>
-          </p:cNvPr>
-          <p:cNvSpPr>
-            <a:spLocks noGrp="1"/>
-          </p:cNvSpPr>
-          <p:nvPr>
-            <p:ph type="sldNum" sz="quarter" idx="4"/>
-          </p:nvPr>
-        </p:nvSpPr>
-        <p:spPr>
-          <a:xfrm>
-            <a:off x="8610600" y="6356350"/>
-            <a:ext cx="2743200" cy="365125"/>
-          </a:xfrm>
-          <a:prstGeom prst="rect">
-            <a:avLst/>
-          </a:prstGeom>
-        </p:spPr>
-        <p:txBody>
-          <a:bodyPr vert="horz" lIns="91440" tIns="45720" rIns="91440" bIns="45720" rtlCol="0" anchor="ctr"/>
-          <a:lstStyle>
-            <a:lvl1pPr algn="r">
-              <a:defRPr sz="1200">
-                <a:solidFill>
-                  <a:schemeClr val="tx1">
-                    <a:tint val="75000"/>
-                  </a:schemeClr>
-                </a:solidFill>
-              </a:defRPr>
-            </a:lvl1pPr>
-          </a:lstStyle>
-          <a:p>
-            <a:fld id="{D32CCBCE-4E46-4687-ABD7-AEF219F6902D}" type="slidenum">
-              <a:rPr lang="fr-FR" smtClean="0"/>
-              <a:t>‹N°›</a:t>
-            </a:fld>
-            <a:endParaRPr lang="fr-FR"/>
-          </a:p>
-        </p:txBody>
-      </p:sp>
-    </p:spTree>
-    <p:extLst>
-      <p:ext uri="{BB962C8B-B14F-4D97-AF65-F5344CB8AC3E}">
-        <p14:creationId xmlns:p14="http://schemas.microsoft.com/office/powerpoint/2010/main" val="3715482671"/>
-      </p:ext>
-    </p:extLst>
-  </p:cSld>
-  <p:clrMap bg1="lt1" tx1="dk1" bg2="lt2" tx2="dk2" accent1="accent1" accent2="accent2" accent3="accent3" accent4="accent4" accent5="accent5" accent6="accent6" hlink="hlink" folHlink="folHlink"/>
-  <p:sldLayoutIdLst>
-    <p:sldLayoutId id="2147483661" r:id="rId1"/>
-    <p:sldLayoutId id="2147483650" r:id="rId2"/>
-    <p:sldLayoutId id="2147483666" r:id="rId3"/>
-    <p:sldLayoutId id="2147483652" r:id="rId4"/>
-    <p:sldLayoutId id="2147483653" r:id="rId5"/>
-    <p:sldLayoutId id="2147483654" r:id="rId6"/>
-    <p:sldLayoutId id="2147483655" r:id="rId7"/>
-    <p:sldLayoutId id="2147483656" r:id="rId8"/>
-    <p:sldLayoutId id="2147483657" r:id="rId9"/>
-    <p:sldLayoutId id="2147483658" r:id="rId10"/>
-    <p:sldLayoutId id="2147483659" r:id="rId11"/>
-  </p:sldLayoutIdLst>
-  <p:txStyles>
-    <p:titleStyle>
-      <a:lvl1pPr algn="l" defTabSz="914400" rtl="0" eaLnBrk="1" latinLnBrk="0" hangingPunct="1">
-        <a:lnSpc>
-          <a:spcPct val="90000"/>
-        </a:lnSpc>
-        <a:spcBef>
-          <a:spcPct val="0"/>
-        </a:spcBef>
-        <a:buNone/>
-        <a:defRPr sz="4400" kern="1200">
-          <a:solidFill>
-            <a:schemeClr val="tx1"/>
-          </a:solidFill>
-          <a:latin typeface="+mj-lt"/>
-          <a:ea typeface="+mj-ea"/>
-          <a:cs typeface="+mj-cs"/>
-        </a:defRPr>
-      </a:lvl1pPr>
-    </p:titleStyle>
-    <p:bodyStyle>
-      <a:lvl1pPr marL="228600" indent="-228600" algn="l" defTabSz="914400" rtl="0" eaLnBrk="1" latinLnBrk="0" hangingPunct="1">
-        <a:lnSpc>
-          <a:spcPct val="90000"/>
-        </a:lnSpc>
-        <a:spcBef>
-          <a:spcPts val="1000"/>
-        </a:spcBef>
-        <a:buFont typeface="Arial" panose="020B0604020202020204" pitchFamily="34" charset="0"/>
-        <a:buChar char="•"/>
-        <a:defRPr sz="2800" kern="1200">
-          <a:solidFill>
-            <a:schemeClr val="tx1"/>
-          </a:solidFill>
-          <a:latin typeface="+mn-lt"/>
-          <a:ea typeface="+mn-ea"/>
-          <a:cs typeface="+mn-cs"/>
-        </a:defRPr>
-      </a:lvl1pPr>
-      <a:lvl2pPr marL="685800" indent="-228600" algn="l" defTabSz="914400" rtl="0" eaLnBrk="1" latinLnBrk="0" hangingPunct="1">
-        <a:lnSpc>
-          <a:spcPct val="90000"/>
-        </a:lnSpc>
-        <a:spcBef>
-          <a:spcPts val="500"/>
-        </a:spcBef>
-        <a:buFont typeface="Arial" panose="020B0604020202020204" pitchFamily="34" charset="0"/>
-        <a:buChar char="•"/>
-        <a:defRPr sz="2400" kern="1200">
-          <a:solidFill>
-            <a:schemeClr val="tx1"/>
-          </a:solidFill>
-          <a:latin typeface="+mn-lt"/>
-          <a:ea typeface="+mn-ea"/>
-          <a:cs typeface="+mn-cs"/>
-        </a:defRPr>
-      </a:lvl2pPr>
-      <a:lvl3pPr marL="1143000" indent="-228600" algn="l" defTabSz="914400" rtl="0" eaLnBrk="1" latinLnBrk="0" hangingPunct="1">
-        <a:lnSpc>
-          <a:spcPct val="90000"/>
-        </a:lnSpc>
-        <a:spcBef>
-          <a:spcPts val="500"/>
-        </a:spcBef>
-        <a:buFont typeface="Arial" panose="020B0604020202020204" pitchFamily="34" charset="0"/>
-        <a:buChar char="•"/>
-        <a:defRPr sz="2000" kern="1200">
-          <a:solidFill>
-            <a:schemeClr val="tx1"/>
-          </a:solidFill>
-          <a:latin typeface="+mn-lt"/>
-          <a:ea typeface="+mn-ea"/>
-          <a:cs typeface="+mn-cs"/>
-        </a:defRPr>
-      </a:lvl3pPr>
-      <a:lvl4pPr marL="1600200" indent="-228600" algn="l" defTabSz="914400" rtl="0" eaLnBrk="1" latinLnBrk="0" hangingPunct="1">
-        <a:lnSpc>
-          <a:spcPct val="90000"/>
-        </a:lnSpc>
-        <a:spcBef>
-          <a:spcPts val="500"/>
-        </a:spcBef>
-        <a:buFont typeface="Arial" panose="020B0604020202020204" pitchFamily="34" charset="0"/>
-        <a:buChar char="•"/>
-        <a:defRPr sz="1800" kern="1200">
-          <a:solidFill>
-            <a:schemeClr val="tx1"/>
-          </a:solidFill>
-          <a:latin typeface="+mn-lt"/>
-          <a:ea typeface="+mn-ea"/>
-          <a:cs typeface="+mn-cs"/>
-        </a:defRPr>
-      </a:lvl4pPr>
-      <a:lvl5pPr marL="2057400" indent="-228600" algn="l" defTabSz="914400" rtl="0" eaLnBrk="1" latinLnBrk="0" hangingPunct="1">
-        <a:lnSpc>
-          <a:spcPct val="90000"/>
-        </a:lnSpc>
-        <a:spcBef>
-          <a:spcPts val="500"/>
-        </a:spcBef>
-        <a:buFont typeface="Arial" panose="020B0604020202020204" pitchFamily="34" charset="0"/>
-        <a:buChar char="•"/>
-        <a:defRPr sz="1800" kern="1200">
-          <a:solidFill>
-            <a:schemeClr val="tx1"/>
-          </a:solidFill>
-          <a:latin typeface="+mn-lt"/>
-          <a:ea typeface="+mn-ea"/>
-          <a:cs typeface="+mn-cs"/>
-        </a:defRPr>
-      </a:lvl5pPr>
-      <a:lvl6pPr marL="2514600" indent="-228600" algn="l" defTabSz="914400" rtl="0" eaLnBrk="1" latinLnBrk="0" hangingPunct="1">
-        <a:lnSpc>
-          <a:spcPct val="90000"/>
-        </a:lnSpc>
-        <a:spcBef>
-          <a:spcPts val="500"/>
-        </a:spcBef>
-        <a:buFont typeface="Arial" panose="020B0604020202020204" pitchFamily="34" charset="0"/>
-        <a:buChar char="•"/>
-        <a:defRPr sz="1800" kern="1200">
-          <a:solidFill>
-            <a:schemeClr val="tx1"/>
-          </a:solidFill>
-          <a:latin typeface="+mn-lt"/>
-          <a:ea typeface="+mn-ea"/>
-          <a:cs typeface="+mn-cs"/>
-        </a:defRPr>
-      </a:lvl6pPr>
-      <a:lvl7pPr marL="2971800" indent="-228600" algn="l" defTabSz="914400" rtl="0" eaLnBrk="1" latinLnBrk="0" hangingPunct="1">
-        <a:lnSpc>
-          <a:spcPct val="90000"/>
-        </a:lnSpc>
-        <a:spcBef>
-          <a:spcPts val="500"/>
-        </a:spcBef>
-        <a:buFont typeface="Arial" panose="020B0604020202020204" pitchFamily="34" charset="0"/>
-        <a:buChar char="•"/>
-        <a:defRPr sz="1800" kern="1200">
-          <a:solidFill>
-            <a:schemeClr val="tx1"/>
-          </a:solidFill>
-          <a:latin typeface="+mn-lt"/>
-          <a:ea typeface="+mn-ea"/>
-          <a:cs typeface="+mn-cs"/>
-        </a:defRPr>
-      </a:lvl7pPr>
-      <a:lvl8pPr marL="3429000" indent="-228600" algn="l" defTabSz="914400" rtl="0" eaLnBrk="1" latinLnBrk="0" hangingPunct="1">
-        <a:lnSpc>
-          <a:spcPct val="90000"/>
-        </a:lnSpc>
-        <a:spcBef>
-          <a:spcPts val="500"/>
-        </a:spcBef>
-        <a:buFont typeface="Arial" panose="020B0604020202020204" pitchFamily="34" charset="0"/>
-        <a:buChar char="•"/>
-        <a:defRPr sz="1800" kern="1200">
-          <a:solidFill>
-            <a:schemeClr val="tx1"/>
-          </a:solidFill>
-          <a:latin typeface="+mn-lt"/>
-          <a:ea typeface="+mn-ea"/>
-          <a:cs typeface="+mn-cs"/>
-        </a:defRPr>
-      </a:lvl8pPr>
-      <a:lvl9pPr marL="3886200" indent="-228600" algn="l" defTabSz="914400" rtl="0" eaLnBrk="1" latinLnBrk="0" hangingPunct="1">
-        <a:lnSpc>
-          <a:spcPct val="90000"/>
-        </a:lnSpc>
-        <a:spcBef>
-          <a:spcPts val="500"/>
-        </a:spcBef>
-        <a:buFont typeface="Arial" panose="020B0604020202020204" pitchFamily="34" charset="0"/>
-        <a:buChar char="•"/>
-        <a:defRPr sz="1800" kern="1200">
-          <a:solidFill>
-            <a:schemeClr val="tx1"/>
-          </a:solidFill>
-          <a:latin typeface="+mn-lt"/>
-          <a:ea typeface="+mn-ea"/>
-          <a:cs typeface="+mn-cs"/>
-        </a:defRPr>
-      </a:lvl9pPr>
-    </p:bodyStyle>
-    <p:otherStyle>
-      <a:defPPr>
-        <a:defRPr lang="fr-FR"/>
-      </a:defPPr>
-      <a:lvl1pPr marL="0" algn="l" defTabSz="914400" rtl="0" eaLnBrk="1" latinLnBrk="0" hangingPunct="1">
-        <a:defRPr sz="1800" kern="1200">
-          <a:solidFill>
-            <a:schemeClr val="tx1"/>
-          </a:solidFill>
-          <a:latin typeface="+mn-lt"/>
-          <a:ea typeface="+mn-ea"/>
-          <a:cs typeface="+mn-cs"/>
-        </a:defRPr>
-      </a:lvl1pPr>
-      <a:lvl2pPr marL="457200" algn="l" defTabSz="914400" rtl="0" eaLnBrk="1" latinLnBrk="0" hangingPunct="1">
-        <a:defRPr sz="1800" kern="1200">
-          <a:solidFill>
-            <a:schemeClr val="tx1"/>
-          </a:solidFill>
-          <a:latin typeface="+mn-lt"/>
-          <a:ea typeface="+mn-ea"/>
-          <a:cs typeface="+mn-cs"/>
-        </a:defRPr>
-      </a:lvl2pPr>
-      <a:lvl3pPr marL="914400" algn="l" defTabSz="914400" rtl="0" eaLnBrk="1" latinLnBrk="0" hangingPunct="1">
-        <a:defRPr sz="1800" kern="1200">
-          <a:solidFill>
-            <a:schemeClr val="tx1"/>
-          </a:solidFill>
-          <a:latin typeface="+mn-lt"/>
-          <a:ea typeface="+mn-ea"/>
-          <a:cs typeface="+mn-cs"/>
-        </a:defRPr>
-      </a:lvl3pPr>
-      <a:lvl4pPr marL="1371600" algn="l" defTabSz="914400" rtl="0" eaLnBrk="1" latinLnBrk="0" hangingPunct="1">
-        <a:defRPr sz="1800" kern="1200">
-          <a:solidFill>
-            <a:schemeClr val="tx1"/>
-          </a:solidFill>
-          <a:latin typeface="+mn-lt"/>
-          <a:ea typeface="+mn-ea"/>
-          <a:cs typeface="+mn-cs"/>
-        </a:defRPr>
-      </a:lvl4pPr>
-      <a:lvl5pPr marL="1828800" algn="l" defTabSz="914400" rtl="0" eaLnBrk="1" latinLnBrk="0" hangingPunct="1">
-        <a:defRPr sz="1800" kern="1200">
-          <a:solidFill>
-            <a:schemeClr val="tx1"/>
-          </a:solidFill>
-          <a:latin typeface="+mn-lt"/>
-          <a:ea typeface="+mn-ea"/>
-          <a:cs typeface="+mn-cs"/>
-        </a:defRPr>
-      </a:lvl5pPr>
-      <a:lvl6pPr marL="2286000" algn="l" defTabSz="914400" rtl="0" eaLnBrk="1" latinLnBrk="0" hangingPunct="1">
-        <a:defRPr sz="1800" kern="1200">
-          <a:solidFill>
-            <a:schemeClr val="tx1"/>
-          </a:solidFill>
-          <a:latin typeface="+mn-lt"/>
-          <a:ea typeface="+mn-ea"/>
-          <a:cs typeface="+mn-cs"/>
-        </a:defRPr>
-      </a:lvl6pPr>
-      <a:lvl7pPr marL="2743200" algn="l" defTabSz="914400" rtl="0" eaLnBrk="1" latinLnBrk="0" hangingPunct="1">
-        <a:defRPr sz="1800" kern="1200">
-          <a:solidFill>
-            <a:schemeClr val="tx1"/>
-          </a:solidFill>
-          <a:latin typeface="+mn-lt"/>
-          <a:ea typeface="+mn-ea"/>
-          <a:cs typeface="+mn-cs"/>
-        </a:defRPr>
-      </a:lvl7pPr>
-      <a:lvl8pPr marL="3200400" algn="l" defTabSz="914400" rtl="0" eaLnBrk="1" latinLnBrk="0" hangingPunct="1">
-        <a:defRPr sz="1800" kern="1200">
-          <a:solidFill>
-            <a:schemeClr val="tx1"/>
-          </a:solidFill>
-          <a:latin typeface="+mn-lt"/>
-          <a:ea typeface="+mn-ea"/>
-          <a:cs typeface="+mn-cs"/>
-        </a:defRPr>
-      </a:lvl8pPr>
-      <a:lvl9pPr marL="3657600" algn="l" defTabSz="914400" rtl="0" eaLnBrk="1" latinLnBrk="0" hangingPunct="1">
-        <a:defRPr sz="1800" kern="1200">
-          <a:solidFill>
-            <a:schemeClr val="tx1"/>
-          </a:solidFill>
-          <a:latin typeface="+mn-lt"/>
-          <a:ea typeface="+mn-ea"/>
-          <a:cs typeface="+mn-cs"/>
-        </a:defRPr>
-      </a:lvl9pPr>
-    </p:otherStyle>
-  </p:txStyles>
-</p:sldMaster>
-</file>
-
-<file path=ppt/slideMasters/slideMaster2.xml><?xml version="1.0" encoding="utf-8"?>
 <p:sldMaster xmlns:a="http://schemas.openxmlformats.org/drawingml/2006/main" xmlns:r="http://schemas.openxmlformats.org/officeDocument/2006/relationships" xmlns:p="http://schemas.openxmlformats.org/presentationml/2006/main">
   <p:cSld>
     <p:bg>
@@ -5206,7 +2018,7 @@
             <a:fld id="{B61BEF0D-F0BB-DE4B-95CE-6DB70DBA9567}" type="datetimeFigureOut">
               <a:rPr lang="en-US" dirty="0"/>
               <a:pPr/>
-              <a:t>4/15/2020</a:t>
+              <a:t>4/18/2020</a:t>
             </a:fld>
             <a:endParaRPr lang="en-US" dirty="0"/>
           </a:p>
@@ -5718,7 +2530,7 @@
           <p:cNvPr id="2" name="Titre 1">
             <a:extLst>
               <a:ext uri="{FF2B5EF4-FFF2-40B4-BE49-F238E27FC236}">
-                <a16:creationId xmlns:a16="http://schemas.microsoft.com/office/drawing/2014/main" id="{90D80B5B-7003-4C61-A99A-196EA541F859}"/>
+                <a16:creationId xmlns:a16="http://schemas.microsoft.com/office/drawing/2014/main" id="{753CD1C6-32DD-4F80-9F9E-EE14450001D6}"/>
               </a:ext>
             </a:extLst>
           </p:cNvPr>
@@ -5734,7 +2546,10 @@
           <a:bodyPr/>
           <a:lstStyle/>
           <a:p>
-            <a:endParaRPr lang="fr-FR" dirty="0"/>
+            <a:r>
+              <a:rPr lang="fr-FR" dirty="0"/>
+              <a:t> Projet MyTeamStats   </a:t>
+            </a:r>
           </a:p>
         </p:txBody>
       </p:sp>
@@ -5743,7 +2558,7 @@
           <p:cNvPr id="3" name="Sous-titre 2">
             <a:extLst>
               <a:ext uri="{FF2B5EF4-FFF2-40B4-BE49-F238E27FC236}">
-                <a16:creationId xmlns:a16="http://schemas.microsoft.com/office/drawing/2014/main" id="{DB850F1A-DA75-4487-A2DB-05D70B6A199F}"/>
+                <a16:creationId xmlns:a16="http://schemas.microsoft.com/office/drawing/2014/main" id="{1F81AD24-9EAF-47B4-95A4-11DE654BB3F8}"/>
               </a:ext>
             </a:extLst>
           </p:cNvPr>
@@ -5759,14 +2574,338 @@
           <a:bodyPr/>
           <a:lstStyle/>
           <a:p>
-            <a:endParaRPr lang="fr-FR"/>
+            <a:r>
+              <a:rPr lang="fr-FR" b="1" dirty="0"/>
+              <a:t>Présentez librement un projet personnel</a:t>
+            </a:r>
+          </a:p>
+          <a:p>
+            <a:endParaRPr lang="fr-FR" dirty="0"/>
+          </a:p>
+          <a:p>
+            <a:endParaRPr lang="fr-FR" dirty="0"/>
+          </a:p>
+          <a:p>
+            <a:endParaRPr lang="fr-FR" dirty="0"/>
+          </a:p>
+          <a:p>
+            <a:endParaRPr lang="fr-FR" dirty="0"/>
+          </a:p>
+        </p:txBody>
+      </p:sp>
+      <p:sp>
+        <p:nvSpPr>
+          <p:cNvPr id="4" name="ZoneTexte 3">
+            <a:extLst>
+              <a:ext uri="{FF2B5EF4-FFF2-40B4-BE49-F238E27FC236}">
+                <a16:creationId xmlns:a16="http://schemas.microsoft.com/office/drawing/2014/main" id="{79964BAB-0264-406A-A681-9505F504F07C}"/>
+              </a:ext>
+            </a:extLst>
+          </p:cNvPr>
+          <p:cNvSpPr txBox="1"/>
+          <p:nvPr/>
+        </p:nvSpPr>
+        <p:spPr>
+          <a:xfrm>
+            <a:off x="134223" y="6424699"/>
+            <a:ext cx="7399090" cy="338554"/>
+          </a:xfrm>
+          <a:prstGeom prst="rect">
+            <a:avLst/>
+          </a:prstGeom>
+          <a:noFill/>
+        </p:spPr>
+        <p:txBody>
+          <a:bodyPr wrap="square" rtlCol="0">
+            <a:spAutoFit/>
+          </a:bodyPr>
+          <a:lstStyle/>
+          <a:p>
+            <a:r>
+              <a:rPr lang="fr-FR" sz="1600" dirty="0"/>
+              <a:t>Thibaut MINARD – Parcours Développeur Web Junior / Projet 5 - </a:t>
+            </a:r>
+            <a:r>
+              <a:rPr lang="fr-FR" sz="1400" dirty="0" err="1"/>
+              <a:t>OpenClassrooms</a:t>
+            </a:r>
+            <a:endParaRPr lang="fr-FR" sz="1400" dirty="0"/>
           </a:p>
         </p:txBody>
       </p:sp>
     </p:spTree>
     <p:extLst>
       <p:ext uri="{BB962C8B-B14F-4D97-AF65-F5344CB8AC3E}">
-        <p14:creationId xmlns:p14="http://schemas.microsoft.com/office/powerpoint/2010/main" val="3546145518"/>
+        <p14:creationId xmlns:p14="http://schemas.microsoft.com/office/powerpoint/2010/main" val="2075058358"/>
+      </p:ext>
+    </p:extLst>
+  </p:cSld>
+  <p:clrMapOvr>
+    <a:masterClrMapping/>
+  </p:clrMapOvr>
+</p:sld>
+</file>
+
+<file path=ppt/slides/slide10.xml><?xml version="1.0" encoding="utf-8"?>
+<p:sld xmlns:a="http://schemas.openxmlformats.org/drawingml/2006/main" xmlns:r="http://schemas.openxmlformats.org/officeDocument/2006/relationships" xmlns:p="http://schemas.openxmlformats.org/presentationml/2006/main">
+  <p:cSld>
+    <p:spTree>
+      <p:nvGrpSpPr>
+        <p:cNvPr id="1" name=""/>
+        <p:cNvGrpSpPr/>
+        <p:nvPr/>
+      </p:nvGrpSpPr>
+      <p:grpSpPr>
+        <a:xfrm>
+          <a:off x="0" y="0"/>
+          <a:ext cx="0" cy="0"/>
+          <a:chOff x="0" y="0"/>
+          <a:chExt cx="0" cy="0"/>
+        </a:xfrm>
+      </p:grpSpPr>
+      <p:sp>
+        <p:nvSpPr>
+          <p:cNvPr id="2" name="Titre 1">
+            <a:extLst>
+              <a:ext uri="{FF2B5EF4-FFF2-40B4-BE49-F238E27FC236}">
+                <a16:creationId xmlns:a16="http://schemas.microsoft.com/office/drawing/2014/main" id="{F111BF1A-BDB4-4675-8829-601BA8BA353A}"/>
+              </a:ext>
+            </a:extLst>
+          </p:cNvPr>
+          <p:cNvSpPr>
+            <a:spLocks noGrp="1"/>
+          </p:cNvSpPr>
+          <p:nvPr>
+            <p:ph type="title"/>
+          </p:nvPr>
+        </p:nvSpPr>
+        <p:spPr>
+          <a:xfrm>
+            <a:off x="677334" y="609600"/>
+            <a:ext cx="8596668" cy="640360"/>
+          </a:xfrm>
+        </p:spPr>
+        <p:txBody>
+          <a:bodyPr>
+            <a:normAutofit/>
+          </a:bodyPr>
+          <a:lstStyle/>
+          <a:p>
+            <a:r>
+              <a:rPr lang="fr-FR" sz="2800" dirty="0"/>
+              <a:t>A venir </a:t>
+            </a:r>
+          </a:p>
+        </p:txBody>
+      </p:sp>
+      <p:sp>
+        <p:nvSpPr>
+          <p:cNvPr id="3" name="Espace réservé du contenu 2">
+            <a:extLst>
+              <a:ext uri="{FF2B5EF4-FFF2-40B4-BE49-F238E27FC236}">
+                <a16:creationId xmlns:a16="http://schemas.microsoft.com/office/drawing/2014/main" id="{345439BB-435B-4533-B86E-BD703C28FB4B}"/>
+              </a:ext>
+            </a:extLst>
+          </p:cNvPr>
+          <p:cNvSpPr>
+            <a:spLocks noGrp="1"/>
+          </p:cNvSpPr>
+          <p:nvPr>
+            <p:ph idx="1"/>
+          </p:nvPr>
+        </p:nvSpPr>
+        <p:spPr>
+          <a:xfrm>
+            <a:off x="677334" y="1384183"/>
+            <a:ext cx="8596668" cy="4657179"/>
+          </a:xfrm>
+        </p:spPr>
+        <p:txBody>
+          <a:bodyPr/>
+          <a:lstStyle/>
+          <a:p>
+            <a:endParaRPr lang="fr-FR" dirty="0"/>
+          </a:p>
+          <a:p>
+            <a:endParaRPr lang="fr-FR" dirty="0"/>
+          </a:p>
+          <a:p>
+            <a:r>
+              <a:rPr lang="fr-FR" dirty="0"/>
+              <a:t>Sauvegarde des données en local pendant la prise de stats</a:t>
+            </a:r>
+          </a:p>
+          <a:p>
+            <a:endParaRPr lang="fr-FR" dirty="0"/>
+          </a:p>
+          <a:p>
+            <a:r>
+              <a:rPr lang="fr-FR" dirty="0"/>
+              <a:t>Mode composition amélioré</a:t>
+            </a:r>
+          </a:p>
+          <a:p>
+            <a:endParaRPr lang="fr-FR" dirty="0"/>
+          </a:p>
+          <a:p>
+            <a:r>
+              <a:rPr lang="fr-FR" dirty="0"/>
+              <a:t>Mode schéma tactique</a:t>
+            </a:r>
+          </a:p>
+          <a:p>
+            <a:endParaRPr lang="fr-FR" dirty="0"/>
+          </a:p>
+          <a:p>
+            <a:r>
+              <a:rPr lang="fr-FR" dirty="0"/>
+              <a:t>Extension à d’autres sports</a:t>
+            </a:r>
+          </a:p>
+          <a:p>
+            <a:endParaRPr lang="fr-FR" dirty="0"/>
+          </a:p>
+          <a:p>
+            <a:endParaRPr lang="fr-FR" dirty="0"/>
+          </a:p>
+        </p:txBody>
+      </p:sp>
+    </p:spTree>
+    <p:extLst>
+      <p:ext uri="{BB962C8B-B14F-4D97-AF65-F5344CB8AC3E}">
+        <p14:creationId xmlns:p14="http://schemas.microsoft.com/office/powerpoint/2010/main" val="3704345957"/>
+      </p:ext>
+    </p:extLst>
+  </p:cSld>
+  <p:clrMapOvr>
+    <a:masterClrMapping/>
+  </p:clrMapOvr>
+</p:sld>
+</file>
+
+<file path=ppt/slides/slide11.xml><?xml version="1.0" encoding="utf-8"?>
+<p:sld xmlns:a="http://schemas.openxmlformats.org/drawingml/2006/main" xmlns:r="http://schemas.openxmlformats.org/officeDocument/2006/relationships" xmlns:p="http://schemas.openxmlformats.org/presentationml/2006/main">
+  <p:cSld>
+    <p:spTree>
+      <p:nvGrpSpPr>
+        <p:cNvPr id="1" name=""/>
+        <p:cNvGrpSpPr/>
+        <p:nvPr/>
+      </p:nvGrpSpPr>
+      <p:grpSpPr>
+        <a:xfrm>
+          <a:off x="0" y="0"/>
+          <a:ext cx="0" cy="0"/>
+          <a:chOff x="0" y="0"/>
+          <a:chExt cx="0" cy="0"/>
+        </a:xfrm>
+      </p:grpSpPr>
+      <p:sp>
+        <p:nvSpPr>
+          <p:cNvPr id="2" name="Titre 1">
+            <a:extLst>
+              <a:ext uri="{FF2B5EF4-FFF2-40B4-BE49-F238E27FC236}">
+                <a16:creationId xmlns:a16="http://schemas.microsoft.com/office/drawing/2014/main" id="{753CD1C6-32DD-4F80-9F9E-EE14450001D6}"/>
+              </a:ext>
+            </a:extLst>
+          </p:cNvPr>
+          <p:cNvSpPr>
+            <a:spLocks noGrp="1"/>
+          </p:cNvSpPr>
+          <p:nvPr>
+            <p:ph type="ctrTitle"/>
+          </p:nvPr>
+        </p:nvSpPr>
+        <p:spPr/>
+        <p:txBody>
+          <a:bodyPr/>
+          <a:lstStyle/>
+          <a:p>
+            <a:r>
+              <a:rPr lang="fr-FR" dirty="0"/>
+              <a:t>Merci pour votre attention</a:t>
+            </a:r>
+          </a:p>
+        </p:txBody>
+      </p:sp>
+      <p:sp>
+        <p:nvSpPr>
+          <p:cNvPr id="3" name="Sous-titre 2">
+            <a:extLst>
+              <a:ext uri="{FF2B5EF4-FFF2-40B4-BE49-F238E27FC236}">
+                <a16:creationId xmlns:a16="http://schemas.microsoft.com/office/drawing/2014/main" id="{1F81AD24-9EAF-47B4-95A4-11DE654BB3F8}"/>
+              </a:ext>
+            </a:extLst>
+          </p:cNvPr>
+          <p:cNvSpPr>
+            <a:spLocks noGrp="1"/>
+          </p:cNvSpPr>
+          <p:nvPr>
+            <p:ph type="subTitle" idx="1"/>
+          </p:nvPr>
+        </p:nvSpPr>
+        <p:spPr/>
+        <p:txBody>
+          <a:bodyPr/>
+          <a:lstStyle/>
+          <a:p>
+            <a:endParaRPr lang="fr-FR" dirty="0"/>
+          </a:p>
+          <a:p>
+            <a:endParaRPr lang="fr-FR" dirty="0"/>
+          </a:p>
+          <a:p>
+            <a:endParaRPr lang="fr-FR" dirty="0"/>
+          </a:p>
+          <a:p>
+            <a:endParaRPr lang="fr-FR" dirty="0"/>
+          </a:p>
+        </p:txBody>
+      </p:sp>
+      <p:sp>
+        <p:nvSpPr>
+          <p:cNvPr id="4" name="ZoneTexte 3">
+            <a:extLst>
+              <a:ext uri="{FF2B5EF4-FFF2-40B4-BE49-F238E27FC236}">
+                <a16:creationId xmlns:a16="http://schemas.microsoft.com/office/drawing/2014/main" id="{79964BAB-0264-406A-A681-9505F504F07C}"/>
+              </a:ext>
+            </a:extLst>
+          </p:cNvPr>
+          <p:cNvSpPr txBox="1"/>
+          <p:nvPr/>
+        </p:nvSpPr>
+        <p:spPr>
+          <a:xfrm>
+            <a:off x="134223" y="6424699"/>
+            <a:ext cx="7399090" cy="307777"/>
+          </a:xfrm>
+          <a:prstGeom prst="rect">
+            <a:avLst/>
+          </a:prstGeom>
+          <a:noFill/>
+        </p:spPr>
+        <p:txBody>
+          <a:bodyPr wrap="square" rtlCol="0">
+            <a:spAutoFit/>
+          </a:bodyPr>
+          <a:lstStyle/>
+          <a:p>
+            <a:r>
+              <a:rPr lang="fr-FR" sz="1400" dirty="0"/>
+              <a:t>Thibaut MINARD – Parcours Développeur Web Junior / Projet 5 - </a:t>
+            </a:r>
+            <a:r>
+              <a:rPr lang="fr-FR" sz="1200" b="1" dirty="0" err="1"/>
+              <a:t>OpenClassrooms</a:t>
+            </a:r>
+            <a:endParaRPr lang="fr-FR" sz="1200" b="1" dirty="0"/>
+          </a:p>
+        </p:txBody>
+      </p:sp>
+    </p:spTree>
+    <p:extLst>
+      <p:ext uri="{BB962C8B-B14F-4D97-AF65-F5344CB8AC3E}">
+        <p14:creationId xmlns:p14="http://schemas.microsoft.com/office/powerpoint/2010/main" val="895974536"/>
       </p:ext>
     </p:extLst>
   </p:cSld>
@@ -5798,7 +2937,7 @@
           <p:cNvPr id="2" name="Titre 1">
             <a:extLst>
               <a:ext uri="{FF2B5EF4-FFF2-40B4-BE49-F238E27FC236}">
-                <a16:creationId xmlns:a16="http://schemas.microsoft.com/office/drawing/2014/main" id="{753CD1C6-32DD-4F80-9F9E-EE14450001D6}"/>
+                <a16:creationId xmlns:a16="http://schemas.microsoft.com/office/drawing/2014/main" id="{9A2653B2-6582-4C41-B76D-D49DC962E915}"/>
               </a:ext>
             </a:extLst>
           </p:cNvPr>
@@ -5806,7 +2945,7 @@
             <a:spLocks noGrp="1"/>
           </p:cNvSpPr>
           <p:nvPr>
-            <p:ph type="ctrTitle"/>
+            <p:ph type="title"/>
           </p:nvPr>
         </p:nvSpPr>
         <p:spPr/>
@@ -5816,25 +2955,17 @@
           <a:p>
             <a:r>
               <a:rPr lang="fr-FR" dirty="0"/>
-              <a:t> Projet </a:t>
-            </a:r>
-            <a:r>
-              <a:rPr lang="fr-FR" dirty="0" err="1"/>
-              <a:t>MyTeamStats</a:t>
-            </a:r>
-            <a:r>
-              <a:rPr lang="fr-FR" dirty="0"/>
-              <a:t>   </a:t>
+              <a:t>Sommaire</a:t>
             </a:r>
           </a:p>
         </p:txBody>
       </p:sp>
       <p:sp>
         <p:nvSpPr>
-          <p:cNvPr id="3" name="Sous-titre 2">
+          <p:cNvPr id="3" name="Espace réservé du contenu 2">
             <a:extLst>
               <a:ext uri="{FF2B5EF4-FFF2-40B4-BE49-F238E27FC236}">
-                <a16:creationId xmlns:a16="http://schemas.microsoft.com/office/drawing/2014/main" id="{1F81AD24-9EAF-47B4-95A4-11DE654BB3F8}"/>
+                <a16:creationId xmlns:a16="http://schemas.microsoft.com/office/drawing/2014/main" id="{348D4BE1-EA70-4344-82B3-8262A87AF4F9}"/>
               </a:ext>
             </a:extLst>
           </p:cNvPr>
@@ -5842,77 +2973,112 @@
             <a:spLocks noGrp="1"/>
           </p:cNvSpPr>
           <p:nvPr>
-            <p:ph type="subTitle" idx="1"/>
+            <p:ph idx="1"/>
           </p:nvPr>
         </p:nvSpPr>
-        <p:spPr/>
+        <p:spPr>
+          <a:xfrm>
+            <a:off x="677334" y="2160589"/>
+            <a:ext cx="8596668" cy="3880773"/>
+          </a:xfrm>
+        </p:spPr>
         <p:txBody>
           <a:bodyPr/>
           <a:lstStyle/>
           <a:p>
             <a:r>
-              <a:rPr lang="fr-FR" b="1" dirty="0"/>
-              <a:t>Présentez librement un projet personnel</a:t>
+              <a:rPr lang="fr-FR" sz="2400" dirty="0"/>
+              <a:t>L’Application</a:t>
             </a:r>
           </a:p>
           <a:p>
-            <a:endParaRPr lang="fr-FR" dirty="0"/>
-          </a:p>
-          <a:p>
-            <a:endParaRPr lang="fr-FR" dirty="0"/>
-          </a:p>
-          <a:p>
-            <a:endParaRPr lang="fr-FR" dirty="0"/>
-          </a:p>
-          <a:p>
-            <a:endParaRPr lang="fr-FR" dirty="0"/>
-          </a:p>
-        </p:txBody>
-      </p:sp>
-      <p:sp>
-        <p:nvSpPr>
-          <p:cNvPr id="4" name="ZoneTexte 3">
-            <a:extLst>
-              <a:ext uri="{FF2B5EF4-FFF2-40B4-BE49-F238E27FC236}">
-                <a16:creationId xmlns:a16="http://schemas.microsoft.com/office/drawing/2014/main" id="{79964BAB-0264-406A-A681-9505F504F07C}"/>
-              </a:ext>
-            </a:extLst>
-          </p:cNvPr>
-          <p:cNvSpPr txBox="1"/>
-          <p:nvPr/>
-        </p:nvSpPr>
-        <p:spPr>
-          <a:xfrm>
-            <a:off x="134223" y="6424699"/>
-            <a:ext cx="7399090" cy="338554"/>
-          </a:xfrm>
-          <a:prstGeom prst="rect">
-            <a:avLst/>
-          </a:prstGeom>
-          <a:noFill/>
-        </p:spPr>
-        <p:txBody>
-          <a:bodyPr wrap="square" rtlCol="0">
-            <a:spAutoFit/>
-          </a:bodyPr>
-          <a:lstStyle/>
-          <a:p>
+            <a:pPr>
+              <a:buFont typeface="Wingdings" panose="05000000000000000000" pitchFamily="2" charset="2"/>
+              <a:buChar char="§"/>
+            </a:pPr>
             <a:r>
               <a:rPr lang="fr-FR" sz="1600" dirty="0"/>
-              <a:t>Thibaut MINARD – Parcours Développeur Web Junior / Projet 5 - </a:t>
+              <a:t>Fonctionnalités</a:t>
             </a:r>
+          </a:p>
+          <a:p>
+            <a:pPr>
+              <a:buFont typeface="Wingdings" panose="05000000000000000000" pitchFamily="2" charset="2"/>
+              <a:buChar char="§"/>
+            </a:pPr>
             <a:r>
-              <a:rPr lang="fr-FR" sz="1400" dirty="0" err="1"/>
-              <a:t>OpenClassrooms</a:t>
+              <a:rPr lang="fr-FR" sz="1600" dirty="0"/>
+              <a:t>Présentation visuelle</a:t>
             </a:r>
-            <a:endParaRPr lang="fr-FR" sz="1400" dirty="0"/>
+          </a:p>
+          <a:p>
+            <a:pPr marL="228600" indent="-228600">
+              <a:buFont typeface="+mj-lt"/>
+              <a:buAutoNum type="arabicParenR"/>
+            </a:pPr>
+            <a:endParaRPr lang="fr-FR" sz="1200" dirty="0"/>
+          </a:p>
+          <a:p>
+            <a:r>
+              <a:rPr lang="fr-FR" sz="2400" dirty="0"/>
+              <a:t>La Technique</a:t>
+            </a:r>
+          </a:p>
+          <a:p>
+            <a:pPr>
+              <a:buFont typeface="Arial" panose="020B0604020202020204" pitchFamily="34" charset="0"/>
+              <a:buChar char="•"/>
+            </a:pPr>
+            <a:r>
+              <a:rPr lang="fr-FR" sz="1600" dirty="0"/>
+              <a:t>PHP / MySQL</a:t>
+            </a:r>
+          </a:p>
+          <a:p>
+            <a:pPr>
+              <a:buFont typeface="Arial" panose="020B0604020202020204" pitchFamily="34" charset="0"/>
+              <a:buChar char="•"/>
+            </a:pPr>
+            <a:r>
+              <a:rPr lang="fr-FR" sz="1600" dirty="0"/>
+              <a:t>JS </a:t>
+            </a:r>
+          </a:p>
+          <a:p>
+            <a:pPr>
+              <a:buFont typeface="Arial" panose="020B0604020202020204" pitchFamily="34" charset="0"/>
+              <a:buChar char="•"/>
+            </a:pPr>
+            <a:r>
+              <a:rPr lang="fr-FR" sz="1600" dirty="0"/>
+              <a:t>HTML / CSS </a:t>
+            </a:r>
+          </a:p>
+          <a:p>
+            <a:pPr>
+              <a:buFont typeface="Arial" panose="020B0604020202020204" pitchFamily="34" charset="0"/>
+              <a:buChar char="•"/>
+            </a:pPr>
+            <a:r>
+              <a:rPr lang="fr-FR" sz="1600" dirty="0"/>
+              <a:t>A venir </a:t>
+            </a:r>
+          </a:p>
+          <a:p>
+            <a:endParaRPr lang="fr-FR" dirty="0"/>
+          </a:p>
+          <a:p>
+            <a:endParaRPr lang="fr-FR" dirty="0"/>
+          </a:p>
+          <a:p>
+            <a:endParaRPr lang="fr-FR" dirty="0"/>
           </a:p>
         </p:txBody>
       </p:sp>
     </p:spTree>
     <p:extLst>
       <p:ext uri="{BB962C8B-B14F-4D97-AF65-F5344CB8AC3E}">
-        <p14:creationId xmlns:p14="http://schemas.microsoft.com/office/powerpoint/2010/main" val="2075058358"/>
+        <p14:creationId xmlns:p14="http://schemas.microsoft.com/office/powerpoint/2010/main" val="2432255630"/>
       </p:ext>
     </p:extLst>
   </p:cSld>
@@ -5944,179 +3110,6 @@
           <p:cNvPr id="2" name="Titre 1">
             <a:extLst>
               <a:ext uri="{FF2B5EF4-FFF2-40B4-BE49-F238E27FC236}">
-                <a16:creationId xmlns:a16="http://schemas.microsoft.com/office/drawing/2014/main" id="{9A2653B2-6582-4C41-B76D-D49DC962E915}"/>
-              </a:ext>
-            </a:extLst>
-          </p:cNvPr>
-          <p:cNvSpPr>
-            <a:spLocks noGrp="1"/>
-          </p:cNvSpPr>
-          <p:nvPr>
-            <p:ph type="title"/>
-          </p:nvPr>
-        </p:nvSpPr>
-        <p:spPr/>
-        <p:txBody>
-          <a:bodyPr/>
-          <a:lstStyle/>
-          <a:p>
-            <a:r>
-              <a:rPr lang="fr-FR" dirty="0"/>
-              <a:t>Sommaire</a:t>
-            </a:r>
-          </a:p>
-        </p:txBody>
-      </p:sp>
-      <p:sp>
-        <p:nvSpPr>
-          <p:cNvPr id="3" name="Espace réservé du contenu 2">
-            <a:extLst>
-              <a:ext uri="{FF2B5EF4-FFF2-40B4-BE49-F238E27FC236}">
-                <a16:creationId xmlns:a16="http://schemas.microsoft.com/office/drawing/2014/main" id="{348D4BE1-EA70-4344-82B3-8262A87AF4F9}"/>
-              </a:ext>
-            </a:extLst>
-          </p:cNvPr>
-          <p:cNvSpPr>
-            <a:spLocks noGrp="1"/>
-          </p:cNvSpPr>
-          <p:nvPr>
-            <p:ph idx="1"/>
-          </p:nvPr>
-        </p:nvSpPr>
-        <p:spPr>
-          <a:xfrm>
-            <a:off x="677334" y="2160589"/>
-            <a:ext cx="8596668" cy="3880773"/>
-          </a:xfrm>
-        </p:spPr>
-        <p:txBody>
-          <a:bodyPr/>
-          <a:lstStyle/>
-          <a:p>
-            <a:r>
-              <a:rPr lang="fr-FR" sz="2400" dirty="0"/>
-              <a:t>L’Application</a:t>
-            </a:r>
-          </a:p>
-          <a:p>
-            <a:pPr>
-              <a:buFont typeface="Wingdings" panose="05000000000000000000" pitchFamily="2" charset="2"/>
-              <a:buChar char="§"/>
-            </a:pPr>
-            <a:r>
-              <a:rPr lang="fr-FR" sz="1600" dirty="0"/>
-              <a:t>Fonctionnalités</a:t>
-            </a:r>
-          </a:p>
-          <a:p>
-            <a:pPr>
-              <a:buFont typeface="Wingdings" panose="05000000000000000000" pitchFamily="2" charset="2"/>
-              <a:buChar char="§"/>
-            </a:pPr>
-            <a:r>
-              <a:rPr lang="fr-FR" sz="1600" dirty="0"/>
-              <a:t>Présentation visuelle</a:t>
-            </a:r>
-          </a:p>
-          <a:p>
-            <a:pPr marL="228600" indent="-228600">
-              <a:buFont typeface="+mj-lt"/>
-              <a:buAutoNum type="arabicParenR"/>
-            </a:pPr>
-            <a:endParaRPr lang="fr-FR" sz="1200" dirty="0"/>
-          </a:p>
-          <a:p>
-            <a:r>
-              <a:rPr lang="fr-FR" sz="2400" dirty="0"/>
-              <a:t>La Technique</a:t>
-            </a:r>
-          </a:p>
-          <a:p>
-            <a:pPr>
-              <a:buFont typeface="Arial" panose="020B0604020202020204" pitchFamily="34" charset="0"/>
-              <a:buChar char="•"/>
-            </a:pPr>
-            <a:r>
-              <a:rPr lang="fr-FR" sz="1600" dirty="0"/>
-              <a:t>PHP / TWIG</a:t>
-            </a:r>
-          </a:p>
-          <a:p>
-            <a:pPr>
-              <a:buFont typeface="Arial" panose="020B0604020202020204" pitchFamily="34" charset="0"/>
-              <a:buChar char="•"/>
-            </a:pPr>
-            <a:r>
-              <a:rPr lang="fr-FR" sz="1600" dirty="0"/>
-              <a:t>JS / AJAX</a:t>
-            </a:r>
-          </a:p>
-          <a:p>
-            <a:pPr>
-              <a:buFont typeface="Arial" panose="020B0604020202020204" pitchFamily="34" charset="0"/>
-              <a:buChar char="•"/>
-            </a:pPr>
-            <a:r>
-              <a:rPr lang="fr-FR" sz="1600" dirty="0"/>
-              <a:t>CSS </a:t>
-            </a:r>
-          </a:p>
-          <a:p>
-            <a:pPr>
-              <a:buFont typeface="Arial" panose="020B0604020202020204" pitchFamily="34" charset="0"/>
-              <a:buChar char="•"/>
-            </a:pPr>
-            <a:r>
-              <a:rPr lang="fr-FR" sz="1600" dirty="0"/>
-              <a:t>A venir </a:t>
-            </a:r>
-          </a:p>
-          <a:p>
-            <a:endParaRPr lang="fr-FR" dirty="0"/>
-          </a:p>
-          <a:p>
-            <a:endParaRPr lang="fr-FR" dirty="0"/>
-          </a:p>
-          <a:p>
-            <a:endParaRPr lang="fr-FR" dirty="0"/>
-          </a:p>
-        </p:txBody>
-      </p:sp>
-    </p:spTree>
-    <p:extLst>
-      <p:ext uri="{BB962C8B-B14F-4D97-AF65-F5344CB8AC3E}">
-        <p14:creationId xmlns:p14="http://schemas.microsoft.com/office/powerpoint/2010/main" val="2432255630"/>
-      </p:ext>
-    </p:extLst>
-  </p:cSld>
-  <p:clrMapOvr>
-    <a:masterClrMapping/>
-  </p:clrMapOvr>
-</p:sld>
-</file>
-
-<file path=ppt/slides/slide4.xml><?xml version="1.0" encoding="utf-8"?>
-<p:sld xmlns:a="http://schemas.openxmlformats.org/drawingml/2006/main" xmlns:r="http://schemas.openxmlformats.org/officeDocument/2006/relationships" xmlns:p="http://schemas.openxmlformats.org/presentationml/2006/main">
-  <p:cSld>
-    <p:spTree>
-      <p:nvGrpSpPr>
-        <p:cNvPr id="1" name=""/>
-        <p:cNvGrpSpPr/>
-        <p:nvPr/>
-      </p:nvGrpSpPr>
-      <p:grpSpPr>
-        <a:xfrm>
-          <a:off x="0" y="0"/>
-          <a:ext cx="0" cy="0"/>
-          <a:chOff x="0" y="0"/>
-          <a:chExt cx="0" cy="0"/>
-        </a:xfrm>
-      </p:grpSpPr>
-      <p:sp>
-        <p:nvSpPr>
-          <p:cNvPr id="2" name="Titre 1">
-            <a:extLst>
-              <a:ext uri="{FF2B5EF4-FFF2-40B4-BE49-F238E27FC236}">
                 <a16:creationId xmlns:a16="http://schemas.microsoft.com/office/drawing/2014/main" id="{412AB76B-238F-400F-BBC7-5539936B9C00}"/>
               </a:ext>
             </a:extLst>
@@ -6183,6 +3176,980 @@
     <p:extLst>
       <p:ext uri="{BB962C8B-B14F-4D97-AF65-F5344CB8AC3E}">
         <p14:creationId xmlns:p14="http://schemas.microsoft.com/office/powerpoint/2010/main" val="3593244516"/>
+      </p:ext>
+    </p:extLst>
+  </p:cSld>
+  <p:clrMapOvr>
+    <a:masterClrMapping/>
+  </p:clrMapOvr>
+</p:sld>
+</file>
+
+<file path=ppt/slides/slide4.xml><?xml version="1.0" encoding="utf-8"?>
+<p:sld xmlns:a="http://schemas.openxmlformats.org/drawingml/2006/main" xmlns:r="http://schemas.openxmlformats.org/officeDocument/2006/relationships" xmlns:p="http://schemas.openxmlformats.org/presentationml/2006/main">
+  <p:cSld>
+    <p:bg>
+      <p:bgPr>
+        <a:solidFill>
+          <a:schemeClr val="bg1"/>
+        </a:solidFill>
+        <a:effectLst/>
+      </p:bgPr>
+    </p:bg>
+    <p:spTree>
+      <p:nvGrpSpPr>
+        <p:cNvPr id="1" name=""/>
+        <p:cNvGrpSpPr/>
+        <p:nvPr/>
+      </p:nvGrpSpPr>
+      <p:grpSpPr>
+        <a:xfrm>
+          <a:off x="0" y="0"/>
+          <a:ext cx="0" cy="0"/>
+          <a:chOff x="0" y="0"/>
+          <a:chExt cx="0" cy="0"/>
+        </a:xfrm>
+      </p:grpSpPr>
+      <p:pic>
+        <p:nvPicPr>
+          <p:cNvPr id="4" name="Image 3">
+            <a:extLst>
+              <a:ext uri="{FF2B5EF4-FFF2-40B4-BE49-F238E27FC236}">
+                <a16:creationId xmlns:a16="http://schemas.microsoft.com/office/drawing/2014/main" id="{D3BEA918-1306-444C-B5E9-48EC00650AA6}"/>
+              </a:ext>
+            </a:extLst>
+          </p:cNvPr>
+          <p:cNvPicPr>
+            <a:picLocks noChangeAspect="1"/>
+          </p:cNvPicPr>
+          <p:nvPr/>
+        </p:nvPicPr>
+        <p:blipFill rotWithShape="1">
+          <a:blip r:embed="rId2"/>
+          <a:srcRect l="17983"/>
+          <a:stretch/>
+        </p:blipFill>
+        <p:spPr>
+          <a:xfrm>
+            <a:off x="4269854" y="-1"/>
+            <a:ext cx="7922146" cy="6858001"/>
+          </a:xfrm>
+          <a:custGeom>
+            <a:avLst/>
+            <a:gdLst/>
+            <a:ahLst/>
+            <a:cxnLst/>
+            <a:rect l="l" t="t" r="r" b="b"/>
+            <a:pathLst>
+              <a:path w="7922146" h="6858001">
+                <a:moveTo>
+                  <a:pt x="379987" y="0"/>
+                </a:moveTo>
+                <a:lnTo>
+                  <a:pt x="5304971" y="0"/>
+                </a:lnTo>
+                <a:lnTo>
+                  <a:pt x="7065281" y="0"/>
+                </a:lnTo>
+                <a:lnTo>
+                  <a:pt x="7397540" y="0"/>
+                </a:lnTo>
+                <a:lnTo>
+                  <a:pt x="7397540" y="1"/>
+                </a:lnTo>
+                <a:lnTo>
+                  <a:pt x="7922146" y="1"/>
+                </a:lnTo>
+                <a:lnTo>
+                  <a:pt x="7922146" y="6858001"/>
+                </a:lnTo>
+                <a:lnTo>
+                  <a:pt x="7065281" y="6858001"/>
+                </a:lnTo>
+                <a:lnTo>
+                  <a:pt x="7065281" y="6858000"/>
+                </a:lnTo>
+                <a:lnTo>
+                  <a:pt x="5932989" y="6858000"/>
+                </a:lnTo>
+                <a:lnTo>
+                  <a:pt x="5932989" y="6858001"/>
+                </a:lnTo>
+                <a:lnTo>
+                  <a:pt x="27809" y="6858001"/>
+                </a:lnTo>
+                <a:lnTo>
+                  <a:pt x="1803228" y="4521201"/>
+                </a:lnTo>
+                <a:close/>
+                <a:moveTo>
+                  <a:pt x="0" y="0"/>
+                </a:moveTo>
+                <a:lnTo>
+                  <a:pt x="379987" y="0"/>
+                </a:lnTo>
+                <a:lnTo>
+                  <a:pt x="0" y="407"/>
+                </a:lnTo>
+                <a:close/>
+              </a:path>
+            </a:pathLst>
+          </a:custGeom>
+        </p:spPr>
+      </p:pic>
+      <p:sp>
+        <p:nvSpPr>
+          <p:cNvPr id="2" name="Titre 1">
+            <a:extLst>
+              <a:ext uri="{FF2B5EF4-FFF2-40B4-BE49-F238E27FC236}">
+                <a16:creationId xmlns:a16="http://schemas.microsoft.com/office/drawing/2014/main" id="{F111BF1A-BDB4-4675-8829-601BA8BA353A}"/>
+              </a:ext>
+            </a:extLst>
+          </p:cNvPr>
+          <p:cNvSpPr>
+            <a:spLocks noGrp="1"/>
+          </p:cNvSpPr>
+          <p:nvPr>
+            <p:ph type="title"/>
+          </p:nvPr>
+        </p:nvSpPr>
+        <p:spPr>
+          <a:xfrm>
+            <a:off x="677333" y="609600"/>
+            <a:ext cx="3851123" cy="1320800"/>
+          </a:xfrm>
+        </p:spPr>
+        <p:txBody>
+          <a:bodyPr>
+            <a:normAutofit/>
+          </a:bodyPr>
+          <a:lstStyle/>
+          <a:p>
+            <a:r>
+              <a:rPr lang="fr-FR" dirty="0"/>
+              <a:t>Les fonctionnalités</a:t>
+            </a:r>
+          </a:p>
+        </p:txBody>
+      </p:sp>
+      <p:sp>
+        <p:nvSpPr>
+          <p:cNvPr id="3" name="Espace réservé du contenu 2">
+            <a:extLst>
+              <a:ext uri="{FF2B5EF4-FFF2-40B4-BE49-F238E27FC236}">
+                <a16:creationId xmlns:a16="http://schemas.microsoft.com/office/drawing/2014/main" id="{345439BB-435B-4533-B86E-BD703C28FB4B}"/>
+              </a:ext>
+            </a:extLst>
+          </p:cNvPr>
+          <p:cNvSpPr>
+            <a:spLocks noGrp="1"/>
+          </p:cNvSpPr>
+          <p:nvPr>
+            <p:ph idx="1"/>
+          </p:nvPr>
+        </p:nvSpPr>
+        <p:spPr>
+          <a:xfrm>
+            <a:off x="677334" y="2160589"/>
+            <a:ext cx="3851122" cy="3880773"/>
+          </a:xfrm>
+        </p:spPr>
+        <p:txBody>
+          <a:bodyPr>
+            <a:normAutofit/>
+          </a:bodyPr>
+          <a:lstStyle/>
+          <a:p>
+            <a:pPr marL="0" indent="0">
+              <a:lnSpc>
+                <a:spcPct val="90000"/>
+              </a:lnSpc>
+              <a:buNone/>
+            </a:pPr>
+            <a:endParaRPr lang="fr-FR" sz="1300" dirty="0"/>
+          </a:p>
+          <a:p>
+            <a:pPr>
+              <a:lnSpc>
+                <a:spcPct val="90000"/>
+              </a:lnSpc>
+            </a:pPr>
+            <a:r>
+              <a:rPr lang="fr-FR" sz="1300" dirty="0"/>
+              <a:t>Gestion d’un club </a:t>
+            </a:r>
+          </a:p>
+          <a:p>
+            <a:pPr>
+              <a:lnSpc>
+                <a:spcPct val="90000"/>
+              </a:lnSpc>
+            </a:pPr>
+            <a:endParaRPr lang="fr-FR" sz="1300" dirty="0"/>
+          </a:p>
+          <a:p>
+            <a:pPr>
+              <a:lnSpc>
+                <a:spcPct val="90000"/>
+              </a:lnSpc>
+            </a:pPr>
+            <a:r>
+              <a:rPr lang="fr-FR" sz="1300" dirty="0"/>
+              <a:t>Infos d’avant-match</a:t>
+            </a:r>
+          </a:p>
+          <a:p>
+            <a:pPr>
+              <a:lnSpc>
+                <a:spcPct val="90000"/>
+              </a:lnSpc>
+            </a:pPr>
+            <a:endParaRPr lang="fr-FR" sz="1300" dirty="0"/>
+          </a:p>
+          <a:p>
+            <a:pPr>
+              <a:lnSpc>
+                <a:spcPct val="90000"/>
+              </a:lnSpc>
+            </a:pPr>
+            <a:r>
+              <a:rPr lang="fr-FR" sz="1300" dirty="0"/>
+              <a:t>Envoi des convocations aux joueurs</a:t>
+            </a:r>
+          </a:p>
+          <a:p>
+            <a:pPr>
+              <a:lnSpc>
+                <a:spcPct val="90000"/>
+              </a:lnSpc>
+            </a:pPr>
+            <a:endParaRPr lang="fr-FR" sz="1300" dirty="0"/>
+          </a:p>
+          <a:p>
+            <a:pPr>
+              <a:lnSpc>
+                <a:spcPct val="90000"/>
+              </a:lnSpc>
+            </a:pPr>
+            <a:r>
+              <a:rPr lang="fr-FR" sz="1300" dirty="0"/>
+              <a:t>Prise de statistiques pendant les matchs </a:t>
+            </a:r>
+          </a:p>
+          <a:p>
+            <a:pPr>
+              <a:lnSpc>
+                <a:spcPct val="90000"/>
+              </a:lnSpc>
+            </a:pPr>
+            <a:endParaRPr lang="fr-FR" sz="1300" dirty="0"/>
+          </a:p>
+          <a:p>
+            <a:pPr>
+              <a:lnSpc>
+                <a:spcPct val="90000"/>
+              </a:lnSpc>
+            </a:pPr>
+            <a:r>
+              <a:rPr lang="fr-FR" sz="1300" dirty="0"/>
+              <a:t>Partage des résultats sur les réseaux sociaux</a:t>
+            </a:r>
+          </a:p>
+          <a:p>
+            <a:pPr>
+              <a:lnSpc>
+                <a:spcPct val="90000"/>
+              </a:lnSpc>
+            </a:pPr>
+            <a:endParaRPr lang="fr-FR" sz="1300" dirty="0"/>
+          </a:p>
+          <a:p>
+            <a:pPr>
+              <a:lnSpc>
+                <a:spcPct val="90000"/>
+              </a:lnSpc>
+            </a:pPr>
+            <a:r>
+              <a:rPr lang="fr-FR" sz="1300" dirty="0"/>
+              <a:t>Consultation des données des joueurs</a:t>
+            </a:r>
+          </a:p>
+          <a:p>
+            <a:pPr>
+              <a:lnSpc>
+                <a:spcPct val="90000"/>
+              </a:lnSpc>
+            </a:pPr>
+            <a:endParaRPr lang="fr-FR" sz="1300" dirty="0"/>
+          </a:p>
+          <a:p>
+            <a:pPr>
+              <a:lnSpc>
+                <a:spcPct val="90000"/>
+              </a:lnSpc>
+            </a:pPr>
+            <a:endParaRPr lang="fr-FR" sz="1300" dirty="0"/>
+          </a:p>
+          <a:p>
+            <a:pPr>
+              <a:lnSpc>
+                <a:spcPct val="90000"/>
+              </a:lnSpc>
+            </a:pPr>
+            <a:endParaRPr lang="fr-FR" sz="1300" dirty="0"/>
+          </a:p>
+          <a:p>
+            <a:pPr marL="0" indent="0">
+              <a:lnSpc>
+                <a:spcPct val="90000"/>
+              </a:lnSpc>
+              <a:buNone/>
+            </a:pPr>
+            <a:endParaRPr lang="fr-FR" sz="1300" dirty="0"/>
+          </a:p>
+          <a:p>
+            <a:pPr lvl="1">
+              <a:lnSpc>
+                <a:spcPct val="90000"/>
+              </a:lnSpc>
+              <a:buFont typeface="Wingdings" panose="05000000000000000000" pitchFamily="2" charset="2"/>
+              <a:buChar char="§"/>
+            </a:pPr>
+            <a:endParaRPr lang="fr-FR" sz="1300" dirty="0"/>
+          </a:p>
+        </p:txBody>
+      </p:sp>
+      <p:cxnSp>
+        <p:nvCxnSpPr>
+          <p:cNvPr id="9" name="Straight Connector 8">
+            <a:extLst>
+              <a:ext uri="{FF2B5EF4-FFF2-40B4-BE49-F238E27FC236}">
+                <a16:creationId xmlns:a16="http://schemas.microsoft.com/office/drawing/2014/main" id="{64FA5DFF-7FE6-4855-84E6-DFA78EE978BD}"/>
+              </a:ext>
+              <a:ext uri="{C183D7F6-B498-43B3-948B-1728B52AA6E4}">
+                <adec:decorative xmlns:adec="http://schemas.microsoft.com/office/drawing/2017/decorative" val="1"/>
+              </a:ext>
+            </a:extLst>
+          </p:cNvPr>
+          <p:cNvCxnSpPr>
+            <a:cxnSpLocks noGrp="1" noRot="1" noChangeAspect="1" noMove="1" noResize="1" noEditPoints="1" noAdjustHandles="1" noChangeArrowheads="1" noChangeShapeType="1"/>
+          </p:cNvCxnSpPr>
+          <p:nvPr>
+            <p:extLst>
+              <p:ext uri="{386F3935-93C4-4BCD-93E2-E3B085C9AB24}">
+                <p16:designElem xmlns:p16="http://schemas.microsoft.com/office/powerpoint/2015/main" val="1"/>
+              </p:ext>
+            </p:extLst>
+          </p:nvPr>
+        </p:nvCxnSpPr>
+        <p:spPr>
+          <a:xfrm>
+            <a:off x="9371012" y="0"/>
+            <a:ext cx="1219200" cy="6858000"/>
+          </a:xfrm>
+          <a:prstGeom prst="line">
+            <a:avLst/>
+          </a:prstGeom>
+          <a:ln w="9525">
+            <a:solidFill>
+              <a:schemeClr val="bg1">
+                <a:lumMod val="75000"/>
+              </a:schemeClr>
+            </a:solidFill>
+          </a:ln>
+        </p:spPr>
+        <p:style>
+          <a:lnRef idx="2">
+            <a:schemeClr val="accent1"/>
+          </a:lnRef>
+          <a:fillRef idx="0">
+            <a:schemeClr val="accent1"/>
+          </a:fillRef>
+          <a:effectRef idx="1">
+            <a:schemeClr val="accent1"/>
+          </a:effectRef>
+          <a:fontRef idx="minor">
+            <a:schemeClr val="tx1"/>
+          </a:fontRef>
+        </p:style>
+      </p:cxnSp>
+      <p:cxnSp>
+        <p:nvCxnSpPr>
+          <p:cNvPr id="11" name="Straight Connector 10">
+            <a:extLst>
+              <a:ext uri="{FF2B5EF4-FFF2-40B4-BE49-F238E27FC236}">
+                <a16:creationId xmlns:a16="http://schemas.microsoft.com/office/drawing/2014/main" id="{2AFD8CBA-54A3-4363-991B-B9C631BBFA74}"/>
+              </a:ext>
+              <a:ext uri="{C183D7F6-B498-43B3-948B-1728B52AA6E4}">
+                <adec:decorative xmlns:adec="http://schemas.microsoft.com/office/drawing/2017/decorative" val="1"/>
+              </a:ext>
+            </a:extLst>
+          </p:cNvPr>
+          <p:cNvCxnSpPr>
+            <a:cxnSpLocks noGrp="1" noRot="1" noChangeAspect="1" noMove="1" noResize="1" noEditPoints="1" noAdjustHandles="1" noChangeArrowheads="1" noChangeShapeType="1"/>
+          </p:cNvCxnSpPr>
+          <p:nvPr>
+            <p:extLst>
+              <p:ext uri="{386F3935-93C4-4BCD-93E2-E3B085C9AB24}">
+                <p16:designElem xmlns:p16="http://schemas.microsoft.com/office/powerpoint/2015/main" val="1"/>
+              </p:ext>
+            </p:extLst>
+          </p:nvPr>
+        </p:nvCxnSpPr>
+        <p:spPr>
+          <a:xfrm flipH="1">
+            <a:off x="7425267" y="3681413"/>
+            <a:ext cx="4763558" cy="3176587"/>
+          </a:xfrm>
+          <a:prstGeom prst="line">
+            <a:avLst/>
+          </a:prstGeom>
+          <a:ln w="9525">
+            <a:solidFill>
+              <a:schemeClr val="bg1">
+                <a:lumMod val="85000"/>
+              </a:schemeClr>
+            </a:solidFill>
+          </a:ln>
+        </p:spPr>
+        <p:style>
+          <a:lnRef idx="2">
+            <a:schemeClr val="accent1"/>
+          </a:lnRef>
+          <a:fillRef idx="0">
+            <a:schemeClr val="accent1"/>
+          </a:fillRef>
+          <a:effectRef idx="1">
+            <a:schemeClr val="accent1"/>
+          </a:effectRef>
+          <a:fontRef idx="minor">
+            <a:schemeClr val="tx1"/>
+          </a:fontRef>
+        </p:style>
+      </p:cxnSp>
+      <p:sp>
+        <p:nvSpPr>
+          <p:cNvPr id="13" name="Rectangle 23">
+            <a:extLst>
+              <a:ext uri="{FF2B5EF4-FFF2-40B4-BE49-F238E27FC236}">
+                <a16:creationId xmlns:a16="http://schemas.microsoft.com/office/drawing/2014/main" id="{3F088236-D655-4F88-B238-E16762358025}"/>
+              </a:ext>
+              <a:ext uri="{C183D7F6-B498-43B3-948B-1728B52AA6E4}">
+                <adec:decorative xmlns:adec="http://schemas.microsoft.com/office/drawing/2017/decorative" val="1"/>
+              </a:ext>
+            </a:extLst>
+          </p:cNvPr>
+          <p:cNvSpPr>
+            <a:spLocks noGrp="1" noRot="1" noChangeAspect="1" noMove="1" noResize="1" noEditPoints="1" noAdjustHandles="1" noChangeArrowheads="1" noChangeShapeType="1" noTextEdit="1"/>
+          </p:cNvSpPr>
+          <p:nvPr>
+            <p:extLst>
+              <p:ext uri="{386F3935-93C4-4BCD-93E2-E3B085C9AB24}">
+                <p16:designElem xmlns:p16="http://schemas.microsoft.com/office/powerpoint/2015/main" val="1"/>
+              </p:ext>
+            </p:extLst>
+          </p:nvPr>
+        </p:nvSpPr>
+        <p:spPr>
+          <a:xfrm>
+            <a:off x="9181476" y="-8467"/>
+            <a:ext cx="3007349" cy="6866467"/>
+          </a:xfrm>
+          <a:custGeom>
+            <a:avLst/>
+            <a:gdLst/>
+            <a:ahLst/>
+            <a:cxnLst/>
+            <a:rect l="l" t="t" r="r" b="b"/>
+            <a:pathLst>
+              <a:path w="3007349" h="6866467">
+                <a:moveTo>
+                  <a:pt x="2045532" y="0"/>
+                </a:moveTo>
+                <a:lnTo>
+                  <a:pt x="3007349" y="0"/>
+                </a:lnTo>
+                <a:lnTo>
+                  <a:pt x="3007349" y="6866467"/>
+                </a:lnTo>
+                <a:lnTo>
+                  <a:pt x="0" y="6866467"/>
+                </a:lnTo>
+                <a:lnTo>
+                  <a:pt x="2045532" y="0"/>
+                </a:lnTo>
+                <a:close/>
+              </a:path>
+            </a:pathLst>
+          </a:custGeom>
+          <a:solidFill>
+            <a:schemeClr val="accent1">
+              <a:alpha val="30000"/>
+            </a:schemeClr>
+          </a:solidFill>
+          <a:ln>
+            <a:noFill/>
+          </a:ln>
+          <a:effectLst/>
+        </p:spPr>
+        <p:style>
+          <a:lnRef idx="1">
+            <a:schemeClr val="accent1"/>
+          </a:lnRef>
+          <a:fillRef idx="3">
+            <a:schemeClr val="accent1"/>
+          </a:fillRef>
+          <a:effectRef idx="2">
+            <a:schemeClr val="accent1"/>
+          </a:effectRef>
+          <a:fontRef idx="minor">
+            <a:schemeClr val="lt1"/>
+          </a:fontRef>
+        </p:style>
+      </p:sp>
+      <p:sp>
+        <p:nvSpPr>
+          <p:cNvPr id="15" name="Rectangle 25">
+            <a:extLst>
+              <a:ext uri="{FF2B5EF4-FFF2-40B4-BE49-F238E27FC236}">
+                <a16:creationId xmlns:a16="http://schemas.microsoft.com/office/drawing/2014/main" id="{3DAC0C92-199E-475C-9390-119A9B027276}"/>
+              </a:ext>
+              <a:ext uri="{C183D7F6-B498-43B3-948B-1728B52AA6E4}">
+                <adec:decorative xmlns:adec="http://schemas.microsoft.com/office/drawing/2017/decorative" val="1"/>
+              </a:ext>
+            </a:extLst>
+          </p:cNvPr>
+          <p:cNvSpPr>
+            <a:spLocks noGrp="1" noRot="1" noChangeAspect="1" noMove="1" noResize="1" noEditPoints="1" noAdjustHandles="1" noChangeArrowheads="1" noChangeShapeType="1" noTextEdit="1"/>
+          </p:cNvSpPr>
+          <p:nvPr>
+            <p:extLst>
+              <p:ext uri="{386F3935-93C4-4BCD-93E2-E3B085C9AB24}">
+                <p16:designElem xmlns:p16="http://schemas.microsoft.com/office/powerpoint/2015/main" val="1"/>
+              </p:ext>
+            </p:extLst>
+          </p:nvPr>
+        </p:nvSpPr>
+        <p:spPr>
+          <a:xfrm>
+            <a:off x="9603442" y="-8467"/>
+            <a:ext cx="2588558" cy="6866467"/>
+          </a:xfrm>
+          <a:custGeom>
+            <a:avLst/>
+            <a:gdLst/>
+            <a:ahLst/>
+            <a:cxnLst/>
+            <a:rect l="l" t="t" r="r" b="b"/>
+            <a:pathLst>
+              <a:path w="2573311" h="6866467">
+                <a:moveTo>
+                  <a:pt x="0" y="0"/>
+                </a:moveTo>
+                <a:lnTo>
+                  <a:pt x="2573311" y="0"/>
+                </a:lnTo>
+                <a:lnTo>
+                  <a:pt x="2573311" y="6866467"/>
+                </a:lnTo>
+                <a:lnTo>
+                  <a:pt x="1202336" y="6866467"/>
+                </a:lnTo>
+                <a:lnTo>
+                  <a:pt x="0" y="0"/>
+                </a:lnTo>
+                <a:close/>
+              </a:path>
+            </a:pathLst>
+          </a:custGeom>
+          <a:solidFill>
+            <a:schemeClr val="accent1">
+              <a:alpha val="20000"/>
+            </a:schemeClr>
+          </a:solidFill>
+          <a:ln>
+            <a:noFill/>
+          </a:ln>
+          <a:effectLst/>
+        </p:spPr>
+        <p:style>
+          <a:lnRef idx="1">
+            <a:schemeClr val="accent1"/>
+          </a:lnRef>
+          <a:fillRef idx="3">
+            <a:schemeClr val="accent1"/>
+          </a:fillRef>
+          <a:effectRef idx="2">
+            <a:schemeClr val="accent1"/>
+          </a:effectRef>
+          <a:fontRef idx="minor">
+            <a:schemeClr val="lt1"/>
+          </a:fontRef>
+        </p:style>
+      </p:sp>
+      <p:sp>
+        <p:nvSpPr>
+          <p:cNvPr id="17" name="Isosceles Triangle 24">
+            <a:extLst>
+              <a:ext uri="{FF2B5EF4-FFF2-40B4-BE49-F238E27FC236}">
+                <a16:creationId xmlns:a16="http://schemas.microsoft.com/office/drawing/2014/main" id="{C4CFB339-0ED8-4FE2-9EF1-6D1375B8499B}"/>
+              </a:ext>
+              <a:ext uri="{C183D7F6-B498-43B3-948B-1728B52AA6E4}">
+                <adec:decorative xmlns:adec="http://schemas.microsoft.com/office/drawing/2017/decorative" val="1"/>
+              </a:ext>
+            </a:extLst>
+          </p:cNvPr>
+          <p:cNvSpPr>
+            <a:spLocks noGrp="1" noRot="1" noChangeAspect="1" noMove="1" noResize="1" noEditPoints="1" noAdjustHandles="1" noChangeArrowheads="1" noChangeShapeType="1" noTextEdit="1"/>
+          </p:cNvSpPr>
+          <p:nvPr>
+            <p:extLst>
+              <p:ext uri="{386F3935-93C4-4BCD-93E2-E3B085C9AB24}">
+                <p16:designElem xmlns:p16="http://schemas.microsoft.com/office/powerpoint/2015/main" val="1"/>
+              </p:ext>
+            </p:extLst>
+          </p:nvPr>
+        </p:nvSpPr>
+        <p:spPr>
+          <a:xfrm>
+            <a:off x="8932333" y="3048000"/>
+            <a:ext cx="3259667" cy="3810000"/>
+          </a:xfrm>
+          <a:prstGeom prst="triangle">
+            <a:avLst>
+              <a:gd name="adj" fmla="val 100000"/>
+            </a:avLst>
+          </a:prstGeom>
+          <a:solidFill>
+            <a:schemeClr val="accent2">
+              <a:alpha val="72000"/>
+            </a:schemeClr>
+          </a:solidFill>
+          <a:ln>
+            <a:noFill/>
+          </a:ln>
+          <a:effectLst/>
+        </p:spPr>
+        <p:style>
+          <a:lnRef idx="1">
+            <a:schemeClr val="accent1"/>
+          </a:lnRef>
+          <a:fillRef idx="3">
+            <a:schemeClr val="accent1"/>
+          </a:fillRef>
+          <a:effectRef idx="2">
+            <a:schemeClr val="accent1"/>
+          </a:effectRef>
+          <a:fontRef idx="minor">
+            <a:schemeClr val="lt1"/>
+          </a:fontRef>
+        </p:style>
+      </p:sp>
+      <p:sp>
+        <p:nvSpPr>
+          <p:cNvPr id="19" name="Rectangle 27">
+            <a:extLst>
+              <a:ext uri="{FF2B5EF4-FFF2-40B4-BE49-F238E27FC236}">
+                <a16:creationId xmlns:a16="http://schemas.microsoft.com/office/drawing/2014/main" id="{31896C80-2069-4431-9C19-83B913734490}"/>
+              </a:ext>
+              <a:ext uri="{C183D7F6-B498-43B3-948B-1728B52AA6E4}">
+                <adec:decorative xmlns:adec="http://schemas.microsoft.com/office/drawing/2017/decorative" val="1"/>
+              </a:ext>
+            </a:extLst>
+          </p:cNvPr>
+          <p:cNvSpPr>
+            <a:spLocks noGrp="1" noRot="1" noChangeAspect="1" noMove="1" noResize="1" noEditPoints="1" noAdjustHandles="1" noChangeArrowheads="1" noChangeShapeType="1" noTextEdit="1"/>
+          </p:cNvSpPr>
+          <p:nvPr>
+            <p:extLst>
+              <p:ext uri="{386F3935-93C4-4BCD-93E2-E3B085C9AB24}">
+                <p16:designElem xmlns:p16="http://schemas.microsoft.com/office/powerpoint/2015/main" val="1"/>
+              </p:ext>
+            </p:extLst>
+          </p:nvPr>
+        </p:nvSpPr>
+        <p:spPr>
+          <a:xfrm>
+            <a:off x="9334500" y="-8467"/>
+            <a:ext cx="2854326" cy="6866467"/>
+          </a:xfrm>
+          <a:custGeom>
+            <a:avLst/>
+            <a:gdLst/>
+            <a:ahLst/>
+            <a:cxnLst/>
+            <a:rect l="l" t="t" r="r" b="b"/>
+            <a:pathLst>
+              <a:path w="2858013" h="6866467">
+                <a:moveTo>
+                  <a:pt x="0" y="0"/>
+                </a:moveTo>
+                <a:lnTo>
+                  <a:pt x="2858013" y="0"/>
+                </a:lnTo>
+                <a:lnTo>
+                  <a:pt x="2858013" y="6866467"/>
+                </a:lnTo>
+                <a:lnTo>
+                  <a:pt x="2473942" y="6866467"/>
+                </a:lnTo>
+                <a:lnTo>
+                  <a:pt x="0" y="0"/>
+                </a:lnTo>
+                <a:close/>
+              </a:path>
+            </a:pathLst>
+          </a:custGeom>
+          <a:solidFill>
+            <a:schemeClr val="accent2">
+              <a:lumMod val="75000"/>
+              <a:alpha val="47000"/>
+            </a:schemeClr>
+          </a:solidFill>
+          <a:ln>
+            <a:noFill/>
+          </a:ln>
+          <a:effectLst/>
+        </p:spPr>
+        <p:style>
+          <a:lnRef idx="1">
+            <a:schemeClr val="accent1"/>
+          </a:lnRef>
+          <a:fillRef idx="3">
+            <a:schemeClr val="accent1"/>
+          </a:fillRef>
+          <a:effectRef idx="2">
+            <a:schemeClr val="accent1"/>
+          </a:effectRef>
+          <a:fontRef idx="minor">
+            <a:schemeClr val="lt1"/>
+          </a:fontRef>
+        </p:style>
+      </p:sp>
+      <p:sp>
+        <p:nvSpPr>
+          <p:cNvPr id="21" name="Rectangle 28">
+            <a:extLst>
+              <a:ext uri="{FF2B5EF4-FFF2-40B4-BE49-F238E27FC236}">
+                <a16:creationId xmlns:a16="http://schemas.microsoft.com/office/drawing/2014/main" id="{BF120A21-0841-4823-B0C4-28AEBCEF9B78}"/>
+              </a:ext>
+              <a:ext uri="{C183D7F6-B498-43B3-948B-1728B52AA6E4}">
+                <adec:decorative xmlns:adec="http://schemas.microsoft.com/office/drawing/2017/decorative" val="1"/>
+              </a:ext>
+            </a:extLst>
+          </p:cNvPr>
+          <p:cNvSpPr>
+            <a:spLocks noGrp="1" noRot="1" noChangeAspect="1" noMove="1" noResize="1" noEditPoints="1" noAdjustHandles="1" noChangeArrowheads="1" noChangeShapeType="1" noTextEdit="1"/>
+          </p:cNvSpPr>
+          <p:nvPr>
+            <p:extLst>
+              <p:ext uri="{386F3935-93C4-4BCD-93E2-E3B085C9AB24}">
+                <p16:designElem xmlns:p16="http://schemas.microsoft.com/office/powerpoint/2015/main" val="1"/>
+              </p:ext>
+            </p:extLst>
+          </p:nvPr>
+        </p:nvSpPr>
+        <p:spPr>
+          <a:xfrm>
+            <a:off x="10898730" y="-8467"/>
+            <a:ext cx="1290094" cy="6866467"/>
+          </a:xfrm>
+          <a:custGeom>
+            <a:avLst/>
+            <a:gdLst/>
+            <a:ahLst/>
+            <a:cxnLst/>
+            <a:rect l="l" t="t" r="r" b="b"/>
+            <a:pathLst>
+              <a:path w="1290094" h="6858000">
+                <a:moveTo>
+                  <a:pt x="1019735" y="0"/>
+                </a:moveTo>
+                <a:lnTo>
+                  <a:pt x="1290094" y="0"/>
+                </a:lnTo>
+                <a:lnTo>
+                  <a:pt x="1290094" y="6858000"/>
+                </a:lnTo>
+                <a:lnTo>
+                  <a:pt x="0" y="6858000"/>
+                </a:lnTo>
+                <a:lnTo>
+                  <a:pt x="1019735" y="0"/>
+                </a:lnTo>
+                <a:close/>
+              </a:path>
+            </a:pathLst>
+          </a:custGeom>
+          <a:solidFill>
+            <a:schemeClr val="accent1">
+              <a:lumMod val="60000"/>
+              <a:lumOff val="40000"/>
+              <a:alpha val="70000"/>
+            </a:schemeClr>
+          </a:solidFill>
+          <a:ln>
+            <a:noFill/>
+          </a:ln>
+          <a:effectLst/>
+        </p:spPr>
+        <p:style>
+          <a:lnRef idx="1">
+            <a:schemeClr val="accent1"/>
+          </a:lnRef>
+          <a:fillRef idx="3">
+            <a:schemeClr val="accent1"/>
+          </a:fillRef>
+          <a:effectRef idx="2">
+            <a:schemeClr val="accent1"/>
+          </a:effectRef>
+          <a:fontRef idx="minor">
+            <a:schemeClr val="lt1"/>
+          </a:fontRef>
+        </p:style>
+      </p:sp>
+      <p:sp>
+        <p:nvSpPr>
+          <p:cNvPr id="23" name="Rectangle 29">
+            <a:extLst>
+              <a:ext uri="{FF2B5EF4-FFF2-40B4-BE49-F238E27FC236}">
+                <a16:creationId xmlns:a16="http://schemas.microsoft.com/office/drawing/2014/main" id="{DBB05BAE-BBD3-4289-899F-A6851503C6B0}"/>
+              </a:ext>
+              <a:ext uri="{C183D7F6-B498-43B3-948B-1728B52AA6E4}">
+                <adec:decorative xmlns:adec="http://schemas.microsoft.com/office/drawing/2017/decorative" val="1"/>
+              </a:ext>
+            </a:extLst>
+          </p:cNvPr>
+          <p:cNvSpPr>
+            <a:spLocks noGrp="1" noRot="1" noChangeAspect="1" noMove="1" noResize="1" noEditPoints="1" noAdjustHandles="1" noChangeArrowheads="1" noChangeShapeType="1" noTextEdit="1"/>
+          </p:cNvSpPr>
+          <p:nvPr>
+            <p:extLst>
+              <p:ext uri="{386F3935-93C4-4BCD-93E2-E3B085C9AB24}">
+                <p16:designElem xmlns:p16="http://schemas.microsoft.com/office/powerpoint/2015/main" val="1"/>
+              </p:ext>
+            </p:extLst>
+          </p:nvPr>
+        </p:nvSpPr>
+        <p:spPr>
+          <a:xfrm>
+            <a:off x="10938999" y="-8467"/>
+            <a:ext cx="1249825" cy="6866467"/>
+          </a:xfrm>
+          <a:custGeom>
+            <a:avLst/>
+            <a:gdLst/>
+            <a:ahLst/>
+            <a:cxnLst/>
+            <a:rect l="l" t="t" r="r" b="b"/>
+            <a:pathLst>
+              <a:path w="1249825" h="6858000">
+                <a:moveTo>
+                  <a:pt x="0" y="0"/>
+                </a:moveTo>
+                <a:lnTo>
+                  <a:pt x="1249825" y="0"/>
+                </a:lnTo>
+                <a:lnTo>
+                  <a:pt x="1249825" y="6858000"/>
+                </a:lnTo>
+                <a:lnTo>
+                  <a:pt x="1109382" y="6858000"/>
+                </a:lnTo>
+                <a:lnTo>
+                  <a:pt x="0" y="0"/>
+                </a:lnTo>
+                <a:close/>
+              </a:path>
+            </a:pathLst>
+          </a:custGeom>
+          <a:solidFill>
+            <a:schemeClr val="accent1">
+              <a:alpha val="65000"/>
+            </a:schemeClr>
+          </a:solidFill>
+          <a:ln>
+            <a:noFill/>
+          </a:ln>
+          <a:effectLst/>
+        </p:spPr>
+        <p:style>
+          <a:lnRef idx="1">
+            <a:schemeClr val="accent1"/>
+          </a:lnRef>
+          <a:fillRef idx="3">
+            <a:schemeClr val="accent1"/>
+          </a:fillRef>
+          <a:effectRef idx="2">
+            <a:schemeClr val="accent1"/>
+          </a:effectRef>
+          <a:fontRef idx="minor">
+            <a:schemeClr val="lt1"/>
+          </a:fontRef>
+        </p:style>
+      </p:sp>
+      <p:sp>
+        <p:nvSpPr>
+          <p:cNvPr id="25" name="Isosceles Triangle 29">
+            <a:extLst>
+              <a:ext uri="{FF2B5EF4-FFF2-40B4-BE49-F238E27FC236}">
+                <a16:creationId xmlns:a16="http://schemas.microsoft.com/office/drawing/2014/main" id="{9874D11C-36F5-4BBE-A490-019A54E953B0}"/>
+              </a:ext>
+              <a:ext uri="{C183D7F6-B498-43B3-948B-1728B52AA6E4}">
+                <adec:decorative xmlns:adec="http://schemas.microsoft.com/office/drawing/2017/decorative" val="1"/>
+              </a:ext>
+            </a:extLst>
+          </p:cNvPr>
+          <p:cNvSpPr>
+            <a:spLocks noGrp="1" noRot="1" noChangeAspect="1" noMove="1" noResize="1" noEditPoints="1" noAdjustHandles="1" noChangeArrowheads="1" noChangeShapeType="1" noTextEdit="1"/>
+          </p:cNvSpPr>
+          <p:nvPr>
+            <p:extLst>
+              <p:ext uri="{386F3935-93C4-4BCD-93E2-E3B085C9AB24}">
+                <p16:designElem xmlns:p16="http://schemas.microsoft.com/office/powerpoint/2015/main" val="1"/>
+              </p:ext>
+            </p:extLst>
+          </p:nvPr>
+        </p:nvSpPr>
+        <p:spPr>
+          <a:xfrm>
+            <a:off x="10371666" y="3589867"/>
+            <a:ext cx="1817159" cy="3268133"/>
+          </a:xfrm>
+          <a:prstGeom prst="triangle">
+            <a:avLst>
+              <a:gd name="adj" fmla="val 100000"/>
+            </a:avLst>
+          </a:prstGeom>
+          <a:solidFill>
+            <a:schemeClr val="accent1">
+              <a:alpha val="80000"/>
+            </a:schemeClr>
+          </a:solidFill>
+          <a:ln>
+            <a:noFill/>
+          </a:ln>
+          <a:effectLst/>
+        </p:spPr>
+        <p:style>
+          <a:lnRef idx="1">
+            <a:schemeClr val="accent1"/>
+          </a:lnRef>
+          <a:fillRef idx="3">
+            <a:schemeClr val="accent1"/>
+          </a:fillRef>
+          <a:effectRef idx="2">
+            <a:schemeClr val="accent1"/>
+          </a:effectRef>
+          <a:fontRef idx="minor">
+            <a:schemeClr val="lt1"/>
+          </a:fontRef>
+        </p:style>
+      </p:sp>
+    </p:spTree>
+    <p:extLst>
+      <p:ext uri="{BB962C8B-B14F-4D97-AF65-F5344CB8AC3E}">
+        <p14:creationId xmlns:p14="http://schemas.microsoft.com/office/powerpoint/2010/main" val="141108226"/>
       </p:ext>
     </p:extLst>
   </p:cSld>
@@ -6222,7 +4189,7 @@
           <p:cNvPr id="4" name="Image 3">
             <a:extLst>
               <a:ext uri="{FF2B5EF4-FFF2-40B4-BE49-F238E27FC236}">
-                <a16:creationId xmlns:a16="http://schemas.microsoft.com/office/drawing/2014/main" id="{D3BEA918-1306-444C-B5E9-48EC00650AA6}"/>
+                <a16:creationId xmlns:a16="http://schemas.microsoft.com/office/drawing/2014/main" id="{2ECDB434-5129-4292-9CBF-0BB8A352A894}"/>
               </a:ext>
             </a:extLst>
           </p:cNvPr>
@@ -6233,7 +4200,7 @@
         </p:nvPicPr>
         <p:blipFill rotWithShape="1">
           <a:blip r:embed="rId2"/>
-          <a:srcRect l="17983"/>
+          <a:srcRect l="1985" r="11664" b="-2"/>
           <a:stretch/>
         </p:blipFill>
         <p:spPr>
@@ -6333,8 +4300,8 @@
           <a:lstStyle/>
           <a:p>
             <a:r>
-              <a:rPr lang="fr-FR"/>
-              <a:t>Les fonctionnalités</a:t>
+              <a:rPr lang="fr-FR" dirty="0"/>
+              <a:t>Présentation visuelle</a:t>
             </a:r>
           </a:p>
         </p:txBody>
@@ -6363,17 +4330,16 @@
         </p:spPr>
         <p:txBody>
           <a:bodyPr>
-            <a:normAutofit/>
+            <a:normAutofit fontScale="92500" lnSpcReduction="20000"/>
           </a:bodyPr>
           <a:lstStyle/>
           <a:p>
-            <a:pPr marL="0" indent="0">
+            <a:pPr>
               <a:lnSpc>
                 <a:spcPct val="90000"/>
               </a:lnSpc>
-              <a:buNone/>
             </a:pPr>
-            <a:endParaRPr lang="fr-FR" sz="1300"/>
+            <a:endParaRPr lang="fr-FR" dirty="0"/>
           </a:p>
           <a:p>
             <a:pPr>
@@ -6382,8 +4348,8 @@
               </a:lnSpc>
             </a:pPr>
             <a:r>
-              <a:rPr lang="fr-FR" sz="1300"/>
-              <a:t>Gestion d’un club </a:t>
+              <a:rPr lang="fr-FR" dirty="0"/>
+              <a:t>L’accueil</a:t>
             </a:r>
           </a:p>
           <a:p>
@@ -6392,7 +4358,7 @@
                 <a:spcPct val="90000"/>
               </a:lnSpc>
             </a:pPr>
-            <a:endParaRPr lang="fr-FR" sz="1300"/>
+            <a:endParaRPr lang="fr-FR" dirty="0"/>
           </a:p>
           <a:p>
             <a:pPr>
@@ -6401,8 +4367,8 @@
               </a:lnSpc>
             </a:pPr>
             <a:r>
-              <a:rPr lang="fr-FR" sz="1300"/>
-              <a:t>Infos d’avant-match</a:t>
+              <a:rPr lang="fr-FR" dirty="0"/>
+              <a:t>L’espace connexion</a:t>
             </a:r>
           </a:p>
           <a:p>
@@ -6411,7 +4377,7 @@
                 <a:spcPct val="90000"/>
               </a:lnSpc>
             </a:pPr>
-            <a:endParaRPr lang="fr-FR" sz="1300"/>
+            <a:endParaRPr lang="fr-FR" dirty="0"/>
           </a:p>
           <a:p>
             <a:pPr>
@@ -6420,8 +4386,8 @@
               </a:lnSpc>
             </a:pPr>
             <a:r>
-              <a:rPr lang="fr-FR" sz="1300"/>
-              <a:t>Envoi des convocations aux joueurs</a:t>
+              <a:rPr lang="fr-FR" dirty="0"/>
+              <a:t>L’effectif</a:t>
             </a:r>
           </a:p>
           <a:p>
@@ -6430,7 +4396,7 @@
                 <a:spcPct val="90000"/>
               </a:lnSpc>
             </a:pPr>
-            <a:endParaRPr lang="fr-FR" sz="1300"/>
+            <a:endParaRPr lang="fr-FR" dirty="0"/>
           </a:p>
           <a:p>
             <a:pPr>
@@ -6439,8 +4405,8 @@
               </a:lnSpc>
             </a:pPr>
             <a:r>
-              <a:rPr lang="fr-FR" sz="1300"/>
-              <a:t>Prise de statistiques pendant les matchs </a:t>
+              <a:rPr lang="fr-FR" dirty="0"/>
+              <a:t>L’infos club</a:t>
             </a:r>
           </a:p>
           <a:p>
@@ -6449,7 +4415,7 @@
                 <a:spcPct val="90000"/>
               </a:lnSpc>
             </a:pPr>
-            <a:endParaRPr lang="fr-FR" sz="1300"/>
+            <a:endParaRPr lang="fr-FR" dirty="0"/>
           </a:p>
           <a:p>
             <a:pPr>
@@ -6458,8 +4424,8 @@
               </a:lnSpc>
             </a:pPr>
             <a:r>
-              <a:rPr lang="fr-FR" sz="1300"/>
-              <a:t>Partage des résultats sur les réseaux sociaux</a:t>
+              <a:rPr lang="fr-FR" dirty="0"/>
+              <a:t>L’administration</a:t>
             </a:r>
           </a:p>
           <a:p>
@@ -6468,7 +4434,7 @@
                 <a:spcPct val="90000"/>
               </a:lnSpc>
             </a:pPr>
-            <a:endParaRPr lang="fr-FR" sz="1300"/>
+            <a:endParaRPr lang="fr-FR" dirty="0"/>
           </a:p>
           <a:p>
             <a:pPr>
@@ -6477,8 +4443,8 @@
               </a:lnSpc>
             </a:pPr>
             <a:r>
-              <a:rPr lang="fr-FR" sz="1300"/>
-              <a:t>Consultation des données des joueurs</a:t>
+              <a:rPr lang="fr-FR" dirty="0"/>
+              <a:t>Les matchs</a:t>
             </a:r>
           </a:p>
           <a:p>
@@ -6487,7 +4453,7 @@
                 <a:spcPct val="90000"/>
               </a:lnSpc>
             </a:pPr>
-            <a:endParaRPr lang="fr-FR" sz="1300"/>
+            <a:endParaRPr lang="fr-FR" dirty="0"/>
           </a:p>
           <a:p>
             <a:pPr>
@@ -6495,7 +4461,7 @@
                 <a:spcPct val="90000"/>
               </a:lnSpc>
             </a:pPr>
-            <a:endParaRPr lang="fr-FR" sz="1300"/>
+            <a:endParaRPr lang="fr-FR" dirty="0"/>
           </a:p>
           <a:p>
             <a:pPr>
@@ -6503,16 +4469,7 @@
                 <a:spcPct val="90000"/>
               </a:lnSpc>
             </a:pPr>
-            <a:endParaRPr lang="fr-FR" sz="1300"/>
-          </a:p>
-          <a:p>
-            <a:pPr marL="0" indent="0">
-              <a:lnSpc>
-                <a:spcPct val="90000"/>
-              </a:lnSpc>
-              <a:buNone/>
-            </a:pPr>
-            <a:endParaRPr lang="fr-FR" sz="1300"/>
+            <a:endParaRPr lang="fr-FR" dirty="0"/>
           </a:p>
           <a:p>
             <a:pPr lvl="1">
@@ -6522,7 +4479,7 @@
               <a:buFont typeface="Wingdings" panose="05000000000000000000" pitchFamily="2" charset="2"/>
               <a:buChar char="§"/>
             </a:pPr>
-            <a:endParaRPr lang="fr-FR" sz="1300"/>
+            <a:endParaRPr lang="fr-FR" dirty="0"/>
           </a:p>
         </p:txBody>
       </p:sp>
@@ -7156,7 +5113,7 @@
     </p:spTree>
     <p:extLst>
       <p:ext uri="{BB962C8B-B14F-4D97-AF65-F5344CB8AC3E}">
-        <p14:creationId xmlns:p14="http://schemas.microsoft.com/office/powerpoint/2010/main" val="141108226"/>
+        <p14:creationId xmlns:p14="http://schemas.microsoft.com/office/powerpoint/2010/main" val="3148531729"/>
       </p:ext>
     </p:extLst>
   </p:cSld>
@@ -7167,6 +5124,1086 @@
 </file>
 
 <file path=ppt/slides/slide6.xml><?xml version="1.0" encoding="utf-8"?>
+<p:sld xmlns:a="http://schemas.openxmlformats.org/drawingml/2006/main" xmlns:r="http://schemas.openxmlformats.org/officeDocument/2006/relationships" xmlns:p="http://schemas.openxmlformats.org/presentationml/2006/main">
+  <p:cSld>
+    <p:spTree>
+      <p:nvGrpSpPr>
+        <p:cNvPr id="1" name=""/>
+        <p:cNvGrpSpPr/>
+        <p:nvPr/>
+      </p:nvGrpSpPr>
+      <p:grpSpPr>
+        <a:xfrm>
+          <a:off x="0" y="0"/>
+          <a:ext cx="0" cy="0"/>
+          <a:chOff x="0" y="0"/>
+          <a:chExt cx="0" cy="0"/>
+        </a:xfrm>
+      </p:grpSpPr>
+      <p:sp>
+        <p:nvSpPr>
+          <p:cNvPr id="2" name="Titre 1">
+            <a:extLst>
+              <a:ext uri="{FF2B5EF4-FFF2-40B4-BE49-F238E27FC236}">
+                <a16:creationId xmlns:a16="http://schemas.microsoft.com/office/drawing/2014/main" id="{412AB76B-238F-400F-BBC7-5539936B9C00}"/>
+              </a:ext>
+            </a:extLst>
+          </p:cNvPr>
+          <p:cNvSpPr>
+            <a:spLocks noGrp="1"/>
+          </p:cNvSpPr>
+          <p:nvPr>
+            <p:ph type="title"/>
+          </p:nvPr>
+        </p:nvSpPr>
+        <p:spPr/>
+        <p:txBody>
+          <a:bodyPr>
+            <a:normAutofit fontScale="90000"/>
+          </a:bodyPr>
+          <a:lstStyle/>
+          <a:p>
+            <a:pPr marL="571500" indent="-571500">
+              <a:buSzPct val="80000"/>
+              <a:buFont typeface="Wingdings 3" panose="05040102010807070707" pitchFamily="18" charset="2"/>
+              <a:buChar char="u"/>
+            </a:pPr>
+            <a:r>
+              <a:rPr lang="fr-FR" dirty="0"/>
+              <a:t>Le Code </a:t>
+            </a:r>
+            <a:br>
+              <a:rPr lang="fr-FR" dirty="0"/>
+            </a:br>
+            <a:br>
+              <a:rPr lang="fr-FR" dirty="0"/>
+            </a:br>
+            <a:endParaRPr lang="fr-FR" dirty="0"/>
+          </a:p>
+        </p:txBody>
+      </p:sp>
+      <p:sp>
+        <p:nvSpPr>
+          <p:cNvPr id="3" name="Espace réservé du texte 2">
+            <a:extLst>
+              <a:ext uri="{FF2B5EF4-FFF2-40B4-BE49-F238E27FC236}">
+                <a16:creationId xmlns:a16="http://schemas.microsoft.com/office/drawing/2014/main" id="{0A085D19-AE73-4BDD-9C43-F39C551FAC5C}"/>
+              </a:ext>
+            </a:extLst>
+          </p:cNvPr>
+          <p:cNvSpPr>
+            <a:spLocks noGrp="1"/>
+          </p:cNvSpPr>
+          <p:nvPr>
+            <p:ph type="body" idx="1"/>
+          </p:nvPr>
+        </p:nvSpPr>
+        <p:spPr/>
+        <p:txBody>
+          <a:bodyPr/>
+          <a:lstStyle/>
+          <a:p>
+            <a:endParaRPr lang="fr-FR" dirty="0"/>
+          </a:p>
+        </p:txBody>
+      </p:sp>
+    </p:spTree>
+    <p:extLst>
+      <p:ext uri="{BB962C8B-B14F-4D97-AF65-F5344CB8AC3E}">
+        <p14:creationId xmlns:p14="http://schemas.microsoft.com/office/powerpoint/2010/main" val="2581438407"/>
+      </p:ext>
+    </p:extLst>
+  </p:cSld>
+  <p:clrMapOvr>
+    <a:masterClrMapping/>
+  </p:clrMapOvr>
+</p:sld>
+</file>
+
+<file path=ppt/slides/slide7.xml><?xml version="1.0" encoding="utf-8"?>
+<p:sld xmlns:a="http://schemas.openxmlformats.org/drawingml/2006/main" xmlns:r="http://schemas.openxmlformats.org/officeDocument/2006/relationships" xmlns:p="http://schemas.openxmlformats.org/presentationml/2006/main">
+  <p:cSld>
+    <p:bg>
+      <p:bgPr>
+        <a:solidFill>
+          <a:schemeClr val="bg1"/>
+        </a:solidFill>
+        <a:effectLst/>
+      </p:bgPr>
+    </p:bg>
+    <p:spTree>
+      <p:nvGrpSpPr>
+        <p:cNvPr id="1" name=""/>
+        <p:cNvGrpSpPr/>
+        <p:nvPr/>
+      </p:nvGrpSpPr>
+      <p:grpSpPr>
+        <a:xfrm>
+          <a:off x="0" y="0"/>
+          <a:ext cx="0" cy="0"/>
+          <a:chOff x="0" y="0"/>
+          <a:chExt cx="0" cy="0"/>
+        </a:xfrm>
+      </p:grpSpPr>
+      <p:pic>
+        <p:nvPicPr>
+          <p:cNvPr id="5" name="Image 4">
+            <a:extLst>
+              <a:ext uri="{FF2B5EF4-FFF2-40B4-BE49-F238E27FC236}">
+                <a16:creationId xmlns:a16="http://schemas.microsoft.com/office/drawing/2014/main" id="{4F48C1D5-3F90-4B5E-BA9F-3D56ED47C9F5}"/>
+              </a:ext>
+            </a:extLst>
+          </p:cNvPr>
+          <p:cNvPicPr>
+            <a:picLocks noChangeAspect="1"/>
+          </p:cNvPicPr>
+          <p:nvPr/>
+        </p:nvPicPr>
+        <p:blipFill rotWithShape="1">
+          <a:blip r:embed="rId2"/>
+          <a:srcRect l="11928" r="25693"/>
+          <a:stretch/>
+        </p:blipFill>
+        <p:spPr>
+          <a:xfrm>
+            <a:off x="4269854" y="-1"/>
+            <a:ext cx="7922146" cy="6858001"/>
+          </a:xfrm>
+          <a:custGeom>
+            <a:avLst/>
+            <a:gdLst/>
+            <a:ahLst/>
+            <a:cxnLst/>
+            <a:rect l="l" t="t" r="r" b="b"/>
+            <a:pathLst>
+              <a:path w="7922146" h="6858001">
+                <a:moveTo>
+                  <a:pt x="379987" y="0"/>
+                </a:moveTo>
+                <a:lnTo>
+                  <a:pt x="5304971" y="0"/>
+                </a:lnTo>
+                <a:lnTo>
+                  <a:pt x="7065281" y="0"/>
+                </a:lnTo>
+                <a:lnTo>
+                  <a:pt x="7397540" y="0"/>
+                </a:lnTo>
+                <a:lnTo>
+                  <a:pt x="7397540" y="1"/>
+                </a:lnTo>
+                <a:lnTo>
+                  <a:pt x="7922146" y="1"/>
+                </a:lnTo>
+                <a:lnTo>
+                  <a:pt x="7922146" y="6858001"/>
+                </a:lnTo>
+                <a:lnTo>
+                  <a:pt x="7065281" y="6858001"/>
+                </a:lnTo>
+                <a:lnTo>
+                  <a:pt x="7065281" y="6858000"/>
+                </a:lnTo>
+                <a:lnTo>
+                  <a:pt x="5932989" y="6858000"/>
+                </a:lnTo>
+                <a:lnTo>
+                  <a:pt x="5932989" y="6858001"/>
+                </a:lnTo>
+                <a:lnTo>
+                  <a:pt x="27809" y="6858001"/>
+                </a:lnTo>
+                <a:lnTo>
+                  <a:pt x="1803228" y="4521201"/>
+                </a:lnTo>
+                <a:close/>
+                <a:moveTo>
+                  <a:pt x="0" y="0"/>
+                </a:moveTo>
+                <a:lnTo>
+                  <a:pt x="379987" y="0"/>
+                </a:lnTo>
+                <a:lnTo>
+                  <a:pt x="0" y="407"/>
+                </a:lnTo>
+                <a:close/>
+              </a:path>
+            </a:pathLst>
+          </a:custGeom>
+        </p:spPr>
+      </p:pic>
+      <p:sp>
+        <p:nvSpPr>
+          <p:cNvPr id="2" name="Titre 1">
+            <a:extLst>
+              <a:ext uri="{FF2B5EF4-FFF2-40B4-BE49-F238E27FC236}">
+                <a16:creationId xmlns:a16="http://schemas.microsoft.com/office/drawing/2014/main" id="{F111BF1A-BDB4-4675-8829-601BA8BA353A}"/>
+              </a:ext>
+            </a:extLst>
+          </p:cNvPr>
+          <p:cNvSpPr>
+            <a:spLocks noGrp="1"/>
+          </p:cNvSpPr>
+          <p:nvPr>
+            <p:ph type="title"/>
+          </p:nvPr>
+        </p:nvSpPr>
+        <p:spPr>
+          <a:xfrm>
+            <a:off x="677333" y="609600"/>
+            <a:ext cx="3851123" cy="1320800"/>
+          </a:xfrm>
+        </p:spPr>
+        <p:txBody>
+          <a:bodyPr>
+            <a:normAutofit/>
+          </a:bodyPr>
+          <a:lstStyle/>
+          <a:p>
+            <a:br>
+              <a:rPr lang="fr-FR" dirty="0"/>
+            </a:br>
+            <a:r>
+              <a:rPr lang="fr-FR" dirty="0"/>
+              <a:t>PHP / MySQL</a:t>
+            </a:r>
+          </a:p>
+        </p:txBody>
+      </p:sp>
+      <p:sp>
+        <p:nvSpPr>
+          <p:cNvPr id="3" name="Espace réservé du contenu 2">
+            <a:extLst>
+              <a:ext uri="{FF2B5EF4-FFF2-40B4-BE49-F238E27FC236}">
+                <a16:creationId xmlns:a16="http://schemas.microsoft.com/office/drawing/2014/main" id="{345439BB-435B-4533-B86E-BD703C28FB4B}"/>
+              </a:ext>
+            </a:extLst>
+          </p:cNvPr>
+          <p:cNvSpPr>
+            <a:spLocks noGrp="1"/>
+          </p:cNvSpPr>
+          <p:nvPr>
+            <p:ph idx="1"/>
+          </p:nvPr>
+        </p:nvSpPr>
+        <p:spPr>
+          <a:xfrm>
+            <a:off x="677334" y="2160589"/>
+            <a:ext cx="3851122" cy="3880773"/>
+          </a:xfrm>
+        </p:spPr>
+        <p:txBody>
+          <a:bodyPr>
+            <a:normAutofit/>
+          </a:bodyPr>
+          <a:lstStyle/>
+          <a:p>
+            <a:pPr marL="0" indent="0">
+              <a:lnSpc>
+                <a:spcPct val="90000"/>
+              </a:lnSpc>
+              <a:buNone/>
+            </a:pPr>
+            <a:endParaRPr lang="fr-FR" sz="1400" dirty="0"/>
+          </a:p>
+          <a:p>
+            <a:pPr marL="0" indent="0">
+              <a:lnSpc>
+                <a:spcPct val="90000"/>
+              </a:lnSpc>
+              <a:buNone/>
+            </a:pPr>
+            <a:endParaRPr lang="fr-FR" sz="1400" dirty="0"/>
+          </a:p>
+          <a:p>
+            <a:pPr>
+              <a:lnSpc>
+                <a:spcPct val="90000"/>
+              </a:lnSpc>
+            </a:pPr>
+            <a:r>
+              <a:rPr lang="fr-FR" sz="1400" dirty="0"/>
+              <a:t>Architecture MVC</a:t>
+            </a:r>
+          </a:p>
+          <a:p>
+            <a:pPr>
+              <a:lnSpc>
+                <a:spcPct val="90000"/>
+              </a:lnSpc>
+            </a:pPr>
+            <a:endParaRPr lang="fr-FR" sz="1400" dirty="0"/>
+          </a:p>
+          <a:p>
+            <a:pPr>
+              <a:lnSpc>
+                <a:spcPct val="90000"/>
+              </a:lnSpc>
+            </a:pPr>
+            <a:r>
+              <a:rPr lang="fr-FR" sz="1400" dirty="0"/>
+              <a:t>Programmation orientée objet</a:t>
+            </a:r>
+          </a:p>
+          <a:p>
+            <a:pPr>
+              <a:lnSpc>
+                <a:spcPct val="90000"/>
+              </a:lnSpc>
+            </a:pPr>
+            <a:endParaRPr lang="fr-FR" sz="1400" dirty="0"/>
+          </a:p>
+          <a:p>
+            <a:pPr>
+              <a:lnSpc>
+                <a:spcPct val="90000"/>
+              </a:lnSpc>
+            </a:pPr>
+            <a:r>
+              <a:rPr lang="fr-FR" sz="1400" dirty="0"/>
+              <a:t>Controller</a:t>
+            </a:r>
+          </a:p>
+          <a:p>
+            <a:pPr>
+              <a:lnSpc>
+                <a:spcPct val="90000"/>
+              </a:lnSpc>
+            </a:pPr>
+            <a:endParaRPr lang="fr-FR" sz="1400" dirty="0"/>
+          </a:p>
+          <a:p>
+            <a:pPr>
+              <a:lnSpc>
+                <a:spcPct val="90000"/>
+              </a:lnSpc>
+            </a:pPr>
+            <a:r>
+              <a:rPr lang="fr-FR" sz="1400" dirty="0"/>
+              <a:t>Model </a:t>
+            </a:r>
+          </a:p>
+          <a:p>
+            <a:pPr>
+              <a:lnSpc>
+                <a:spcPct val="90000"/>
+              </a:lnSpc>
+            </a:pPr>
+            <a:endParaRPr lang="fr-FR" sz="1400" dirty="0"/>
+          </a:p>
+          <a:p>
+            <a:pPr>
+              <a:lnSpc>
+                <a:spcPct val="90000"/>
+              </a:lnSpc>
+            </a:pPr>
+            <a:r>
+              <a:rPr lang="fr-FR" sz="1400" dirty="0"/>
+              <a:t>View / Moteur de </a:t>
+            </a:r>
+            <a:r>
+              <a:rPr lang="fr-FR" sz="1400" dirty="0" err="1"/>
+              <a:t>template</a:t>
+            </a:r>
+            <a:r>
+              <a:rPr lang="fr-FR" sz="1400" dirty="0"/>
+              <a:t> TWIG</a:t>
+            </a:r>
+          </a:p>
+          <a:p>
+            <a:pPr>
+              <a:lnSpc>
+                <a:spcPct val="90000"/>
+              </a:lnSpc>
+            </a:pPr>
+            <a:endParaRPr lang="fr-FR" sz="1400" dirty="0"/>
+          </a:p>
+          <a:p>
+            <a:pPr>
+              <a:lnSpc>
+                <a:spcPct val="90000"/>
+              </a:lnSpc>
+            </a:pPr>
+            <a:endParaRPr lang="fr-FR" sz="1400" dirty="0"/>
+          </a:p>
+          <a:p>
+            <a:pPr>
+              <a:lnSpc>
+                <a:spcPct val="90000"/>
+              </a:lnSpc>
+            </a:pPr>
+            <a:endParaRPr lang="fr-FR" sz="1400" dirty="0"/>
+          </a:p>
+          <a:p>
+            <a:pPr>
+              <a:lnSpc>
+                <a:spcPct val="90000"/>
+              </a:lnSpc>
+            </a:pPr>
+            <a:endParaRPr lang="fr-FR" sz="1400" dirty="0"/>
+          </a:p>
+          <a:p>
+            <a:pPr marL="0" indent="0">
+              <a:lnSpc>
+                <a:spcPct val="90000"/>
+              </a:lnSpc>
+              <a:buNone/>
+            </a:pPr>
+            <a:endParaRPr lang="fr-FR" sz="1400" dirty="0"/>
+          </a:p>
+          <a:p>
+            <a:pPr lvl="1">
+              <a:lnSpc>
+                <a:spcPct val="90000"/>
+              </a:lnSpc>
+              <a:buFont typeface="Wingdings" panose="05000000000000000000" pitchFamily="2" charset="2"/>
+              <a:buChar char="§"/>
+            </a:pPr>
+            <a:endParaRPr lang="fr-FR" sz="1400" dirty="0"/>
+          </a:p>
+        </p:txBody>
+      </p:sp>
+      <p:cxnSp>
+        <p:nvCxnSpPr>
+          <p:cNvPr id="30" name="Straight Connector 29">
+            <a:extLst>
+              <a:ext uri="{FF2B5EF4-FFF2-40B4-BE49-F238E27FC236}">
+                <a16:creationId xmlns:a16="http://schemas.microsoft.com/office/drawing/2014/main" id="{64FA5DFF-7FE6-4855-84E6-DFA78EE978BD}"/>
+              </a:ext>
+              <a:ext uri="{C183D7F6-B498-43B3-948B-1728B52AA6E4}">
+                <adec:decorative xmlns:adec="http://schemas.microsoft.com/office/drawing/2017/decorative" val="1"/>
+              </a:ext>
+            </a:extLst>
+          </p:cNvPr>
+          <p:cNvCxnSpPr>
+            <a:cxnSpLocks noGrp="1" noRot="1" noChangeAspect="1" noMove="1" noResize="1" noEditPoints="1" noAdjustHandles="1" noChangeArrowheads="1" noChangeShapeType="1"/>
+          </p:cNvCxnSpPr>
+          <p:nvPr>
+            <p:extLst>
+              <p:ext uri="{386F3935-93C4-4BCD-93E2-E3B085C9AB24}">
+                <p16:designElem xmlns:p16="http://schemas.microsoft.com/office/powerpoint/2015/main" val="1"/>
+              </p:ext>
+            </p:extLst>
+          </p:nvPr>
+        </p:nvCxnSpPr>
+        <p:spPr>
+          <a:xfrm>
+            <a:off x="9371012" y="0"/>
+            <a:ext cx="1219200" cy="6858000"/>
+          </a:xfrm>
+          <a:prstGeom prst="line">
+            <a:avLst/>
+          </a:prstGeom>
+          <a:ln w="9525">
+            <a:solidFill>
+              <a:schemeClr val="bg1">
+                <a:lumMod val="75000"/>
+              </a:schemeClr>
+            </a:solidFill>
+          </a:ln>
+        </p:spPr>
+        <p:style>
+          <a:lnRef idx="2">
+            <a:schemeClr val="accent1"/>
+          </a:lnRef>
+          <a:fillRef idx="0">
+            <a:schemeClr val="accent1"/>
+          </a:fillRef>
+          <a:effectRef idx="1">
+            <a:schemeClr val="accent1"/>
+          </a:effectRef>
+          <a:fontRef idx="minor">
+            <a:schemeClr val="tx1"/>
+          </a:fontRef>
+        </p:style>
+      </p:cxnSp>
+      <p:cxnSp>
+        <p:nvCxnSpPr>
+          <p:cNvPr id="32" name="Straight Connector 31">
+            <a:extLst>
+              <a:ext uri="{FF2B5EF4-FFF2-40B4-BE49-F238E27FC236}">
+                <a16:creationId xmlns:a16="http://schemas.microsoft.com/office/drawing/2014/main" id="{2AFD8CBA-54A3-4363-991B-B9C631BBFA74}"/>
+              </a:ext>
+              <a:ext uri="{C183D7F6-B498-43B3-948B-1728B52AA6E4}">
+                <adec:decorative xmlns:adec="http://schemas.microsoft.com/office/drawing/2017/decorative" val="1"/>
+              </a:ext>
+            </a:extLst>
+          </p:cNvPr>
+          <p:cNvCxnSpPr>
+            <a:cxnSpLocks noGrp="1" noRot="1" noChangeAspect="1" noMove="1" noResize="1" noEditPoints="1" noAdjustHandles="1" noChangeArrowheads="1" noChangeShapeType="1"/>
+          </p:cNvCxnSpPr>
+          <p:nvPr>
+            <p:extLst>
+              <p:ext uri="{386F3935-93C4-4BCD-93E2-E3B085C9AB24}">
+                <p16:designElem xmlns:p16="http://schemas.microsoft.com/office/powerpoint/2015/main" val="1"/>
+              </p:ext>
+            </p:extLst>
+          </p:nvPr>
+        </p:nvCxnSpPr>
+        <p:spPr>
+          <a:xfrm flipH="1">
+            <a:off x="7425267" y="3681413"/>
+            <a:ext cx="4763558" cy="3176587"/>
+          </a:xfrm>
+          <a:prstGeom prst="line">
+            <a:avLst/>
+          </a:prstGeom>
+          <a:ln w="9525">
+            <a:solidFill>
+              <a:schemeClr val="bg1">
+                <a:lumMod val="85000"/>
+              </a:schemeClr>
+            </a:solidFill>
+          </a:ln>
+        </p:spPr>
+        <p:style>
+          <a:lnRef idx="2">
+            <a:schemeClr val="accent1"/>
+          </a:lnRef>
+          <a:fillRef idx="0">
+            <a:schemeClr val="accent1"/>
+          </a:fillRef>
+          <a:effectRef idx="1">
+            <a:schemeClr val="accent1"/>
+          </a:effectRef>
+          <a:fontRef idx="minor">
+            <a:schemeClr val="tx1"/>
+          </a:fontRef>
+        </p:style>
+      </p:cxnSp>
+      <p:sp>
+        <p:nvSpPr>
+          <p:cNvPr id="34" name="Rectangle 23">
+            <a:extLst>
+              <a:ext uri="{FF2B5EF4-FFF2-40B4-BE49-F238E27FC236}">
+                <a16:creationId xmlns:a16="http://schemas.microsoft.com/office/drawing/2014/main" id="{3F088236-D655-4F88-B238-E16762358025}"/>
+              </a:ext>
+              <a:ext uri="{C183D7F6-B498-43B3-948B-1728B52AA6E4}">
+                <adec:decorative xmlns:adec="http://schemas.microsoft.com/office/drawing/2017/decorative" val="1"/>
+              </a:ext>
+            </a:extLst>
+          </p:cNvPr>
+          <p:cNvSpPr>
+            <a:spLocks noGrp="1" noRot="1" noChangeAspect="1" noMove="1" noResize="1" noEditPoints="1" noAdjustHandles="1" noChangeArrowheads="1" noChangeShapeType="1" noTextEdit="1"/>
+          </p:cNvSpPr>
+          <p:nvPr>
+            <p:extLst>
+              <p:ext uri="{386F3935-93C4-4BCD-93E2-E3B085C9AB24}">
+                <p16:designElem xmlns:p16="http://schemas.microsoft.com/office/powerpoint/2015/main" val="1"/>
+              </p:ext>
+            </p:extLst>
+          </p:nvPr>
+        </p:nvSpPr>
+        <p:spPr>
+          <a:xfrm>
+            <a:off x="9181476" y="-8467"/>
+            <a:ext cx="3007349" cy="6866467"/>
+          </a:xfrm>
+          <a:custGeom>
+            <a:avLst/>
+            <a:gdLst/>
+            <a:ahLst/>
+            <a:cxnLst/>
+            <a:rect l="l" t="t" r="r" b="b"/>
+            <a:pathLst>
+              <a:path w="3007349" h="6866467">
+                <a:moveTo>
+                  <a:pt x="2045532" y="0"/>
+                </a:moveTo>
+                <a:lnTo>
+                  <a:pt x="3007349" y="0"/>
+                </a:lnTo>
+                <a:lnTo>
+                  <a:pt x="3007349" y="6866467"/>
+                </a:lnTo>
+                <a:lnTo>
+                  <a:pt x="0" y="6866467"/>
+                </a:lnTo>
+                <a:lnTo>
+                  <a:pt x="2045532" y="0"/>
+                </a:lnTo>
+                <a:close/>
+              </a:path>
+            </a:pathLst>
+          </a:custGeom>
+          <a:solidFill>
+            <a:schemeClr val="accent1">
+              <a:alpha val="30000"/>
+            </a:schemeClr>
+          </a:solidFill>
+          <a:ln>
+            <a:noFill/>
+          </a:ln>
+          <a:effectLst/>
+        </p:spPr>
+        <p:style>
+          <a:lnRef idx="1">
+            <a:schemeClr val="accent1"/>
+          </a:lnRef>
+          <a:fillRef idx="3">
+            <a:schemeClr val="accent1"/>
+          </a:fillRef>
+          <a:effectRef idx="2">
+            <a:schemeClr val="accent1"/>
+          </a:effectRef>
+          <a:fontRef idx="minor">
+            <a:schemeClr val="lt1"/>
+          </a:fontRef>
+        </p:style>
+      </p:sp>
+      <p:sp>
+        <p:nvSpPr>
+          <p:cNvPr id="36" name="Rectangle 25">
+            <a:extLst>
+              <a:ext uri="{FF2B5EF4-FFF2-40B4-BE49-F238E27FC236}">
+                <a16:creationId xmlns:a16="http://schemas.microsoft.com/office/drawing/2014/main" id="{3DAC0C92-199E-475C-9390-119A9B027276}"/>
+              </a:ext>
+              <a:ext uri="{C183D7F6-B498-43B3-948B-1728B52AA6E4}">
+                <adec:decorative xmlns:adec="http://schemas.microsoft.com/office/drawing/2017/decorative" val="1"/>
+              </a:ext>
+            </a:extLst>
+          </p:cNvPr>
+          <p:cNvSpPr>
+            <a:spLocks noGrp="1" noRot="1" noChangeAspect="1" noMove="1" noResize="1" noEditPoints="1" noAdjustHandles="1" noChangeArrowheads="1" noChangeShapeType="1" noTextEdit="1"/>
+          </p:cNvSpPr>
+          <p:nvPr>
+            <p:extLst>
+              <p:ext uri="{386F3935-93C4-4BCD-93E2-E3B085C9AB24}">
+                <p16:designElem xmlns:p16="http://schemas.microsoft.com/office/powerpoint/2015/main" val="1"/>
+              </p:ext>
+            </p:extLst>
+          </p:nvPr>
+        </p:nvSpPr>
+        <p:spPr>
+          <a:xfrm>
+            <a:off x="9603442" y="-8467"/>
+            <a:ext cx="2588558" cy="6866467"/>
+          </a:xfrm>
+          <a:custGeom>
+            <a:avLst/>
+            <a:gdLst/>
+            <a:ahLst/>
+            <a:cxnLst/>
+            <a:rect l="l" t="t" r="r" b="b"/>
+            <a:pathLst>
+              <a:path w="2573311" h="6866467">
+                <a:moveTo>
+                  <a:pt x="0" y="0"/>
+                </a:moveTo>
+                <a:lnTo>
+                  <a:pt x="2573311" y="0"/>
+                </a:lnTo>
+                <a:lnTo>
+                  <a:pt x="2573311" y="6866467"/>
+                </a:lnTo>
+                <a:lnTo>
+                  <a:pt x="1202336" y="6866467"/>
+                </a:lnTo>
+                <a:lnTo>
+                  <a:pt x="0" y="0"/>
+                </a:lnTo>
+                <a:close/>
+              </a:path>
+            </a:pathLst>
+          </a:custGeom>
+          <a:solidFill>
+            <a:schemeClr val="accent1">
+              <a:alpha val="20000"/>
+            </a:schemeClr>
+          </a:solidFill>
+          <a:ln>
+            <a:noFill/>
+          </a:ln>
+          <a:effectLst/>
+        </p:spPr>
+        <p:style>
+          <a:lnRef idx="1">
+            <a:schemeClr val="accent1"/>
+          </a:lnRef>
+          <a:fillRef idx="3">
+            <a:schemeClr val="accent1"/>
+          </a:fillRef>
+          <a:effectRef idx="2">
+            <a:schemeClr val="accent1"/>
+          </a:effectRef>
+          <a:fontRef idx="minor">
+            <a:schemeClr val="lt1"/>
+          </a:fontRef>
+        </p:style>
+      </p:sp>
+      <p:sp>
+        <p:nvSpPr>
+          <p:cNvPr id="38" name="Isosceles Triangle 24">
+            <a:extLst>
+              <a:ext uri="{FF2B5EF4-FFF2-40B4-BE49-F238E27FC236}">
+                <a16:creationId xmlns:a16="http://schemas.microsoft.com/office/drawing/2014/main" id="{C4CFB339-0ED8-4FE2-9EF1-6D1375B8499B}"/>
+              </a:ext>
+              <a:ext uri="{C183D7F6-B498-43B3-948B-1728B52AA6E4}">
+                <adec:decorative xmlns:adec="http://schemas.microsoft.com/office/drawing/2017/decorative" val="1"/>
+              </a:ext>
+            </a:extLst>
+          </p:cNvPr>
+          <p:cNvSpPr>
+            <a:spLocks noGrp="1" noRot="1" noChangeAspect="1" noMove="1" noResize="1" noEditPoints="1" noAdjustHandles="1" noChangeArrowheads="1" noChangeShapeType="1" noTextEdit="1"/>
+          </p:cNvSpPr>
+          <p:nvPr>
+            <p:extLst>
+              <p:ext uri="{386F3935-93C4-4BCD-93E2-E3B085C9AB24}">
+                <p16:designElem xmlns:p16="http://schemas.microsoft.com/office/powerpoint/2015/main" val="1"/>
+              </p:ext>
+            </p:extLst>
+          </p:nvPr>
+        </p:nvSpPr>
+        <p:spPr>
+          <a:xfrm>
+            <a:off x="8932333" y="3048000"/>
+            <a:ext cx="3259667" cy="3810000"/>
+          </a:xfrm>
+          <a:prstGeom prst="triangle">
+            <a:avLst>
+              <a:gd name="adj" fmla="val 100000"/>
+            </a:avLst>
+          </a:prstGeom>
+          <a:solidFill>
+            <a:schemeClr val="accent2">
+              <a:alpha val="72000"/>
+            </a:schemeClr>
+          </a:solidFill>
+          <a:ln>
+            <a:noFill/>
+          </a:ln>
+          <a:effectLst/>
+        </p:spPr>
+        <p:style>
+          <a:lnRef idx="1">
+            <a:schemeClr val="accent1"/>
+          </a:lnRef>
+          <a:fillRef idx="3">
+            <a:schemeClr val="accent1"/>
+          </a:fillRef>
+          <a:effectRef idx="2">
+            <a:schemeClr val="accent1"/>
+          </a:effectRef>
+          <a:fontRef idx="minor">
+            <a:schemeClr val="lt1"/>
+          </a:fontRef>
+        </p:style>
+      </p:sp>
+      <p:sp>
+        <p:nvSpPr>
+          <p:cNvPr id="40" name="Rectangle 27">
+            <a:extLst>
+              <a:ext uri="{FF2B5EF4-FFF2-40B4-BE49-F238E27FC236}">
+                <a16:creationId xmlns:a16="http://schemas.microsoft.com/office/drawing/2014/main" id="{31896C80-2069-4431-9C19-83B913734490}"/>
+              </a:ext>
+              <a:ext uri="{C183D7F6-B498-43B3-948B-1728B52AA6E4}">
+                <adec:decorative xmlns:adec="http://schemas.microsoft.com/office/drawing/2017/decorative" val="1"/>
+              </a:ext>
+            </a:extLst>
+          </p:cNvPr>
+          <p:cNvSpPr>
+            <a:spLocks noGrp="1" noRot="1" noChangeAspect="1" noMove="1" noResize="1" noEditPoints="1" noAdjustHandles="1" noChangeArrowheads="1" noChangeShapeType="1" noTextEdit="1"/>
+          </p:cNvSpPr>
+          <p:nvPr>
+            <p:extLst>
+              <p:ext uri="{386F3935-93C4-4BCD-93E2-E3B085C9AB24}">
+                <p16:designElem xmlns:p16="http://schemas.microsoft.com/office/powerpoint/2015/main" val="1"/>
+              </p:ext>
+            </p:extLst>
+          </p:nvPr>
+        </p:nvSpPr>
+        <p:spPr>
+          <a:xfrm>
+            <a:off x="9334500" y="-8467"/>
+            <a:ext cx="2854326" cy="6866467"/>
+          </a:xfrm>
+          <a:custGeom>
+            <a:avLst/>
+            <a:gdLst/>
+            <a:ahLst/>
+            <a:cxnLst/>
+            <a:rect l="l" t="t" r="r" b="b"/>
+            <a:pathLst>
+              <a:path w="2858013" h="6866467">
+                <a:moveTo>
+                  <a:pt x="0" y="0"/>
+                </a:moveTo>
+                <a:lnTo>
+                  <a:pt x="2858013" y="0"/>
+                </a:lnTo>
+                <a:lnTo>
+                  <a:pt x="2858013" y="6866467"/>
+                </a:lnTo>
+                <a:lnTo>
+                  <a:pt x="2473942" y="6866467"/>
+                </a:lnTo>
+                <a:lnTo>
+                  <a:pt x="0" y="0"/>
+                </a:lnTo>
+                <a:close/>
+              </a:path>
+            </a:pathLst>
+          </a:custGeom>
+          <a:solidFill>
+            <a:schemeClr val="accent2">
+              <a:lumMod val="75000"/>
+              <a:alpha val="47000"/>
+            </a:schemeClr>
+          </a:solidFill>
+          <a:ln>
+            <a:noFill/>
+          </a:ln>
+          <a:effectLst/>
+        </p:spPr>
+        <p:style>
+          <a:lnRef idx="1">
+            <a:schemeClr val="accent1"/>
+          </a:lnRef>
+          <a:fillRef idx="3">
+            <a:schemeClr val="accent1"/>
+          </a:fillRef>
+          <a:effectRef idx="2">
+            <a:schemeClr val="accent1"/>
+          </a:effectRef>
+          <a:fontRef idx="minor">
+            <a:schemeClr val="lt1"/>
+          </a:fontRef>
+        </p:style>
+      </p:sp>
+      <p:sp>
+        <p:nvSpPr>
+          <p:cNvPr id="42" name="Rectangle 28">
+            <a:extLst>
+              <a:ext uri="{FF2B5EF4-FFF2-40B4-BE49-F238E27FC236}">
+                <a16:creationId xmlns:a16="http://schemas.microsoft.com/office/drawing/2014/main" id="{BF120A21-0841-4823-B0C4-28AEBCEF9B78}"/>
+              </a:ext>
+              <a:ext uri="{C183D7F6-B498-43B3-948B-1728B52AA6E4}">
+                <adec:decorative xmlns:adec="http://schemas.microsoft.com/office/drawing/2017/decorative" val="1"/>
+              </a:ext>
+            </a:extLst>
+          </p:cNvPr>
+          <p:cNvSpPr>
+            <a:spLocks noGrp="1" noRot="1" noChangeAspect="1" noMove="1" noResize="1" noEditPoints="1" noAdjustHandles="1" noChangeArrowheads="1" noChangeShapeType="1" noTextEdit="1"/>
+          </p:cNvSpPr>
+          <p:nvPr>
+            <p:extLst>
+              <p:ext uri="{386F3935-93C4-4BCD-93E2-E3B085C9AB24}">
+                <p16:designElem xmlns:p16="http://schemas.microsoft.com/office/powerpoint/2015/main" val="1"/>
+              </p:ext>
+            </p:extLst>
+          </p:nvPr>
+        </p:nvSpPr>
+        <p:spPr>
+          <a:xfrm>
+            <a:off x="10898730" y="-8467"/>
+            <a:ext cx="1290094" cy="6866467"/>
+          </a:xfrm>
+          <a:custGeom>
+            <a:avLst/>
+            <a:gdLst/>
+            <a:ahLst/>
+            <a:cxnLst/>
+            <a:rect l="l" t="t" r="r" b="b"/>
+            <a:pathLst>
+              <a:path w="1290094" h="6858000">
+                <a:moveTo>
+                  <a:pt x="1019735" y="0"/>
+                </a:moveTo>
+                <a:lnTo>
+                  <a:pt x="1290094" y="0"/>
+                </a:lnTo>
+                <a:lnTo>
+                  <a:pt x="1290094" y="6858000"/>
+                </a:lnTo>
+                <a:lnTo>
+                  <a:pt x="0" y="6858000"/>
+                </a:lnTo>
+                <a:lnTo>
+                  <a:pt x="1019735" y="0"/>
+                </a:lnTo>
+                <a:close/>
+              </a:path>
+            </a:pathLst>
+          </a:custGeom>
+          <a:solidFill>
+            <a:schemeClr val="accent1">
+              <a:lumMod val="60000"/>
+              <a:lumOff val="40000"/>
+              <a:alpha val="70000"/>
+            </a:schemeClr>
+          </a:solidFill>
+          <a:ln>
+            <a:noFill/>
+          </a:ln>
+          <a:effectLst/>
+        </p:spPr>
+        <p:style>
+          <a:lnRef idx="1">
+            <a:schemeClr val="accent1"/>
+          </a:lnRef>
+          <a:fillRef idx="3">
+            <a:schemeClr val="accent1"/>
+          </a:fillRef>
+          <a:effectRef idx="2">
+            <a:schemeClr val="accent1"/>
+          </a:effectRef>
+          <a:fontRef idx="minor">
+            <a:schemeClr val="lt1"/>
+          </a:fontRef>
+        </p:style>
+      </p:sp>
+      <p:sp>
+        <p:nvSpPr>
+          <p:cNvPr id="44" name="Rectangle 29">
+            <a:extLst>
+              <a:ext uri="{FF2B5EF4-FFF2-40B4-BE49-F238E27FC236}">
+                <a16:creationId xmlns:a16="http://schemas.microsoft.com/office/drawing/2014/main" id="{DBB05BAE-BBD3-4289-899F-A6851503C6B0}"/>
+              </a:ext>
+              <a:ext uri="{C183D7F6-B498-43B3-948B-1728B52AA6E4}">
+                <adec:decorative xmlns:adec="http://schemas.microsoft.com/office/drawing/2017/decorative" val="1"/>
+              </a:ext>
+            </a:extLst>
+          </p:cNvPr>
+          <p:cNvSpPr>
+            <a:spLocks noGrp="1" noRot="1" noChangeAspect="1" noMove="1" noResize="1" noEditPoints="1" noAdjustHandles="1" noChangeArrowheads="1" noChangeShapeType="1" noTextEdit="1"/>
+          </p:cNvSpPr>
+          <p:nvPr>
+            <p:extLst>
+              <p:ext uri="{386F3935-93C4-4BCD-93E2-E3B085C9AB24}">
+                <p16:designElem xmlns:p16="http://schemas.microsoft.com/office/powerpoint/2015/main" val="1"/>
+              </p:ext>
+            </p:extLst>
+          </p:nvPr>
+        </p:nvSpPr>
+        <p:spPr>
+          <a:xfrm>
+            <a:off x="10938999" y="-8467"/>
+            <a:ext cx="1249825" cy="6866467"/>
+          </a:xfrm>
+          <a:custGeom>
+            <a:avLst/>
+            <a:gdLst/>
+            <a:ahLst/>
+            <a:cxnLst/>
+            <a:rect l="l" t="t" r="r" b="b"/>
+            <a:pathLst>
+              <a:path w="1249825" h="6858000">
+                <a:moveTo>
+                  <a:pt x="0" y="0"/>
+                </a:moveTo>
+                <a:lnTo>
+                  <a:pt x="1249825" y="0"/>
+                </a:lnTo>
+                <a:lnTo>
+                  <a:pt x="1249825" y="6858000"/>
+                </a:lnTo>
+                <a:lnTo>
+                  <a:pt x="1109382" y="6858000"/>
+                </a:lnTo>
+                <a:lnTo>
+                  <a:pt x="0" y="0"/>
+                </a:lnTo>
+                <a:close/>
+              </a:path>
+            </a:pathLst>
+          </a:custGeom>
+          <a:solidFill>
+            <a:schemeClr val="accent1">
+              <a:alpha val="65000"/>
+            </a:schemeClr>
+          </a:solidFill>
+          <a:ln>
+            <a:noFill/>
+          </a:ln>
+          <a:effectLst/>
+        </p:spPr>
+        <p:style>
+          <a:lnRef idx="1">
+            <a:schemeClr val="accent1"/>
+          </a:lnRef>
+          <a:fillRef idx="3">
+            <a:schemeClr val="accent1"/>
+          </a:fillRef>
+          <a:effectRef idx="2">
+            <a:schemeClr val="accent1"/>
+          </a:effectRef>
+          <a:fontRef idx="minor">
+            <a:schemeClr val="lt1"/>
+          </a:fontRef>
+        </p:style>
+      </p:sp>
+      <p:sp>
+        <p:nvSpPr>
+          <p:cNvPr id="46" name="Isosceles Triangle 29">
+            <a:extLst>
+              <a:ext uri="{FF2B5EF4-FFF2-40B4-BE49-F238E27FC236}">
+                <a16:creationId xmlns:a16="http://schemas.microsoft.com/office/drawing/2014/main" id="{9874D11C-36F5-4BBE-A490-019A54E953B0}"/>
+              </a:ext>
+              <a:ext uri="{C183D7F6-B498-43B3-948B-1728B52AA6E4}">
+                <adec:decorative xmlns:adec="http://schemas.microsoft.com/office/drawing/2017/decorative" val="1"/>
+              </a:ext>
+            </a:extLst>
+          </p:cNvPr>
+          <p:cNvSpPr>
+            <a:spLocks noGrp="1" noRot="1" noChangeAspect="1" noMove="1" noResize="1" noEditPoints="1" noAdjustHandles="1" noChangeArrowheads="1" noChangeShapeType="1" noTextEdit="1"/>
+          </p:cNvSpPr>
+          <p:nvPr>
+            <p:extLst>
+              <p:ext uri="{386F3935-93C4-4BCD-93E2-E3B085C9AB24}">
+                <p16:designElem xmlns:p16="http://schemas.microsoft.com/office/powerpoint/2015/main" val="1"/>
+              </p:ext>
+            </p:extLst>
+          </p:nvPr>
+        </p:nvSpPr>
+        <p:spPr>
+          <a:xfrm>
+            <a:off x="10371666" y="3589867"/>
+            <a:ext cx="1817159" cy="3268133"/>
+          </a:xfrm>
+          <a:prstGeom prst="triangle">
+            <a:avLst>
+              <a:gd name="adj" fmla="val 100000"/>
+            </a:avLst>
+          </a:prstGeom>
+          <a:solidFill>
+            <a:schemeClr val="accent1">
+              <a:alpha val="80000"/>
+            </a:schemeClr>
+          </a:solidFill>
+          <a:ln>
+            <a:noFill/>
+          </a:ln>
+          <a:effectLst/>
+        </p:spPr>
+        <p:style>
+          <a:lnRef idx="1">
+            <a:schemeClr val="accent1"/>
+          </a:lnRef>
+          <a:fillRef idx="3">
+            <a:schemeClr val="accent1"/>
+          </a:fillRef>
+          <a:effectRef idx="2">
+            <a:schemeClr val="accent1"/>
+          </a:effectRef>
+          <a:fontRef idx="minor">
+            <a:schemeClr val="lt1"/>
+          </a:fontRef>
+        </p:style>
+      </p:sp>
+    </p:spTree>
+    <p:extLst>
+      <p:ext uri="{BB962C8B-B14F-4D97-AF65-F5344CB8AC3E}">
+        <p14:creationId xmlns:p14="http://schemas.microsoft.com/office/powerpoint/2010/main" val="2050189775"/>
+      </p:ext>
+    </p:extLst>
+  </p:cSld>
+  <p:clrMapOvr>
+    <a:masterClrMapping/>
+  </p:clrMapOvr>
+</p:sld>
+</file>
+
+<file path=ppt/slides/slide8.xml><?xml version="1.0" encoding="utf-8"?>
 <p:sld xmlns:a="http://schemas.openxmlformats.org/drawingml/2006/main" xmlns:r="http://schemas.openxmlformats.org/officeDocument/2006/relationships" xmlns:p="http://schemas.openxmlformats.org/presentationml/2006/main">
   <p:cSld>
     <p:bg>
@@ -7196,7 +6233,7 @@
           <p:cNvPr id="4" name="Image 3">
             <a:extLst>
               <a:ext uri="{FF2B5EF4-FFF2-40B4-BE49-F238E27FC236}">
-                <a16:creationId xmlns:a16="http://schemas.microsoft.com/office/drawing/2014/main" id="{2ECDB434-5129-4292-9CBF-0BB8A352A894}"/>
+                <a16:creationId xmlns:a16="http://schemas.microsoft.com/office/drawing/2014/main" id="{5692CD8A-A297-4574-BC2C-9E32FE4D03EC}"/>
               </a:ext>
             </a:extLst>
           </p:cNvPr>
@@ -7207,7 +6244,7 @@
         </p:nvPicPr>
         <p:blipFill rotWithShape="1">
           <a:blip r:embed="rId2"/>
-          <a:srcRect l="1985" r="11664" b="-2"/>
+          <a:srcRect l="7723" r="24701" b="1"/>
           <a:stretch/>
         </p:blipFill>
         <p:spPr>
@@ -7306,9 +6343,12 @@
           </a:bodyPr>
           <a:lstStyle/>
           <a:p>
+            <a:br>
+              <a:rPr lang="fr-FR" dirty="0"/>
+            </a:br>
             <a:r>
               <a:rPr lang="fr-FR" dirty="0"/>
-              <a:t>Présentation visuelle</a:t>
+              <a:t>JS</a:t>
             </a:r>
           </a:p>
         </p:txBody>
@@ -7337,16 +6377,26 @@
         </p:spPr>
         <p:txBody>
           <a:bodyPr>
-            <a:normAutofit fontScale="92500" lnSpcReduction="20000"/>
+            <a:normAutofit/>
           </a:bodyPr>
           <a:lstStyle/>
           <a:p>
-            <a:pPr>
+            <a:pPr marL="0" indent="0">
               <a:lnSpc>
                 <a:spcPct val="90000"/>
               </a:lnSpc>
+              <a:buNone/>
             </a:pPr>
-            <a:endParaRPr lang="fr-FR" dirty="0"/>
+            <a:endParaRPr lang="fr-FR" sz="1400" dirty="0"/>
+          </a:p>
+          <a:p>
+            <a:pPr marL="0" indent="0">
+              <a:lnSpc>
+                <a:spcPct val="90000"/>
+              </a:lnSpc>
+              <a:buNone/>
+            </a:pPr>
+            <a:endParaRPr lang="fr-FR" sz="1400" dirty="0"/>
           </a:p>
           <a:p>
             <a:pPr>
@@ -7355,8 +6405,8 @@
               </a:lnSpc>
             </a:pPr>
             <a:r>
-              <a:rPr lang="fr-FR" dirty="0"/>
-              <a:t>L’accueil</a:t>
+              <a:rPr lang="fr-FR" sz="1400" dirty="0"/>
+              <a:t>POO</a:t>
             </a:r>
           </a:p>
           <a:p>
@@ -7365,7 +6415,7 @@
                 <a:spcPct val="90000"/>
               </a:lnSpc>
             </a:pPr>
-            <a:endParaRPr lang="fr-FR" dirty="0"/>
+            <a:endParaRPr lang="fr-FR" sz="1400" dirty="0"/>
           </a:p>
           <a:p>
             <a:pPr>
@@ -7374,8 +6424,8 @@
               </a:lnSpc>
             </a:pPr>
             <a:r>
-              <a:rPr lang="fr-FR" dirty="0"/>
-              <a:t>L’espace connexion</a:t>
+              <a:rPr lang="fr-FR" sz="1400" dirty="0"/>
+              <a:t>Class</a:t>
             </a:r>
           </a:p>
           <a:p>
@@ -7384,7 +6434,7 @@
                 <a:spcPct val="90000"/>
               </a:lnSpc>
             </a:pPr>
-            <a:endParaRPr lang="fr-FR" dirty="0"/>
+            <a:endParaRPr lang="fr-FR" sz="1400" dirty="0"/>
           </a:p>
           <a:p>
             <a:pPr>
@@ -7393,8 +6443,8 @@
               </a:lnSpc>
             </a:pPr>
             <a:r>
-              <a:rPr lang="fr-FR" dirty="0"/>
-              <a:t>L’effectif</a:t>
+              <a:rPr lang="fr-FR" sz="1400" dirty="0"/>
+              <a:t>Ajax</a:t>
             </a:r>
           </a:p>
           <a:p>
@@ -7403,7 +6453,7 @@
                 <a:spcPct val="90000"/>
               </a:lnSpc>
             </a:pPr>
-            <a:endParaRPr lang="fr-FR" dirty="0"/>
+            <a:endParaRPr lang="fr-FR" sz="1400" dirty="0"/>
           </a:p>
           <a:p>
             <a:pPr>
@@ -7412,8 +6462,8 @@
               </a:lnSpc>
             </a:pPr>
             <a:r>
-              <a:rPr lang="fr-FR" dirty="0"/>
-              <a:t>L’infos club</a:t>
+              <a:rPr lang="fr-FR" sz="1400" dirty="0"/>
+              <a:t>JQuery </a:t>
             </a:r>
           </a:p>
           <a:p>
@@ -7422,7 +6472,25 @@
                 <a:spcPct val="90000"/>
               </a:lnSpc>
             </a:pPr>
-            <a:endParaRPr lang="fr-FR" dirty="0"/>
+            <a:endParaRPr lang="fr-FR" sz="1400" dirty="0"/>
+          </a:p>
+          <a:p>
+            <a:pPr marL="0" indent="0">
+              <a:lnSpc>
+                <a:spcPct val="90000"/>
+              </a:lnSpc>
+              <a:buNone/>
+            </a:pPr>
+            <a:endParaRPr lang="fr-FR" sz="1400" dirty="0"/>
+          </a:p>
+          <a:p>
+            <a:pPr marL="0" indent="0">
+              <a:lnSpc>
+                <a:spcPct val="90000"/>
+              </a:lnSpc>
+              <a:buNone/>
+            </a:pPr>
+            <a:endParaRPr lang="fr-FR" sz="1400" dirty="0"/>
           </a:p>
           <a:p>
             <a:pPr>
@@ -7430,10 +6498,7 @@
                 <a:spcPct val="90000"/>
               </a:lnSpc>
             </a:pPr>
-            <a:r>
-              <a:rPr lang="fr-FR" dirty="0"/>
-              <a:t>L’administration</a:t>
-            </a:r>
+            <a:endParaRPr lang="fr-FR" sz="1400" dirty="0"/>
           </a:p>
           <a:p>
             <a:pPr>
@@ -7441,42 +6506,16 @@
                 <a:spcPct val="90000"/>
               </a:lnSpc>
             </a:pPr>
-            <a:endParaRPr lang="fr-FR" dirty="0"/>
-          </a:p>
-          <a:p>
-            <a:pPr>
+            <a:endParaRPr lang="fr-FR" sz="1400" dirty="0"/>
+          </a:p>
+          <a:p>
+            <a:pPr marL="0" indent="0">
               <a:lnSpc>
                 <a:spcPct val="90000"/>
               </a:lnSpc>
+              <a:buNone/>
             </a:pPr>
-            <a:r>
-              <a:rPr lang="fr-FR" dirty="0"/>
-              <a:t>Les matchs</a:t>
-            </a:r>
-          </a:p>
-          <a:p>
-            <a:pPr>
-              <a:lnSpc>
-                <a:spcPct val="90000"/>
-              </a:lnSpc>
-            </a:pPr>
-            <a:endParaRPr lang="fr-FR" dirty="0"/>
-          </a:p>
-          <a:p>
-            <a:pPr>
-              <a:lnSpc>
-                <a:spcPct val="90000"/>
-              </a:lnSpc>
-            </a:pPr>
-            <a:endParaRPr lang="fr-FR" dirty="0"/>
-          </a:p>
-          <a:p>
-            <a:pPr>
-              <a:lnSpc>
-                <a:spcPct val="90000"/>
-              </a:lnSpc>
-            </a:pPr>
-            <a:endParaRPr lang="fr-FR" dirty="0"/>
+            <a:endParaRPr lang="fr-FR" sz="1400" dirty="0"/>
           </a:p>
           <a:p>
             <a:pPr lvl="1">
@@ -7486,13 +6525,13 @@
               <a:buFont typeface="Wingdings" panose="05000000000000000000" pitchFamily="2" charset="2"/>
               <a:buChar char="§"/>
             </a:pPr>
-            <a:endParaRPr lang="fr-FR" dirty="0"/>
+            <a:endParaRPr lang="fr-FR" sz="1400" dirty="0"/>
           </a:p>
         </p:txBody>
       </p:sp>
       <p:cxnSp>
         <p:nvCxnSpPr>
-          <p:cNvPr id="9" name="Straight Connector 8">
+          <p:cNvPr id="51" name="Straight Connector 50">
             <a:extLst>
               <a:ext uri="{FF2B5EF4-FFF2-40B4-BE49-F238E27FC236}">
                 <a16:creationId xmlns:a16="http://schemas.microsoft.com/office/drawing/2014/main" id="{64FA5DFF-7FE6-4855-84E6-DFA78EE978BD}"/>
@@ -7546,7 +6585,7 @@
       </p:cxnSp>
       <p:cxnSp>
         <p:nvCxnSpPr>
-          <p:cNvPr id="11" name="Straight Connector 10">
+          <p:cNvPr id="53" name="Straight Connector 52">
             <a:extLst>
               <a:ext uri="{FF2B5EF4-FFF2-40B4-BE49-F238E27FC236}">
                 <a16:creationId xmlns:a16="http://schemas.microsoft.com/office/drawing/2014/main" id="{2AFD8CBA-54A3-4363-991B-B9C631BBFA74}"/>
@@ -7600,7 +6639,7 @@
       </p:cxnSp>
       <p:sp>
         <p:nvSpPr>
-          <p:cNvPr id="13" name="Rectangle 23">
+          <p:cNvPr id="55" name="Rectangle 23">
             <a:extLst>
               <a:ext uri="{FF2B5EF4-FFF2-40B4-BE49-F238E27FC236}">
                 <a16:creationId xmlns:a16="http://schemas.microsoft.com/office/drawing/2014/main" id="{3F088236-D655-4F88-B238-E16762358025}"/>
@@ -7680,7 +6719,7 @@
       </p:sp>
       <p:sp>
         <p:nvSpPr>
-          <p:cNvPr id="15" name="Rectangle 25">
+          <p:cNvPr id="57" name="Rectangle 25">
             <a:extLst>
               <a:ext uri="{FF2B5EF4-FFF2-40B4-BE49-F238E27FC236}">
                 <a16:creationId xmlns:a16="http://schemas.microsoft.com/office/drawing/2014/main" id="{3DAC0C92-199E-475C-9390-119A9B027276}"/>
@@ -7760,7 +6799,7 @@
       </p:sp>
       <p:sp>
         <p:nvSpPr>
-          <p:cNvPr id="17" name="Isosceles Triangle 24">
+          <p:cNvPr id="59" name="Isosceles Triangle 24">
             <a:extLst>
               <a:ext uri="{FF2B5EF4-FFF2-40B4-BE49-F238E27FC236}">
                 <a16:creationId xmlns:a16="http://schemas.microsoft.com/office/drawing/2014/main" id="{C4CFB339-0ED8-4FE2-9EF1-6D1375B8499B}"/>
@@ -7818,7 +6857,7 @@
       </p:sp>
       <p:sp>
         <p:nvSpPr>
-          <p:cNvPr id="19" name="Rectangle 27">
+          <p:cNvPr id="61" name="Rectangle 27">
             <a:extLst>
               <a:ext uri="{FF2B5EF4-FFF2-40B4-BE49-F238E27FC236}">
                 <a16:creationId xmlns:a16="http://schemas.microsoft.com/office/drawing/2014/main" id="{31896C80-2069-4431-9C19-83B913734490}"/>
@@ -7899,7 +6938,7 @@
       </p:sp>
       <p:sp>
         <p:nvSpPr>
-          <p:cNvPr id="21" name="Rectangle 28">
+          <p:cNvPr id="63" name="Rectangle 28">
             <a:extLst>
               <a:ext uri="{FF2B5EF4-FFF2-40B4-BE49-F238E27FC236}">
                 <a16:creationId xmlns:a16="http://schemas.microsoft.com/office/drawing/2014/main" id="{BF120A21-0841-4823-B0C4-28AEBCEF9B78}"/>
@@ -7981,7 +7020,7 @@
       </p:sp>
       <p:sp>
         <p:nvSpPr>
-          <p:cNvPr id="23" name="Rectangle 29">
+          <p:cNvPr id="65" name="Rectangle 29">
             <a:extLst>
               <a:ext uri="{FF2B5EF4-FFF2-40B4-BE49-F238E27FC236}">
                 <a16:creationId xmlns:a16="http://schemas.microsoft.com/office/drawing/2014/main" id="{DBB05BAE-BBD3-4289-899F-A6851503C6B0}"/>
@@ -8061,7 +7100,7 @@
       </p:sp>
       <p:sp>
         <p:nvSpPr>
-          <p:cNvPr id="25" name="Isosceles Triangle 29">
+          <p:cNvPr id="67" name="Isosceles Triangle 29">
             <a:extLst>
               <a:ext uri="{FF2B5EF4-FFF2-40B4-BE49-F238E27FC236}">
                 <a16:creationId xmlns:a16="http://schemas.microsoft.com/office/drawing/2014/main" id="{9874D11C-36F5-4BBE-A490-019A54E953B0}"/>
@@ -8120,7 +7159,899 @@
     </p:spTree>
     <p:extLst>
       <p:ext uri="{BB962C8B-B14F-4D97-AF65-F5344CB8AC3E}">
-        <p14:creationId xmlns:p14="http://schemas.microsoft.com/office/powerpoint/2010/main" val="3148531729"/>
+        <p14:creationId xmlns:p14="http://schemas.microsoft.com/office/powerpoint/2010/main" val="4127522006"/>
+      </p:ext>
+    </p:extLst>
+  </p:cSld>
+  <p:clrMapOvr>
+    <a:masterClrMapping/>
+  </p:clrMapOvr>
+</p:sld>
+</file>
+
+<file path=ppt/slides/slide9.xml><?xml version="1.0" encoding="utf-8"?>
+<p:sld xmlns:a="http://schemas.openxmlformats.org/drawingml/2006/main" xmlns:r="http://schemas.openxmlformats.org/officeDocument/2006/relationships" xmlns:p="http://schemas.openxmlformats.org/presentationml/2006/main">
+  <p:cSld>
+    <p:bg>
+      <p:bgPr>
+        <a:solidFill>
+          <a:schemeClr val="bg1"/>
+        </a:solidFill>
+        <a:effectLst/>
+      </p:bgPr>
+    </p:bg>
+    <p:spTree>
+      <p:nvGrpSpPr>
+        <p:cNvPr id="1" name=""/>
+        <p:cNvGrpSpPr/>
+        <p:nvPr/>
+      </p:nvGrpSpPr>
+      <p:grpSpPr>
+        <a:xfrm>
+          <a:off x="0" y="0"/>
+          <a:ext cx="0" cy="0"/>
+          <a:chOff x="0" y="0"/>
+          <a:chExt cx="0" cy="0"/>
+        </a:xfrm>
+      </p:grpSpPr>
+      <p:pic>
+        <p:nvPicPr>
+          <p:cNvPr id="5" name="Image 4">
+            <a:extLst>
+              <a:ext uri="{FF2B5EF4-FFF2-40B4-BE49-F238E27FC236}">
+                <a16:creationId xmlns:a16="http://schemas.microsoft.com/office/drawing/2014/main" id="{11C0B75C-4D6B-4134-8846-BBA615C55104}"/>
+              </a:ext>
+            </a:extLst>
+          </p:cNvPr>
+          <p:cNvPicPr>
+            <a:picLocks noChangeAspect="1"/>
+          </p:cNvPicPr>
+          <p:nvPr/>
+        </p:nvPicPr>
+        <p:blipFill rotWithShape="1">
+          <a:blip r:embed="rId2"/>
+          <a:srcRect l="22397" r="20133" b="-1"/>
+          <a:stretch/>
+        </p:blipFill>
+        <p:spPr>
+          <a:xfrm>
+            <a:off x="4269854" y="-1"/>
+            <a:ext cx="7922146" cy="6858001"/>
+          </a:xfrm>
+          <a:custGeom>
+            <a:avLst/>
+            <a:gdLst/>
+            <a:ahLst/>
+            <a:cxnLst/>
+            <a:rect l="l" t="t" r="r" b="b"/>
+            <a:pathLst>
+              <a:path w="7922146" h="6858001">
+                <a:moveTo>
+                  <a:pt x="379987" y="0"/>
+                </a:moveTo>
+                <a:lnTo>
+                  <a:pt x="5304971" y="0"/>
+                </a:lnTo>
+                <a:lnTo>
+                  <a:pt x="7065281" y="0"/>
+                </a:lnTo>
+                <a:lnTo>
+                  <a:pt x="7397540" y="0"/>
+                </a:lnTo>
+                <a:lnTo>
+                  <a:pt x="7397540" y="1"/>
+                </a:lnTo>
+                <a:lnTo>
+                  <a:pt x="7922146" y="1"/>
+                </a:lnTo>
+                <a:lnTo>
+                  <a:pt x="7922146" y="6858001"/>
+                </a:lnTo>
+                <a:lnTo>
+                  <a:pt x="7065281" y="6858001"/>
+                </a:lnTo>
+                <a:lnTo>
+                  <a:pt x="7065281" y="6858000"/>
+                </a:lnTo>
+                <a:lnTo>
+                  <a:pt x="5932989" y="6858000"/>
+                </a:lnTo>
+                <a:lnTo>
+                  <a:pt x="5932989" y="6858001"/>
+                </a:lnTo>
+                <a:lnTo>
+                  <a:pt x="27809" y="6858001"/>
+                </a:lnTo>
+                <a:lnTo>
+                  <a:pt x="1803228" y="4521201"/>
+                </a:lnTo>
+                <a:close/>
+                <a:moveTo>
+                  <a:pt x="0" y="0"/>
+                </a:moveTo>
+                <a:lnTo>
+                  <a:pt x="379987" y="0"/>
+                </a:lnTo>
+                <a:lnTo>
+                  <a:pt x="0" y="407"/>
+                </a:lnTo>
+                <a:close/>
+              </a:path>
+            </a:pathLst>
+          </a:custGeom>
+        </p:spPr>
+      </p:pic>
+      <p:sp>
+        <p:nvSpPr>
+          <p:cNvPr id="2" name="Titre 1">
+            <a:extLst>
+              <a:ext uri="{FF2B5EF4-FFF2-40B4-BE49-F238E27FC236}">
+                <a16:creationId xmlns:a16="http://schemas.microsoft.com/office/drawing/2014/main" id="{F111BF1A-BDB4-4675-8829-601BA8BA353A}"/>
+              </a:ext>
+            </a:extLst>
+          </p:cNvPr>
+          <p:cNvSpPr>
+            <a:spLocks noGrp="1"/>
+          </p:cNvSpPr>
+          <p:nvPr>
+            <p:ph type="title"/>
+          </p:nvPr>
+        </p:nvSpPr>
+        <p:spPr>
+          <a:xfrm>
+            <a:off x="677333" y="609600"/>
+            <a:ext cx="3851123" cy="1320800"/>
+          </a:xfrm>
+        </p:spPr>
+        <p:txBody>
+          <a:bodyPr>
+            <a:normAutofit/>
+          </a:bodyPr>
+          <a:lstStyle/>
+          <a:p>
+            <a:br>
+              <a:rPr lang="fr-FR" dirty="0"/>
+            </a:br>
+            <a:r>
+              <a:rPr lang="fr-FR" dirty="0"/>
+              <a:t>HTML/CSS</a:t>
+            </a:r>
+          </a:p>
+        </p:txBody>
+      </p:sp>
+      <p:sp>
+        <p:nvSpPr>
+          <p:cNvPr id="3" name="Espace réservé du contenu 2">
+            <a:extLst>
+              <a:ext uri="{FF2B5EF4-FFF2-40B4-BE49-F238E27FC236}">
+                <a16:creationId xmlns:a16="http://schemas.microsoft.com/office/drawing/2014/main" id="{345439BB-435B-4533-B86E-BD703C28FB4B}"/>
+              </a:ext>
+            </a:extLst>
+          </p:cNvPr>
+          <p:cNvSpPr>
+            <a:spLocks noGrp="1"/>
+          </p:cNvSpPr>
+          <p:nvPr>
+            <p:ph idx="1"/>
+          </p:nvPr>
+        </p:nvSpPr>
+        <p:spPr>
+          <a:xfrm>
+            <a:off x="677334" y="2160589"/>
+            <a:ext cx="3851122" cy="3880773"/>
+          </a:xfrm>
+        </p:spPr>
+        <p:txBody>
+          <a:bodyPr>
+            <a:normAutofit/>
+          </a:bodyPr>
+          <a:lstStyle/>
+          <a:p>
+            <a:pPr marL="0" indent="0">
+              <a:buNone/>
+            </a:pPr>
+            <a:endParaRPr lang="fr-FR" dirty="0"/>
+          </a:p>
+          <a:p>
+            <a:pPr marL="0" indent="0">
+              <a:buNone/>
+            </a:pPr>
+            <a:endParaRPr lang="fr-FR" dirty="0"/>
+          </a:p>
+          <a:p>
+            <a:r>
+              <a:rPr lang="fr-FR" dirty="0"/>
+              <a:t>CSS</a:t>
+            </a:r>
+          </a:p>
+          <a:p>
+            <a:endParaRPr lang="fr-FR" dirty="0"/>
+          </a:p>
+          <a:p>
+            <a:r>
+              <a:rPr lang="fr-FR" dirty="0"/>
+              <a:t>Bootstrap</a:t>
+            </a:r>
+          </a:p>
+          <a:p>
+            <a:endParaRPr lang="fr-FR" dirty="0"/>
+          </a:p>
+          <a:p>
+            <a:r>
+              <a:rPr lang="fr-FR" dirty="0"/>
+              <a:t>Validation W3C</a:t>
+            </a:r>
+          </a:p>
+          <a:p>
+            <a:endParaRPr lang="fr-FR" dirty="0"/>
+          </a:p>
+          <a:p>
+            <a:endParaRPr lang="fr-FR" dirty="0"/>
+          </a:p>
+          <a:p>
+            <a:pPr marL="0" indent="0">
+              <a:buNone/>
+            </a:pPr>
+            <a:endParaRPr lang="fr-FR" dirty="0"/>
+          </a:p>
+          <a:p>
+            <a:pPr marL="0" indent="0">
+              <a:buNone/>
+            </a:pPr>
+            <a:endParaRPr lang="fr-FR" dirty="0"/>
+          </a:p>
+          <a:p>
+            <a:endParaRPr lang="fr-FR" dirty="0"/>
+          </a:p>
+          <a:p>
+            <a:endParaRPr lang="fr-FR" dirty="0"/>
+          </a:p>
+          <a:p>
+            <a:pPr marL="0" indent="0">
+              <a:buNone/>
+            </a:pPr>
+            <a:endParaRPr lang="fr-FR" dirty="0"/>
+          </a:p>
+          <a:p>
+            <a:pPr lvl="1">
+              <a:buFont typeface="Wingdings" panose="05000000000000000000" pitchFamily="2" charset="2"/>
+              <a:buChar char="§"/>
+            </a:pPr>
+            <a:endParaRPr lang="fr-FR" dirty="0"/>
+          </a:p>
+        </p:txBody>
+      </p:sp>
+      <p:cxnSp>
+        <p:nvCxnSpPr>
+          <p:cNvPr id="72" name="Straight Connector 71">
+            <a:extLst>
+              <a:ext uri="{FF2B5EF4-FFF2-40B4-BE49-F238E27FC236}">
+                <a16:creationId xmlns:a16="http://schemas.microsoft.com/office/drawing/2014/main" id="{64FA5DFF-7FE6-4855-84E6-DFA78EE978BD}"/>
+              </a:ext>
+              <a:ext uri="{C183D7F6-B498-43B3-948B-1728B52AA6E4}">
+                <adec:decorative xmlns:adec="http://schemas.microsoft.com/office/drawing/2017/decorative" val="1"/>
+              </a:ext>
+            </a:extLst>
+          </p:cNvPr>
+          <p:cNvCxnSpPr>
+            <a:cxnSpLocks noGrp="1" noRot="1" noChangeAspect="1" noMove="1" noResize="1" noEditPoints="1" noAdjustHandles="1" noChangeArrowheads="1" noChangeShapeType="1"/>
+          </p:cNvCxnSpPr>
+          <p:nvPr>
+            <p:extLst>
+              <p:ext uri="{386F3935-93C4-4BCD-93E2-E3B085C9AB24}">
+                <p16:designElem xmlns:p16="http://schemas.microsoft.com/office/powerpoint/2015/main" val="1"/>
+              </p:ext>
+            </p:extLst>
+          </p:nvPr>
+        </p:nvCxnSpPr>
+        <p:spPr>
+          <a:xfrm>
+            <a:off x="9371012" y="0"/>
+            <a:ext cx="1219200" cy="6858000"/>
+          </a:xfrm>
+          <a:prstGeom prst="line">
+            <a:avLst/>
+          </a:prstGeom>
+          <a:ln w="9525">
+            <a:solidFill>
+              <a:schemeClr val="bg1">
+                <a:lumMod val="75000"/>
+              </a:schemeClr>
+            </a:solidFill>
+          </a:ln>
+        </p:spPr>
+        <p:style>
+          <a:lnRef idx="2">
+            <a:schemeClr val="accent1"/>
+          </a:lnRef>
+          <a:fillRef idx="0">
+            <a:schemeClr val="accent1"/>
+          </a:fillRef>
+          <a:effectRef idx="1">
+            <a:schemeClr val="accent1"/>
+          </a:effectRef>
+          <a:fontRef idx="minor">
+            <a:schemeClr val="tx1"/>
+          </a:fontRef>
+        </p:style>
+      </p:cxnSp>
+      <p:cxnSp>
+        <p:nvCxnSpPr>
+          <p:cNvPr id="74" name="Straight Connector 73">
+            <a:extLst>
+              <a:ext uri="{FF2B5EF4-FFF2-40B4-BE49-F238E27FC236}">
+                <a16:creationId xmlns:a16="http://schemas.microsoft.com/office/drawing/2014/main" id="{2AFD8CBA-54A3-4363-991B-B9C631BBFA74}"/>
+              </a:ext>
+              <a:ext uri="{C183D7F6-B498-43B3-948B-1728B52AA6E4}">
+                <adec:decorative xmlns:adec="http://schemas.microsoft.com/office/drawing/2017/decorative" val="1"/>
+              </a:ext>
+            </a:extLst>
+          </p:cNvPr>
+          <p:cNvCxnSpPr>
+            <a:cxnSpLocks noGrp="1" noRot="1" noChangeAspect="1" noMove="1" noResize="1" noEditPoints="1" noAdjustHandles="1" noChangeArrowheads="1" noChangeShapeType="1"/>
+          </p:cNvCxnSpPr>
+          <p:nvPr>
+            <p:extLst>
+              <p:ext uri="{386F3935-93C4-4BCD-93E2-E3B085C9AB24}">
+                <p16:designElem xmlns:p16="http://schemas.microsoft.com/office/powerpoint/2015/main" val="1"/>
+              </p:ext>
+            </p:extLst>
+          </p:nvPr>
+        </p:nvCxnSpPr>
+        <p:spPr>
+          <a:xfrm flipH="1">
+            <a:off x="7425267" y="3681413"/>
+            <a:ext cx="4763558" cy="3176587"/>
+          </a:xfrm>
+          <a:prstGeom prst="line">
+            <a:avLst/>
+          </a:prstGeom>
+          <a:ln w="9525">
+            <a:solidFill>
+              <a:schemeClr val="bg1">
+                <a:lumMod val="85000"/>
+              </a:schemeClr>
+            </a:solidFill>
+          </a:ln>
+        </p:spPr>
+        <p:style>
+          <a:lnRef idx="2">
+            <a:schemeClr val="accent1"/>
+          </a:lnRef>
+          <a:fillRef idx="0">
+            <a:schemeClr val="accent1"/>
+          </a:fillRef>
+          <a:effectRef idx="1">
+            <a:schemeClr val="accent1"/>
+          </a:effectRef>
+          <a:fontRef idx="minor">
+            <a:schemeClr val="tx1"/>
+          </a:fontRef>
+        </p:style>
+      </p:cxnSp>
+      <p:sp>
+        <p:nvSpPr>
+          <p:cNvPr id="76" name="Rectangle 23">
+            <a:extLst>
+              <a:ext uri="{FF2B5EF4-FFF2-40B4-BE49-F238E27FC236}">
+                <a16:creationId xmlns:a16="http://schemas.microsoft.com/office/drawing/2014/main" id="{3F088236-D655-4F88-B238-E16762358025}"/>
+              </a:ext>
+              <a:ext uri="{C183D7F6-B498-43B3-948B-1728B52AA6E4}">
+                <adec:decorative xmlns:adec="http://schemas.microsoft.com/office/drawing/2017/decorative" val="1"/>
+              </a:ext>
+            </a:extLst>
+          </p:cNvPr>
+          <p:cNvSpPr>
+            <a:spLocks noGrp="1" noRot="1" noChangeAspect="1" noMove="1" noResize="1" noEditPoints="1" noAdjustHandles="1" noChangeArrowheads="1" noChangeShapeType="1" noTextEdit="1"/>
+          </p:cNvSpPr>
+          <p:nvPr>
+            <p:extLst>
+              <p:ext uri="{386F3935-93C4-4BCD-93E2-E3B085C9AB24}">
+                <p16:designElem xmlns:p16="http://schemas.microsoft.com/office/powerpoint/2015/main" val="1"/>
+              </p:ext>
+            </p:extLst>
+          </p:nvPr>
+        </p:nvSpPr>
+        <p:spPr>
+          <a:xfrm>
+            <a:off x="9181476" y="-8467"/>
+            <a:ext cx="3007349" cy="6866467"/>
+          </a:xfrm>
+          <a:custGeom>
+            <a:avLst/>
+            <a:gdLst/>
+            <a:ahLst/>
+            <a:cxnLst/>
+            <a:rect l="l" t="t" r="r" b="b"/>
+            <a:pathLst>
+              <a:path w="3007349" h="6866467">
+                <a:moveTo>
+                  <a:pt x="2045532" y="0"/>
+                </a:moveTo>
+                <a:lnTo>
+                  <a:pt x="3007349" y="0"/>
+                </a:lnTo>
+                <a:lnTo>
+                  <a:pt x="3007349" y="6866467"/>
+                </a:lnTo>
+                <a:lnTo>
+                  <a:pt x="0" y="6866467"/>
+                </a:lnTo>
+                <a:lnTo>
+                  <a:pt x="2045532" y="0"/>
+                </a:lnTo>
+                <a:close/>
+              </a:path>
+            </a:pathLst>
+          </a:custGeom>
+          <a:solidFill>
+            <a:schemeClr val="accent1">
+              <a:alpha val="30000"/>
+            </a:schemeClr>
+          </a:solidFill>
+          <a:ln>
+            <a:noFill/>
+          </a:ln>
+          <a:effectLst/>
+        </p:spPr>
+        <p:style>
+          <a:lnRef idx="1">
+            <a:schemeClr val="accent1"/>
+          </a:lnRef>
+          <a:fillRef idx="3">
+            <a:schemeClr val="accent1"/>
+          </a:fillRef>
+          <a:effectRef idx="2">
+            <a:schemeClr val="accent1"/>
+          </a:effectRef>
+          <a:fontRef idx="minor">
+            <a:schemeClr val="lt1"/>
+          </a:fontRef>
+        </p:style>
+      </p:sp>
+      <p:sp>
+        <p:nvSpPr>
+          <p:cNvPr id="78" name="Rectangle 25">
+            <a:extLst>
+              <a:ext uri="{FF2B5EF4-FFF2-40B4-BE49-F238E27FC236}">
+                <a16:creationId xmlns:a16="http://schemas.microsoft.com/office/drawing/2014/main" id="{3DAC0C92-199E-475C-9390-119A9B027276}"/>
+              </a:ext>
+              <a:ext uri="{C183D7F6-B498-43B3-948B-1728B52AA6E4}">
+                <adec:decorative xmlns:adec="http://schemas.microsoft.com/office/drawing/2017/decorative" val="1"/>
+              </a:ext>
+            </a:extLst>
+          </p:cNvPr>
+          <p:cNvSpPr>
+            <a:spLocks noGrp="1" noRot="1" noChangeAspect="1" noMove="1" noResize="1" noEditPoints="1" noAdjustHandles="1" noChangeArrowheads="1" noChangeShapeType="1" noTextEdit="1"/>
+          </p:cNvSpPr>
+          <p:nvPr>
+            <p:extLst>
+              <p:ext uri="{386F3935-93C4-4BCD-93E2-E3B085C9AB24}">
+                <p16:designElem xmlns:p16="http://schemas.microsoft.com/office/powerpoint/2015/main" val="1"/>
+              </p:ext>
+            </p:extLst>
+          </p:nvPr>
+        </p:nvSpPr>
+        <p:spPr>
+          <a:xfrm>
+            <a:off x="9603442" y="-8467"/>
+            <a:ext cx="2588558" cy="6866467"/>
+          </a:xfrm>
+          <a:custGeom>
+            <a:avLst/>
+            <a:gdLst/>
+            <a:ahLst/>
+            <a:cxnLst/>
+            <a:rect l="l" t="t" r="r" b="b"/>
+            <a:pathLst>
+              <a:path w="2573311" h="6866467">
+                <a:moveTo>
+                  <a:pt x="0" y="0"/>
+                </a:moveTo>
+                <a:lnTo>
+                  <a:pt x="2573311" y="0"/>
+                </a:lnTo>
+                <a:lnTo>
+                  <a:pt x="2573311" y="6866467"/>
+                </a:lnTo>
+                <a:lnTo>
+                  <a:pt x="1202336" y="6866467"/>
+                </a:lnTo>
+                <a:lnTo>
+                  <a:pt x="0" y="0"/>
+                </a:lnTo>
+                <a:close/>
+              </a:path>
+            </a:pathLst>
+          </a:custGeom>
+          <a:solidFill>
+            <a:schemeClr val="accent1">
+              <a:alpha val="20000"/>
+            </a:schemeClr>
+          </a:solidFill>
+          <a:ln>
+            <a:noFill/>
+          </a:ln>
+          <a:effectLst/>
+        </p:spPr>
+        <p:style>
+          <a:lnRef idx="1">
+            <a:schemeClr val="accent1"/>
+          </a:lnRef>
+          <a:fillRef idx="3">
+            <a:schemeClr val="accent1"/>
+          </a:fillRef>
+          <a:effectRef idx="2">
+            <a:schemeClr val="accent1"/>
+          </a:effectRef>
+          <a:fontRef idx="minor">
+            <a:schemeClr val="lt1"/>
+          </a:fontRef>
+        </p:style>
+      </p:sp>
+      <p:sp>
+        <p:nvSpPr>
+          <p:cNvPr id="80" name="Isosceles Triangle 24">
+            <a:extLst>
+              <a:ext uri="{FF2B5EF4-FFF2-40B4-BE49-F238E27FC236}">
+                <a16:creationId xmlns:a16="http://schemas.microsoft.com/office/drawing/2014/main" id="{C4CFB339-0ED8-4FE2-9EF1-6D1375B8499B}"/>
+              </a:ext>
+              <a:ext uri="{C183D7F6-B498-43B3-948B-1728B52AA6E4}">
+                <adec:decorative xmlns:adec="http://schemas.microsoft.com/office/drawing/2017/decorative" val="1"/>
+              </a:ext>
+            </a:extLst>
+          </p:cNvPr>
+          <p:cNvSpPr>
+            <a:spLocks noGrp="1" noRot="1" noChangeAspect="1" noMove="1" noResize="1" noEditPoints="1" noAdjustHandles="1" noChangeArrowheads="1" noChangeShapeType="1" noTextEdit="1"/>
+          </p:cNvSpPr>
+          <p:nvPr>
+            <p:extLst>
+              <p:ext uri="{386F3935-93C4-4BCD-93E2-E3B085C9AB24}">
+                <p16:designElem xmlns:p16="http://schemas.microsoft.com/office/powerpoint/2015/main" val="1"/>
+              </p:ext>
+            </p:extLst>
+          </p:nvPr>
+        </p:nvSpPr>
+        <p:spPr>
+          <a:xfrm>
+            <a:off x="8932333" y="3048000"/>
+            <a:ext cx="3259667" cy="3810000"/>
+          </a:xfrm>
+          <a:prstGeom prst="triangle">
+            <a:avLst>
+              <a:gd name="adj" fmla="val 100000"/>
+            </a:avLst>
+          </a:prstGeom>
+          <a:solidFill>
+            <a:schemeClr val="accent2">
+              <a:alpha val="72000"/>
+            </a:schemeClr>
+          </a:solidFill>
+          <a:ln>
+            <a:noFill/>
+          </a:ln>
+          <a:effectLst/>
+        </p:spPr>
+        <p:style>
+          <a:lnRef idx="1">
+            <a:schemeClr val="accent1"/>
+          </a:lnRef>
+          <a:fillRef idx="3">
+            <a:schemeClr val="accent1"/>
+          </a:fillRef>
+          <a:effectRef idx="2">
+            <a:schemeClr val="accent1"/>
+          </a:effectRef>
+          <a:fontRef idx="minor">
+            <a:schemeClr val="lt1"/>
+          </a:fontRef>
+        </p:style>
+      </p:sp>
+      <p:sp>
+        <p:nvSpPr>
+          <p:cNvPr id="82" name="Rectangle 27">
+            <a:extLst>
+              <a:ext uri="{FF2B5EF4-FFF2-40B4-BE49-F238E27FC236}">
+                <a16:creationId xmlns:a16="http://schemas.microsoft.com/office/drawing/2014/main" id="{31896C80-2069-4431-9C19-83B913734490}"/>
+              </a:ext>
+              <a:ext uri="{C183D7F6-B498-43B3-948B-1728B52AA6E4}">
+                <adec:decorative xmlns:adec="http://schemas.microsoft.com/office/drawing/2017/decorative" val="1"/>
+              </a:ext>
+            </a:extLst>
+          </p:cNvPr>
+          <p:cNvSpPr>
+            <a:spLocks noGrp="1" noRot="1" noChangeAspect="1" noMove="1" noResize="1" noEditPoints="1" noAdjustHandles="1" noChangeArrowheads="1" noChangeShapeType="1" noTextEdit="1"/>
+          </p:cNvSpPr>
+          <p:nvPr>
+            <p:extLst>
+              <p:ext uri="{386F3935-93C4-4BCD-93E2-E3B085C9AB24}">
+                <p16:designElem xmlns:p16="http://schemas.microsoft.com/office/powerpoint/2015/main" val="1"/>
+              </p:ext>
+            </p:extLst>
+          </p:nvPr>
+        </p:nvSpPr>
+        <p:spPr>
+          <a:xfrm>
+            <a:off x="9334500" y="-8467"/>
+            <a:ext cx="2854326" cy="6866467"/>
+          </a:xfrm>
+          <a:custGeom>
+            <a:avLst/>
+            <a:gdLst/>
+            <a:ahLst/>
+            <a:cxnLst/>
+            <a:rect l="l" t="t" r="r" b="b"/>
+            <a:pathLst>
+              <a:path w="2858013" h="6866467">
+                <a:moveTo>
+                  <a:pt x="0" y="0"/>
+                </a:moveTo>
+                <a:lnTo>
+                  <a:pt x="2858013" y="0"/>
+                </a:lnTo>
+                <a:lnTo>
+                  <a:pt x="2858013" y="6866467"/>
+                </a:lnTo>
+                <a:lnTo>
+                  <a:pt x="2473942" y="6866467"/>
+                </a:lnTo>
+                <a:lnTo>
+                  <a:pt x="0" y="0"/>
+                </a:lnTo>
+                <a:close/>
+              </a:path>
+            </a:pathLst>
+          </a:custGeom>
+          <a:solidFill>
+            <a:schemeClr val="accent2">
+              <a:lumMod val="75000"/>
+              <a:alpha val="47000"/>
+            </a:schemeClr>
+          </a:solidFill>
+          <a:ln>
+            <a:noFill/>
+          </a:ln>
+          <a:effectLst/>
+        </p:spPr>
+        <p:style>
+          <a:lnRef idx="1">
+            <a:schemeClr val="accent1"/>
+          </a:lnRef>
+          <a:fillRef idx="3">
+            <a:schemeClr val="accent1"/>
+          </a:fillRef>
+          <a:effectRef idx="2">
+            <a:schemeClr val="accent1"/>
+          </a:effectRef>
+          <a:fontRef idx="minor">
+            <a:schemeClr val="lt1"/>
+          </a:fontRef>
+        </p:style>
+      </p:sp>
+      <p:sp>
+        <p:nvSpPr>
+          <p:cNvPr id="84" name="Rectangle 28">
+            <a:extLst>
+              <a:ext uri="{FF2B5EF4-FFF2-40B4-BE49-F238E27FC236}">
+                <a16:creationId xmlns:a16="http://schemas.microsoft.com/office/drawing/2014/main" id="{BF120A21-0841-4823-B0C4-28AEBCEF9B78}"/>
+              </a:ext>
+              <a:ext uri="{C183D7F6-B498-43B3-948B-1728B52AA6E4}">
+                <adec:decorative xmlns:adec="http://schemas.microsoft.com/office/drawing/2017/decorative" val="1"/>
+              </a:ext>
+            </a:extLst>
+          </p:cNvPr>
+          <p:cNvSpPr>
+            <a:spLocks noGrp="1" noRot="1" noChangeAspect="1" noMove="1" noResize="1" noEditPoints="1" noAdjustHandles="1" noChangeArrowheads="1" noChangeShapeType="1" noTextEdit="1"/>
+          </p:cNvSpPr>
+          <p:nvPr>
+            <p:extLst>
+              <p:ext uri="{386F3935-93C4-4BCD-93E2-E3B085C9AB24}">
+                <p16:designElem xmlns:p16="http://schemas.microsoft.com/office/powerpoint/2015/main" val="1"/>
+              </p:ext>
+            </p:extLst>
+          </p:nvPr>
+        </p:nvSpPr>
+        <p:spPr>
+          <a:xfrm>
+            <a:off x="10898730" y="-8467"/>
+            <a:ext cx="1290094" cy="6866467"/>
+          </a:xfrm>
+          <a:custGeom>
+            <a:avLst/>
+            <a:gdLst/>
+            <a:ahLst/>
+            <a:cxnLst/>
+            <a:rect l="l" t="t" r="r" b="b"/>
+            <a:pathLst>
+              <a:path w="1290094" h="6858000">
+                <a:moveTo>
+                  <a:pt x="1019735" y="0"/>
+                </a:moveTo>
+                <a:lnTo>
+                  <a:pt x="1290094" y="0"/>
+                </a:lnTo>
+                <a:lnTo>
+                  <a:pt x="1290094" y="6858000"/>
+                </a:lnTo>
+                <a:lnTo>
+                  <a:pt x="0" y="6858000"/>
+                </a:lnTo>
+                <a:lnTo>
+                  <a:pt x="1019735" y="0"/>
+                </a:lnTo>
+                <a:close/>
+              </a:path>
+            </a:pathLst>
+          </a:custGeom>
+          <a:solidFill>
+            <a:schemeClr val="accent1">
+              <a:lumMod val="60000"/>
+              <a:lumOff val="40000"/>
+              <a:alpha val="70000"/>
+            </a:schemeClr>
+          </a:solidFill>
+          <a:ln>
+            <a:noFill/>
+          </a:ln>
+          <a:effectLst/>
+        </p:spPr>
+        <p:style>
+          <a:lnRef idx="1">
+            <a:schemeClr val="accent1"/>
+          </a:lnRef>
+          <a:fillRef idx="3">
+            <a:schemeClr val="accent1"/>
+          </a:fillRef>
+          <a:effectRef idx="2">
+            <a:schemeClr val="accent1"/>
+          </a:effectRef>
+          <a:fontRef idx="minor">
+            <a:schemeClr val="lt1"/>
+          </a:fontRef>
+        </p:style>
+      </p:sp>
+      <p:sp>
+        <p:nvSpPr>
+          <p:cNvPr id="86" name="Rectangle 29">
+            <a:extLst>
+              <a:ext uri="{FF2B5EF4-FFF2-40B4-BE49-F238E27FC236}">
+                <a16:creationId xmlns:a16="http://schemas.microsoft.com/office/drawing/2014/main" id="{DBB05BAE-BBD3-4289-899F-A6851503C6B0}"/>
+              </a:ext>
+              <a:ext uri="{C183D7F6-B498-43B3-948B-1728B52AA6E4}">
+                <adec:decorative xmlns:adec="http://schemas.microsoft.com/office/drawing/2017/decorative" val="1"/>
+              </a:ext>
+            </a:extLst>
+          </p:cNvPr>
+          <p:cNvSpPr>
+            <a:spLocks noGrp="1" noRot="1" noChangeAspect="1" noMove="1" noResize="1" noEditPoints="1" noAdjustHandles="1" noChangeArrowheads="1" noChangeShapeType="1" noTextEdit="1"/>
+          </p:cNvSpPr>
+          <p:nvPr>
+            <p:extLst>
+              <p:ext uri="{386F3935-93C4-4BCD-93E2-E3B085C9AB24}">
+                <p16:designElem xmlns:p16="http://schemas.microsoft.com/office/powerpoint/2015/main" val="1"/>
+              </p:ext>
+            </p:extLst>
+          </p:nvPr>
+        </p:nvSpPr>
+        <p:spPr>
+          <a:xfrm>
+            <a:off x="10938999" y="-8467"/>
+            <a:ext cx="1249825" cy="6866467"/>
+          </a:xfrm>
+          <a:custGeom>
+            <a:avLst/>
+            <a:gdLst/>
+            <a:ahLst/>
+            <a:cxnLst/>
+            <a:rect l="l" t="t" r="r" b="b"/>
+            <a:pathLst>
+              <a:path w="1249825" h="6858000">
+                <a:moveTo>
+                  <a:pt x="0" y="0"/>
+                </a:moveTo>
+                <a:lnTo>
+                  <a:pt x="1249825" y="0"/>
+                </a:lnTo>
+                <a:lnTo>
+                  <a:pt x="1249825" y="6858000"/>
+                </a:lnTo>
+                <a:lnTo>
+                  <a:pt x="1109382" y="6858000"/>
+                </a:lnTo>
+                <a:lnTo>
+                  <a:pt x="0" y="0"/>
+                </a:lnTo>
+                <a:close/>
+              </a:path>
+            </a:pathLst>
+          </a:custGeom>
+          <a:solidFill>
+            <a:schemeClr val="accent1">
+              <a:alpha val="65000"/>
+            </a:schemeClr>
+          </a:solidFill>
+          <a:ln>
+            <a:noFill/>
+          </a:ln>
+          <a:effectLst/>
+        </p:spPr>
+        <p:style>
+          <a:lnRef idx="1">
+            <a:schemeClr val="accent1"/>
+          </a:lnRef>
+          <a:fillRef idx="3">
+            <a:schemeClr val="accent1"/>
+          </a:fillRef>
+          <a:effectRef idx="2">
+            <a:schemeClr val="accent1"/>
+          </a:effectRef>
+          <a:fontRef idx="minor">
+            <a:schemeClr val="lt1"/>
+          </a:fontRef>
+        </p:style>
+      </p:sp>
+      <p:sp>
+        <p:nvSpPr>
+          <p:cNvPr id="88" name="Isosceles Triangle 29">
+            <a:extLst>
+              <a:ext uri="{FF2B5EF4-FFF2-40B4-BE49-F238E27FC236}">
+                <a16:creationId xmlns:a16="http://schemas.microsoft.com/office/drawing/2014/main" id="{9874D11C-36F5-4BBE-A490-019A54E953B0}"/>
+              </a:ext>
+              <a:ext uri="{C183D7F6-B498-43B3-948B-1728B52AA6E4}">
+                <adec:decorative xmlns:adec="http://schemas.microsoft.com/office/drawing/2017/decorative" val="1"/>
+              </a:ext>
+            </a:extLst>
+          </p:cNvPr>
+          <p:cNvSpPr>
+            <a:spLocks noGrp="1" noRot="1" noChangeAspect="1" noMove="1" noResize="1" noEditPoints="1" noAdjustHandles="1" noChangeArrowheads="1" noChangeShapeType="1" noTextEdit="1"/>
+          </p:cNvSpPr>
+          <p:nvPr>
+            <p:extLst>
+              <p:ext uri="{386F3935-93C4-4BCD-93E2-E3B085C9AB24}">
+                <p16:designElem xmlns:p16="http://schemas.microsoft.com/office/powerpoint/2015/main" val="1"/>
+              </p:ext>
+            </p:extLst>
+          </p:nvPr>
+        </p:nvSpPr>
+        <p:spPr>
+          <a:xfrm>
+            <a:off x="10371666" y="3589867"/>
+            <a:ext cx="1817159" cy="3268133"/>
+          </a:xfrm>
+          <a:prstGeom prst="triangle">
+            <a:avLst>
+              <a:gd name="adj" fmla="val 100000"/>
+            </a:avLst>
+          </a:prstGeom>
+          <a:solidFill>
+            <a:schemeClr val="accent1">
+              <a:alpha val="80000"/>
+            </a:schemeClr>
+          </a:solidFill>
+          <a:ln>
+            <a:noFill/>
+          </a:ln>
+          <a:effectLst/>
+        </p:spPr>
+        <p:style>
+          <a:lnRef idx="1">
+            <a:schemeClr val="accent1"/>
+          </a:lnRef>
+          <a:fillRef idx="3">
+            <a:schemeClr val="accent1"/>
+          </a:fillRef>
+          <a:effectRef idx="2">
+            <a:schemeClr val="accent1"/>
+          </a:effectRef>
+          <a:fontRef idx="minor">
+            <a:schemeClr val="lt1"/>
+          </a:fontRef>
+        </p:style>
+      </p:sp>
+    </p:spTree>
+    <p:extLst>
+      <p:ext uri="{BB962C8B-B14F-4D97-AF65-F5344CB8AC3E}">
+        <p14:creationId xmlns:p14="http://schemas.microsoft.com/office/powerpoint/2010/main" val="2770856481"/>
       </p:ext>
     </p:extLst>
   </p:cSld>
@@ -8131,301 +8062,6 @@
 </file>
 
 <file path=ppt/theme/theme1.xml><?xml version="1.0" encoding="utf-8"?>
-<a:theme xmlns:a="http://schemas.openxmlformats.org/drawingml/2006/main" name="Thème Office">
-  <a:themeElements>
-    <a:clrScheme name="Office">
-      <a:dk1>
-        <a:sysClr val="windowText" lastClr="000000"/>
-      </a:dk1>
-      <a:lt1>
-        <a:sysClr val="window" lastClr="FFFFFF"/>
-      </a:lt1>
-      <a:dk2>
-        <a:srgbClr val="44546A"/>
-      </a:dk2>
-      <a:lt2>
-        <a:srgbClr val="E7E6E6"/>
-      </a:lt2>
-      <a:accent1>
-        <a:srgbClr val="4472C4"/>
-      </a:accent1>
-      <a:accent2>
-        <a:srgbClr val="ED7D31"/>
-      </a:accent2>
-      <a:accent3>
-        <a:srgbClr val="A5A5A5"/>
-      </a:accent3>
-      <a:accent4>
-        <a:srgbClr val="FFC000"/>
-      </a:accent4>
-      <a:accent5>
-        <a:srgbClr val="5B9BD5"/>
-      </a:accent5>
-      <a:accent6>
-        <a:srgbClr val="70AD47"/>
-      </a:accent6>
-      <a:hlink>
-        <a:srgbClr val="0563C1"/>
-      </a:hlink>
-      <a:folHlink>
-        <a:srgbClr val="954F72"/>
-      </a:folHlink>
-    </a:clrScheme>
-    <a:fontScheme name="Office">
-      <a:majorFont>
-        <a:latin typeface="Calibri Light" panose="020F0302020204030204"/>
-        <a:ea typeface=""/>
-        <a:cs typeface=""/>
-        <a:font script="Jpan" typeface="游ゴシック Light"/>
-        <a:font script="Hang" typeface="맑은 고딕"/>
-        <a:font script="Hans" typeface="等线 Light"/>
-        <a:font script="Hant" typeface="新細明體"/>
-        <a:font script="Arab" typeface="Times New Roman"/>
-        <a:font script="Hebr" typeface="Times New Roman"/>
-        <a:font script="Thai" typeface="Angsana New"/>
-        <a:font script="Ethi" typeface="Nyala"/>
-        <a:font script="Beng" typeface="Vrinda"/>
-        <a:font script="Gujr" typeface="Shruti"/>
-        <a:font script="Khmr" typeface="MoolBoran"/>
-        <a:font script="Knda" typeface="Tunga"/>
-        <a:font script="Guru" typeface="Raavi"/>
-        <a:font script="Cans" typeface="Euphemia"/>
-        <a:font script="Cher" typeface="Plantagenet Cherokee"/>
-        <a:font script="Yiii" typeface="Microsoft Yi Baiti"/>
-        <a:font script="Tibt" typeface="Microsoft Himalaya"/>
-        <a:font script="Thaa" typeface="MV Boli"/>
-        <a:font script="Deva" typeface="Mangal"/>
-        <a:font script="Telu" typeface="Gautami"/>
-        <a:font script="Taml" typeface="Latha"/>
-        <a:font script="Syrc" typeface="Estrangelo Edessa"/>
-        <a:font script="Orya" typeface="Kalinga"/>
-        <a:font script="Mlym" typeface="Kartika"/>
-        <a:font script="Laoo" typeface="DokChampa"/>
-        <a:font script="Sinh" typeface="Iskoola Pota"/>
-        <a:font script="Mong" typeface="Mongolian Baiti"/>
-        <a:font script="Viet" typeface="Times New Roman"/>
-        <a:font script="Uigh" typeface="Microsoft Uighur"/>
-        <a:font script="Geor" typeface="Sylfaen"/>
-        <a:font script="Armn" typeface="Arial"/>
-        <a:font script="Bugi" typeface="Leelawadee UI"/>
-        <a:font script="Bopo" typeface="Microsoft JhengHei"/>
-        <a:font script="Java" typeface="Javanese Text"/>
-        <a:font script="Lisu" typeface="Segoe UI"/>
-        <a:font script="Mymr" typeface="Myanmar Text"/>
-        <a:font script="Nkoo" typeface="Ebrima"/>
-        <a:font script="Olck" typeface="Nirmala UI"/>
-        <a:font script="Osma" typeface="Ebrima"/>
-        <a:font script="Phag" typeface="Phagspa"/>
-        <a:font script="Syrn" typeface="Estrangelo Edessa"/>
-        <a:font script="Syrj" typeface="Estrangelo Edessa"/>
-        <a:font script="Syre" typeface="Estrangelo Edessa"/>
-        <a:font script="Sora" typeface="Nirmala UI"/>
-        <a:font script="Tale" typeface="Microsoft Tai Le"/>
-        <a:font script="Talu" typeface="Microsoft New Tai Lue"/>
-        <a:font script="Tfng" typeface="Ebrima"/>
-      </a:majorFont>
-      <a:minorFont>
-        <a:latin typeface="Calibri" panose="020F0502020204030204"/>
-        <a:ea typeface=""/>
-        <a:cs typeface=""/>
-        <a:font script="Jpan" typeface="游ゴシック"/>
-        <a:font script="Hang" typeface="맑은 고딕"/>
-        <a:font script="Hans" typeface="等线"/>
-        <a:font script="Hant" typeface="新細明體"/>
-        <a:font script="Arab" typeface="Arial"/>
-        <a:font script="Hebr" typeface="Arial"/>
-        <a:font script="Thai" typeface="Cordia New"/>
-        <a:font script="Ethi" typeface="Nyala"/>
-        <a:font script="Beng" typeface="Vrinda"/>
-        <a:font script="Gujr" typeface="Shruti"/>
-        <a:font script="Khmr" typeface="DaunPenh"/>
-        <a:font script="Knda" typeface="Tunga"/>
-        <a:font script="Guru" typeface="Raavi"/>
-        <a:font script="Cans" typeface="Euphemia"/>
-        <a:font script="Cher" typeface="Plantagenet Cherokee"/>
-        <a:font script="Yiii" typeface="Microsoft Yi Baiti"/>
-        <a:font script="Tibt" typeface="Microsoft Himalaya"/>
-        <a:font script="Thaa" typeface="MV Boli"/>
-        <a:font script="Deva" typeface="Mangal"/>
-        <a:font script="Telu" typeface="Gautami"/>
-        <a:font script="Taml" typeface="Latha"/>
-        <a:font script="Syrc" typeface="Estrangelo Edessa"/>
-        <a:font script="Orya" typeface="Kalinga"/>
-        <a:font script="Mlym" typeface="Kartika"/>
-        <a:font script="Laoo" typeface="DokChampa"/>
-        <a:font script="Sinh" typeface="Iskoola Pota"/>
-        <a:font script="Mong" typeface="Mongolian Baiti"/>
-        <a:font script="Viet" typeface="Arial"/>
-        <a:font script="Uigh" typeface="Microsoft Uighur"/>
-        <a:font script="Geor" typeface="Sylfaen"/>
-        <a:font script="Armn" typeface="Arial"/>
-        <a:font script="Bugi" typeface="Leelawadee UI"/>
-        <a:font script="Bopo" typeface="Microsoft JhengHei"/>
-        <a:font script="Java" typeface="Javanese Text"/>
-        <a:font script="Lisu" typeface="Segoe UI"/>
-        <a:font script="Mymr" typeface="Myanmar Text"/>
-        <a:font script="Nkoo" typeface="Ebrima"/>
-        <a:font script="Olck" typeface="Nirmala UI"/>
-        <a:font script="Osma" typeface="Ebrima"/>
-        <a:font script="Phag" typeface="Phagspa"/>
-        <a:font script="Syrn" typeface="Estrangelo Edessa"/>
-        <a:font script="Syrj" typeface="Estrangelo Edessa"/>
-        <a:font script="Syre" typeface="Estrangelo Edessa"/>
-        <a:font script="Sora" typeface="Nirmala UI"/>
-        <a:font script="Tale" typeface="Microsoft Tai Le"/>
-        <a:font script="Talu" typeface="Microsoft New Tai Lue"/>
-        <a:font script="Tfng" typeface="Ebrima"/>
-      </a:minorFont>
-    </a:fontScheme>
-    <a:fmtScheme name="Office">
-      <a:fillStyleLst>
-        <a:solidFill>
-          <a:schemeClr val="phClr"/>
-        </a:solidFill>
-        <a:gradFill rotWithShape="1">
-          <a:gsLst>
-            <a:gs pos="0">
-              <a:schemeClr val="phClr">
-                <a:lumMod val="110000"/>
-                <a:satMod val="105000"/>
-                <a:tint val="67000"/>
-              </a:schemeClr>
-            </a:gs>
-            <a:gs pos="50000">
-              <a:schemeClr val="phClr">
-                <a:lumMod val="105000"/>
-                <a:satMod val="103000"/>
-                <a:tint val="73000"/>
-              </a:schemeClr>
-            </a:gs>
-            <a:gs pos="100000">
-              <a:schemeClr val="phClr">
-                <a:lumMod val="105000"/>
-                <a:satMod val="109000"/>
-                <a:tint val="81000"/>
-              </a:schemeClr>
-            </a:gs>
-          </a:gsLst>
-          <a:lin ang="5400000" scaled="0"/>
-        </a:gradFill>
-        <a:gradFill rotWithShape="1">
-          <a:gsLst>
-            <a:gs pos="0">
-              <a:schemeClr val="phClr">
-                <a:satMod val="103000"/>
-                <a:lumMod val="102000"/>
-                <a:tint val="94000"/>
-              </a:schemeClr>
-            </a:gs>
-            <a:gs pos="50000">
-              <a:schemeClr val="phClr">
-                <a:satMod val="110000"/>
-                <a:lumMod val="100000"/>
-                <a:shade val="100000"/>
-              </a:schemeClr>
-            </a:gs>
-            <a:gs pos="100000">
-              <a:schemeClr val="phClr">
-                <a:lumMod val="99000"/>
-                <a:satMod val="120000"/>
-                <a:shade val="78000"/>
-              </a:schemeClr>
-            </a:gs>
-          </a:gsLst>
-          <a:lin ang="5400000" scaled="0"/>
-        </a:gradFill>
-      </a:fillStyleLst>
-      <a:lnStyleLst>
-        <a:ln w="6350" cap="flat" cmpd="sng" algn="ctr">
-          <a:solidFill>
-            <a:schemeClr val="phClr"/>
-          </a:solidFill>
-          <a:prstDash val="solid"/>
-          <a:miter lim="800000"/>
-        </a:ln>
-        <a:ln w="12700" cap="flat" cmpd="sng" algn="ctr">
-          <a:solidFill>
-            <a:schemeClr val="phClr"/>
-          </a:solidFill>
-          <a:prstDash val="solid"/>
-          <a:miter lim="800000"/>
-        </a:ln>
-        <a:ln w="19050" cap="flat" cmpd="sng" algn="ctr">
-          <a:solidFill>
-            <a:schemeClr val="phClr"/>
-          </a:solidFill>
-          <a:prstDash val="solid"/>
-          <a:miter lim="800000"/>
-        </a:ln>
-      </a:lnStyleLst>
-      <a:effectStyleLst>
-        <a:effectStyle>
-          <a:effectLst/>
-        </a:effectStyle>
-        <a:effectStyle>
-          <a:effectLst/>
-        </a:effectStyle>
-        <a:effectStyle>
-          <a:effectLst>
-            <a:outerShdw blurRad="57150" dist="19050" dir="5400000" algn="ctr" rotWithShape="0">
-              <a:srgbClr val="000000">
-                <a:alpha val="63000"/>
-              </a:srgbClr>
-            </a:outerShdw>
-          </a:effectLst>
-        </a:effectStyle>
-      </a:effectStyleLst>
-      <a:bgFillStyleLst>
-        <a:solidFill>
-          <a:schemeClr val="phClr"/>
-        </a:solidFill>
-        <a:solidFill>
-          <a:schemeClr val="phClr">
-            <a:tint val="95000"/>
-            <a:satMod val="170000"/>
-          </a:schemeClr>
-        </a:solidFill>
-        <a:gradFill rotWithShape="1">
-          <a:gsLst>
-            <a:gs pos="0">
-              <a:schemeClr val="phClr">
-                <a:tint val="93000"/>
-                <a:satMod val="150000"/>
-                <a:shade val="98000"/>
-                <a:lumMod val="102000"/>
-              </a:schemeClr>
-            </a:gs>
-            <a:gs pos="50000">
-              <a:schemeClr val="phClr">
-                <a:tint val="98000"/>
-                <a:satMod val="130000"/>
-                <a:shade val="90000"/>
-                <a:lumMod val="103000"/>
-              </a:schemeClr>
-            </a:gs>
-            <a:gs pos="100000">
-              <a:schemeClr val="phClr">
-                <a:shade val="63000"/>
-                <a:satMod val="120000"/>
-              </a:schemeClr>
-            </a:gs>
-          </a:gsLst>
-          <a:lin ang="5400000" scaled="0"/>
-        </a:gradFill>
-      </a:bgFillStyleLst>
-    </a:fmtScheme>
-  </a:themeElements>
-  <a:objectDefaults/>
-  <a:extraClrSchemeLst/>
-  <a:extLst>
-    <a:ext uri="{05A4C25C-085E-4340-85A3-A5531E510DB2}">
-      <thm15:themeFamily xmlns:thm15="http://schemas.microsoft.com/office/thememl/2012/main" name="Office Theme" id="{62F939B6-93AF-4DB8-9C6B-D6C7DFDC589F}" vid="{4A3C46E8-61CC-4603-A589-7422A47A8E4A}"/>
-    </a:ext>
-  </a:extLst>
-</a:theme>
-</file>
-
-<file path=ppt/theme/theme2.xml><?xml version="1.0" encoding="utf-8"?>
 <a:theme xmlns:a="http://schemas.openxmlformats.org/drawingml/2006/main" name="Facette">
   <a:themeElements>
     <a:clrScheme name="Facet">
